--- a/CSNS_March_2019/2_Tuesday_March_26th/2_guides/guide_intro_talk.pptx
+++ b/CSNS_March_2019/2_Tuesday_March_26th/2_guides/guide_intro_talk.pptx
@@ -1536,7 +1536,7 @@
           </a:ln>
           <a:extLst>
             <a:ext uri="{C572A759-6A51-4108-AA02-DFA0A04FC94B}">
-              <ma14:wrappingTextBoxFlag xmlns="" xmlns:m="http://schemas.openxmlformats.org/officeDocument/2006/math" xmlns:a14="http://schemas.microsoft.com/office/drawing/2010/main" xmlns:ma14="http://schemas.microsoft.com/office/mac/drawingml/2011/main" val="1"/>
+              <ma14:wrappingTextBoxFlag xmlns:ma14="http://schemas.microsoft.com/office/mac/drawingml/2011/main" xmlns:a14="http://schemas.microsoft.com/office/drawing/2010/main" xmlns:m="http://schemas.openxmlformats.org/officeDocument/2006/math" xmlns="" val="1"/>
             </a:ext>
           </a:extLst>
         </p:spPr>
@@ -1582,7 +1582,7 @@
           </a:ln>
           <a:extLst>
             <a:ext uri="{C572A759-6A51-4108-AA02-DFA0A04FC94B}">
-              <ma14:wrappingTextBoxFlag xmlns="" xmlns:m="http://schemas.openxmlformats.org/officeDocument/2006/math" xmlns:a14="http://schemas.microsoft.com/office/drawing/2010/main" xmlns:ma14="http://schemas.microsoft.com/office/mac/drawingml/2011/main" val="1"/>
+              <ma14:wrappingTextBoxFlag xmlns:ma14="http://schemas.microsoft.com/office/mac/drawingml/2011/main" xmlns:a14="http://schemas.microsoft.com/office/drawing/2010/main" xmlns:m="http://schemas.openxmlformats.org/officeDocument/2006/math" xmlns="" val="1"/>
             </a:ext>
           </a:extLst>
         </p:spPr>
@@ -2570,7 +2570,7 @@
             <a:effectLst/>
             <a:extLst>
               <a:ext uri="{C572A759-6A51-4108-AA02-DFA0A04FC94B}">
-                <ma14:wrappingTextBoxFlag xmlns="" xmlns:m="http://schemas.openxmlformats.org/officeDocument/2006/math" xmlns:a14="http://schemas.microsoft.com/office/drawing/2010/main" xmlns:ma14="http://schemas.microsoft.com/office/mac/drawingml/2011/main" val="1"/>
+                <ma14:wrappingTextBoxFlag xmlns:ma14="http://schemas.microsoft.com/office/mac/drawingml/2011/main" xmlns:a14="http://schemas.microsoft.com/office/drawing/2010/main" xmlns:m="http://schemas.openxmlformats.org/officeDocument/2006/math" xmlns="" val="1"/>
               </a:ext>
             </a:extLst>
           </p:spPr>
@@ -3168,7 +3168,7 @@
           </a:ln>
           <a:extLst>
             <a:ext uri="{C572A759-6A51-4108-AA02-DFA0A04FC94B}">
-              <ma14:wrappingTextBoxFlag xmlns="" xmlns:m="http://schemas.openxmlformats.org/officeDocument/2006/math" xmlns:a14="http://schemas.microsoft.com/office/drawing/2010/main" xmlns:ma14="http://schemas.microsoft.com/office/mac/drawingml/2011/main" val="1"/>
+              <ma14:wrappingTextBoxFlag xmlns:ma14="http://schemas.microsoft.com/office/mac/drawingml/2011/main" xmlns:a14="http://schemas.microsoft.com/office/drawing/2010/main" xmlns:m="http://schemas.openxmlformats.org/officeDocument/2006/math" xmlns="" val="1"/>
             </a:ext>
           </a:extLst>
         </p:spPr>
@@ -3214,7 +3214,7 @@
           </a:ln>
           <a:extLst>
             <a:ext uri="{C572A759-6A51-4108-AA02-DFA0A04FC94B}">
-              <ma14:wrappingTextBoxFlag xmlns="" xmlns:m="http://schemas.openxmlformats.org/officeDocument/2006/math" xmlns:a14="http://schemas.microsoft.com/office/drawing/2010/main" xmlns:ma14="http://schemas.microsoft.com/office/mac/drawingml/2011/main" val="1"/>
+              <ma14:wrappingTextBoxFlag xmlns:ma14="http://schemas.microsoft.com/office/mac/drawingml/2011/main" xmlns:a14="http://schemas.microsoft.com/office/drawing/2010/main" xmlns:m="http://schemas.openxmlformats.org/officeDocument/2006/math" xmlns="" val="1"/>
             </a:ext>
           </a:extLst>
         </p:spPr>
@@ -4118,7 +4118,7 @@
             <a:effectLst/>
             <a:extLst>
               <a:ext uri="{C572A759-6A51-4108-AA02-DFA0A04FC94B}">
-                <ma14:wrappingTextBoxFlag xmlns="" xmlns:m="http://schemas.openxmlformats.org/officeDocument/2006/math" xmlns:a14="http://schemas.microsoft.com/office/drawing/2010/main" xmlns:ma14="http://schemas.microsoft.com/office/mac/drawingml/2011/main" val="1"/>
+                <ma14:wrappingTextBoxFlag xmlns:ma14="http://schemas.microsoft.com/office/mac/drawingml/2011/main" xmlns:a14="http://schemas.microsoft.com/office/drawing/2010/main" xmlns:m="http://schemas.openxmlformats.org/officeDocument/2006/math" xmlns="" val="1"/>
               </a:ext>
             </a:extLst>
           </p:spPr>
@@ -4753,7 +4753,7 @@
           </a:ln>
           <a:extLst>
             <a:ext uri="{C572A759-6A51-4108-AA02-DFA0A04FC94B}">
-              <ma14:wrappingTextBoxFlag xmlns="" xmlns:m="http://schemas.openxmlformats.org/officeDocument/2006/math" xmlns:a14="http://schemas.microsoft.com/office/drawing/2010/main" xmlns:ma14="http://schemas.microsoft.com/office/mac/drawingml/2011/main" val="1"/>
+              <ma14:wrappingTextBoxFlag xmlns:ma14="http://schemas.microsoft.com/office/mac/drawingml/2011/main" xmlns:a14="http://schemas.microsoft.com/office/drawing/2010/main" xmlns:m="http://schemas.openxmlformats.org/officeDocument/2006/math" xmlns="" val="1"/>
             </a:ext>
           </a:extLst>
         </p:spPr>
@@ -4799,7 +4799,7 @@
           </a:ln>
           <a:extLst>
             <a:ext uri="{C572A759-6A51-4108-AA02-DFA0A04FC94B}">
-              <ma14:wrappingTextBoxFlag xmlns="" xmlns:m="http://schemas.openxmlformats.org/officeDocument/2006/math" xmlns:a14="http://schemas.microsoft.com/office/drawing/2010/main" xmlns:ma14="http://schemas.microsoft.com/office/mac/drawingml/2011/main" val="1"/>
+              <ma14:wrappingTextBoxFlag xmlns:ma14="http://schemas.microsoft.com/office/mac/drawingml/2011/main" xmlns:a14="http://schemas.microsoft.com/office/drawing/2010/main" xmlns:m="http://schemas.openxmlformats.org/officeDocument/2006/math" xmlns="" val="1"/>
             </a:ext>
           </a:extLst>
         </p:spPr>
@@ -5666,7 +5666,7 @@
             <a:effectLst/>
             <a:extLst>
               <a:ext uri="{C572A759-6A51-4108-AA02-DFA0A04FC94B}">
-                <ma14:wrappingTextBoxFlag xmlns="" xmlns:m="http://schemas.openxmlformats.org/officeDocument/2006/math" xmlns:a14="http://schemas.microsoft.com/office/drawing/2010/main" xmlns:ma14="http://schemas.microsoft.com/office/mac/drawingml/2011/main" val="1"/>
+                <ma14:wrappingTextBoxFlag xmlns:ma14="http://schemas.microsoft.com/office/mac/drawingml/2011/main" xmlns:a14="http://schemas.microsoft.com/office/drawing/2010/main" xmlns:m="http://schemas.openxmlformats.org/officeDocument/2006/math" xmlns="" val="1"/>
               </a:ext>
             </a:extLst>
           </p:spPr>
@@ -5719,7 +5719,7 @@
           </a:ln>
           <a:extLst>
             <a:ext uri="{C572A759-6A51-4108-AA02-DFA0A04FC94B}">
-              <ma14:wrappingTextBoxFlag xmlns="" xmlns:m="http://schemas.openxmlformats.org/officeDocument/2006/math" xmlns:a14="http://schemas.microsoft.com/office/drawing/2010/main" xmlns:ma14="http://schemas.microsoft.com/office/mac/drawingml/2011/main" val="1"/>
+              <ma14:wrappingTextBoxFlag xmlns:ma14="http://schemas.microsoft.com/office/mac/drawingml/2011/main" xmlns:a14="http://schemas.microsoft.com/office/drawing/2010/main" xmlns:m="http://schemas.openxmlformats.org/officeDocument/2006/math" xmlns="" val="1"/>
             </a:ext>
           </a:extLst>
         </p:spPr>
@@ -5756,7 +5756,7 @@
           </a:ln>
           <a:extLst>
             <a:ext uri="{C572A759-6A51-4108-AA02-DFA0A04FC94B}">
-              <ma14:wrappingTextBoxFlag xmlns="" xmlns:m="http://schemas.openxmlformats.org/officeDocument/2006/math" xmlns:a14="http://schemas.microsoft.com/office/drawing/2010/main" xmlns:ma14="http://schemas.microsoft.com/office/mac/drawingml/2011/main" val="1"/>
+              <ma14:wrappingTextBoxFlag xmlns:ma14="http://schemas.microsoft.com/office/mac/drawingml/2011/main" xmlns:a14="http://schemas.microsoft.com/office/drawing/2010/main" xmlns:m="http://schemas.openxmlformats.org/officeDocument/2006/math" xmlns="" val="1"/>
             </a:ext>
           </a:extLst>
         </p:spPr>
@@ -6695,7 +6695,7 @@
           </a:prstGeom>
           <a:extLst>
             <a:ext uri="{C572A759-6A51-4108-AA02-DFA0A04FC94B}">
-              <ma14:wrappingTextBoxFlag xmlns="" xmlns:m="http://schemas.openxmlformats.org/officeDocument/2006/math" xmlns:a14="http://schemas.microsoft.com/office/drawing/2010/main" xmlns:ma14="http://schemas.microsoft.com/office/mac/drawingml/2011/main" val="1"/>
+              <ma14:wrappingTextBoxFlag xmlns:ma14="http://schemas.microsoft.com/office/mac/drawingml/2011/main" xmlns:a14="http://schemas.microsoft.com/office/drawing/2010/main" xmlns:m="http://schemas.openxmlformats.org/officeDocument/2006/math" xmlns="" val="1"/>
             </a:ext>
           </a:extLst>
         </p:spPr>
@@ -6871,7 +6871,7 @@
           </a:prstGeom>
           <a:extLst>
             <a:ext uri="{C572A759-6A51-4108-AA02-DFA0A04FC94B}">
-              <ma14:wrappingTextBoxFlag xmlns="" xmlns:m="http://schemas.openxmlformats.org/officeDocument/2006/math" xmlns:a14="http://schemas.microsoft.com/office/drawing/2010/main" xmlns:ma14="http://schemas.microsoft.com/office/mac/drawingml/2011/main" val="1"/>
+              <ma14:wrappingTextBoxFlag xmlns:ma14="http://schemas.microsoft.com/office/mac/drawingml/2011/main" xmlns:a14="http://schemas.microsoft.com/office/drawing/2010/main" xmlns:m="http://schemas.openxmlformats.org/officeDocument/2006/math" xmlns="" val="1"/>
             </a:ext>
           </a:extLst>
         </p:spPr>
@@ -8410,7 +8410,7 @@
           </a:prstGeom>
           <a:extLst>
             <a:ext uri="{C572A759-6A51-4108-AA02-DFA0A04FC94B}">
-              <ma14:wrappingTextBoxFlag xmlns="" xmlns:m="http://schemas.openxmlformats.org/officeDocument/2006/math" xmlns:a14="http://schemas.microsoft.com/office/drawing/2010/main" xmlns:ma14="http://schemas.microsoft.com/office/mac/drawingml/2011/main" val="1"/>
+              <ma14:wrappingTextBoxFlag xmlns:ma14="http://schemas.microsoft.com/office/mac/drawingml/2011/main" xmlns:a14="http://schemas.microsoft.com/office/drawing/2010/main" xmlns:m="http://schemas.openxmlformats.org/officeDocument/2006/math" xmlns="" val="1"/>
             </a:ext>
           </a:extLst>
         </p:spPr>
@@ -11718,7 +11718,7 @@
           </a:prstGeom>
           <a:extLst>
             <a:ext uri="{C572A759-6A51-4108-AA02-DFA0A04FC94B}">
-              <ma14:wrappingTextBoxFlag xmlns="" xmlns:m="http://schemas.openxmlformats.org/officeDocument/2006/math" xmlns:a14="http://schemas.microsoft.com/office/drawing/2010/main" xmlns:ma14="http://schemas.microsoft.com/office/mac/drawingml/2011/main" val="1"/>
+              <ma14:wrappingTextBoxFlag xmlns:ma14="http://schemas.microsoft.com/office/mac/drawingml/2011/main" xmlns:a14="http://schemas.microsoft.com/office/drawing/2010/main" xmlns:m="http://schemas.openxmlformats.org/officeDocument/2006/math" xmlns="" val="1"/>
             </a:ext>
           </a:extLst>
         </p:spPr>
@@ -11905,7 +11905,7 @@
           </a:prstGeom>
           <a:extLst>
             <a:ext uri="{C572A759-6A51-4108-AA02-DFA0A04FC94B}">
-              <ma14:wrappingTextBoxFlag xmlns="" xmlns:m="http://schemas.openxmlformats.org/officeDocument/2006/math" xmlns:a14="http://schemas.microsoft.com/office/drawing/2010/main" xmlns:ma14="http://schemas.microsoft.com/office/mac/drawingml/2011/main" val="1"/>
+              <ma14:wrappingTextBoxFlag xmlns:ma14="http://schemas.microsoft.com/office/mac/drawingml/2011/main" xmlns:a14="http://schemas.microsoft.com/office/drawing/2010/main" xmlns:m="http://schemas.openxmlformats.org/officeDocument/2006/math" xmlns="" val="1"/>
             </a:ext>
           </a:extLst>
         </p:spPr>
@@ -12996,27 +12996,16 @@
             </a:r>
             <a:r>
               <a:rPr lang="da-DK" dirty="0"/>
-              <a:t> of guide i have </a:t>
+              <a:t> of </a:t>
             </a:r>
             <a:r>
               <a:rPr lang="da-DK" dirty="0" err="1"/>
-              <a:t>designed</a:t>
+              <a:t>optimized</a:t>
             </a:r>
             <a:r>
               <a:rPr lang="da-DK" dirty="0"/>
-              <a:t> for </a:t>
-            </a:r>
-            <a:r>
-              <a:rPr lang="da-DK" dirty="0" err="1"/>
-              <a:t>some</a:t>
-            </a:r>
-            <a:r>
-              <a:rPr lang="da-DK" dirty="0"/>
-              <a:t> ESS instrument?</a:t>
-            </a:r>
-          </a:p>
-          <a:p>
-            <a:endParaRPr lang="da-DK" dirty="0"/>
+              <a:t> guide</a:t>
+            </a:r>
           </a:p>
         </p:txBody>
       </p:sp>
@@ -13040,7 +13029,7 @@
           </a:prstGeom>
           <a:extLst>
             <a:ext uri="{C572A759-6A51-4108-AA02-DFA0A04FC94B}">
-              <ma14:wrappingTextBoxFlag xmlns="" xmlns:m="http://schemas.openxmlformats.org/officeDocument/2006/math" xmlns:a14="http://schemas.microsoft.com/office/drawing/2010/main" xmlns:ma14="http://schemas.microsoft.com/office/mac/drawingml/2011/main" val="1"/>
+              <ma14:wrappingTextBoxFlag xmlns:ma14="http://schemas.microsoft.com/office/mac/drawingml/2011/main" xmlns:a14="http://schemas.microsoft.com/office/drawing/2010/main" xmlns:m="http://schemas.openxmlformats.org/officeDocument/2006/math" xmlns="" val="1"/>
             </a:ext>
           </a:extLst>
         </p:spPr>
@@ -13435,7 +13424,7 @@
           </a:prstGeom>
           <a:extLst>
             <a:ext uri="{C572A759-6A51-4108-AA02-DFA0A04FC94B}">
-              <ma14:wrappingTextBoxFlag xmlns="" xmlns:m="http://schemas.openxmlformats.org/officeDocument/2006/math" xmlns:a14="http://schemas.microsoft.com/office/drawing/2010/main" xmlns:ma14="http://schemas.microsoft.com/office/mac/drawingml/2011/main" val="1"/>
+              <ma14:wrappingTextBoxFlag xmlns:ma14="http://schemas.microsoft.com/office/mac/drawingml/2011/main" xmlns:a14="http://schemas.microsoft.com/office/drawing/2010/main" xmlns:m="http://schemas.openxmlformats.org/officeDocument/2006/math" xmlns="" val="1"/>
             </a:ext>
           </a:extLst>
         </p:spPr>
@@ -13659,7 +13648,7 @@
           </a:prstGeom>
           <a:extLst>
             <a:ext uri="{C572A759-6A51-4108-AA02-DFA0A04FC94B}">
-              <ma14:wrappingTextBoxFlag xmlns="" xmlns:m="http://schemas.openxmlformats.org/officeDocument/2006/math" xmlns:a14="http://schemas.microsoft.com/office/drawing/2010/main" xmlns:ma14="http://schemas.microsoft.com/office/mac/drawingml/2011/main" val="1"/>
+              <ma14:wrappingTextBoxFlag xmlns:ma14="http://schemas.microsoft.com/office/mac/drawingml/2011/main" xmlns:a14="http://schemas.microsoft.com/office/drawing/2010/main" xmlns:m="http://schemas.openxmlformats.org/officeDocument/2006/math" xmlns="" val="1"/>
             </a:ext>
           </a:extLst>
         </p:spPr>
@@ -13780,7 +13769,7 @@
           </a:prstGeom>
           <a:extLst>
             <a:ext uri="{C572A759-6A51-4108-AA02-DFA0A04FC94B}">
-              <ma14:wrappingTextBoxFlag xmlns="" xmlns:m="http://schemas.openxmlformats.org/officeDocument/2006/math" xmlns:a14="http://schemas.microsoft.com/office/drawing/2010/main" xmlns:ma14="http://schemas.microsoft.com/office/mac/drawingml/2011/main" val="1"/>
+              <ma14:wrappingTextBoxFlag xmlns:ma14="http://schemas.microsoft.com/office/mac/drawingml/2011/main" xmlns:a14="http://schemas.microsoft.com/office/drawing/2010/main" xmlns:m="http://schemas.openxmlformats.org/officeDocument/2006/math" xmlns="" val="1"/>
             </a:ext>
           </a:extLst>
         </p:spPr>
@@ -14227,7 +14216,7 @@
           </a:ln>
           <a:extLst>
             <a:ext uri="{C572A759-6A51-4108-AA02-DFA0A04FC94B}">
-              <ma14:wrappingTextBoxFlag xmlns:ma14="http://schemas.microsoft.com/office/mac/drawingml/2011/main" xmlns="" val="1"/>
+              <ma14:wrappingTextBoxFlag xmlns="" xmlns:ma14="http://schemas.microsoft.com/office/mac/drawingml/2011/main" val="1"/>
             </a:ext>
           </a:extLst>
         </p:spPr>
@@ -14281,7 +14270,7 @@
           </a:ln>
           <a:extLst>
             <a:ext uri="{C572A759-6A51-4108-AA02-DFA0A04FC94B}">
-              <ma14:wrappingTextBoxFlag xmlns:ma14="http://schemas.microsoft.com/office/mac/drawingml/2011/main" xmlns="" val="1"/>
+              <ma14:wrappingTextBoxFlag xmlns="" xmlns:ma14="http://schemas.microsoft.com/office/mac/drawingml/2011/main" val="1"/>
             </a:ext>
           </a:extLst>
         </p:spPr>
@@ -14335,7 +14324,7 @@
           </a:ln>
           <a:extLst>
             <a:ext uri="{C572A759-6A51-4108-AA02-DFA0A04FC94B}">
-              <ma14:wrappingTextBoxFlag xmlns:ma14="http://schemas.microsoft.com/office/mac/drawingml/2011/main" xmlns="" val="1"/>
+              <ma14:wrappingTextBoxFlag xmlns="" xmlns:ma14="http://schemas.microsoft.com/office/mac/drawingml/2011/main" val="1"/>
             </a:ext>
           </a:extLst>
         </p:spPr>
@@ -14392,7 +14381,7 @@
           </a:ln>
           <a:extLst>
             <a:ext uri="{C572A759-6A51-4108-AA02-DFA0A04FC94B}">
-              <ma14:wrappingTextBoxFlag xmlns:ma14="http://schemas.microsoft.com/office/mac/drawingml/2011/main" xmlns="" val="1"/>
+              <ma14:wrappingTextBoxFlag xmlns="" xmlns:ma14="http://schemas.microsoft.com/office/mac/drawingml/2011/main" val="1"/>
             </a:ext>
           </a:extLst>
         </p:spPr>
@@ -14493,7 +14482,7 @@
           </a:ln>
           <a:extLst>
             <a:ext uri="{C572A759-6A51-4108-AA02-DFA0A04FC94B}">
-              <ma14:wrappingTextBoxFlag xmlns:ma14="http://schemas.microsoft.com/office/mac/drawingml/2011/main" xmlns="" val="1"/>
+              <ma14:wrappingTextBoxFlag xmlns="" xmlns:ma14="http://schemas.microsoft.com/office/mac/drawingml/2011/main" val="1"/>
             </a:ext>
           </a:extLst>
         </p:spPr>
@@ -14697,7 +14686,7 @@
           </a:prstGeom>
           <a:extLst>
             <a:ext uri="{C572A759-6A51-4108-AA02-DFA0A04FC94B}">
-              <ma14:wrappingTextBoxFlag xmlns="" xmlns:m="http://schemas.openxmlformats.org/officeDocument/2006/math" xmlns:a14="http://schemas.microsoft.com/office/drawing/2010/main" xmlns:ma14="http://schemas.microsoft.com/office/mac/drawingml/2011/main" val="1"/>
+              <ma14:wrappingTextBoxFlag xmlns:ma14="http://schemas.microsoft.com/office/mac/drawingml/2011/main" xmlns:a14="http://schemas.microsoft.com/office/drawing/2010/main" xmlns:m="http://schemas.openxmlformats.org/officeDocument/2006/math" xmlns="" val="1"/>
             </a:ext>
           </a:extLst>
         </p:spPr>
@@ -15188,7 +15177,7 @@
           </a:ln>
           <a:extLst>
             <a:ext uri="{C572A759-6A51-4108-AA02-DFA0A04FC94B}">
-              <ma14:wrappingTextBoxFlag xmlns:ma14="http://schemas.microsoft.com/office/mac/drawingml/2011/main" xmlns="" val="1"/>
+              <ma14:wrappingTextBoxFlag xmlns="" xmlns:ma14="http://schemas.microsoft.com/office/mac/drawingml/2011/main" val="1"/>
             </a:ext>
           </a:extLst>
         </p:spPr>
@@ -15242,7 +15231,7 @@
           </a:ln>
           <a:extLst>
             <a:ext uri="{C572A759-6A51-4108-AA02-DFA0A04FC94B}">
-              <ma14:wrappingTextBoxFlag xmlns:ma14="http://schemas.microsoft.com/office/mac/drawingml/2011/main" xmlns="" val="1"/>
+              <ma14:wrappingTextBoxFlag xmlns="" xmlns:ma14="http://schemas.microsoft.com/office/mac/drawingml/2011/main" val="1"/>
             </a:ext>
           </a:extLst>
         </p:spPr>
@@ -15296,7 +15285,7 @@
           </a:ln>
           <a:extLst>
             <a:ext uri="{C572A759-6A51-4108-AA02-DFA0A04FC94B}">
-              <ma14:wrappingTextBoxFlag xmlns:ma14="http://schemas.microsoft.com/office/mac/drawingml/2011/main" xmlns="" val="1"/>
+              <ma14:wrappingTextBoxFlag xmlns="" xmlns:ma14="http://schemas.microsoft.com/office/mac/drawingml/2011/main" val="1"/>
             </a:ext>
           </a:extLst>
         </p:spPr>
@@ -15353,7 +15342,7 @@
           </a:ln>
           <a:extLst>
             <a:ext uri="{C572A759-6A51-4108-AA02-DFA0A04FC94B}">
-              <ma14:wrappingTextBoxFlag xmlns:ma14="http://schemas.microsoft.com/office/mac/drawingml/2011/main" xmlns="" val="1"/>
+              <ma14:wrappingTextBoxFlag xmlns="" xmlns:ma14="http://schemas.microsoft.com/office/mac/drawingml/2011/main" val="1"/>
             </a:ext>
           </a:extLst>
         </p:spPr>
@@ -15454,7 +15443,7 @@
           </a:ln>
           <a:extLst>
             <a:ext uri="{C572A759-6A51-4108-AA02-DFA0A04FC94B}">
-              <ma14:wrappingTextBoxFlag xmlns:ma14="http://schemas.microsoft.com/office/mac/drawingml/2011/main" xmlns="" val="1"/>
+              <ma14:wrappingTextBoxFlag xmlns="" xmlns:ma14="http://schemas.microsoft.com/office/mac/drawingml/2011/main" val="1"/>
             </a:ext>
           </a:extLst>
         </p:spPr>
@@ -15645,7 +15634,7 @@
           </a:prstGeom>
           <a:extLst>
             <a:ext uri="{C572A759-6A51-4108-AA02-DFA0A04FC94B}">
-              <ma14:wrappingTextBoxFlag xmlns="" xmlns:m="http://schemas.openxmlformats.org/officeDocument/2006/math" xmlns:a14="http://schemas.microsoft.com/office/drawing/2010/main" xmlns:ma14="http://schemas.microsoft.com/office/mac/drawingml/2011/main" val="1"/>
+              <ma14:wrappingTextBoxFlag xmlns:ma14="http://schemas.microsoft.com/office/mac/drawingml/2011/main" xmlns:a14="http://schemas.microsoft.com/office/drawing/2010/main" xmlns:m="http://schemas.openxmlformats.org/officeDocument/2006/math" xmlns="" val="1"/>
             </a:ext>
           </a:extLst>
         </p:spPr>
@@ -16094,7 +16083,7 @@
           </a:ln>
           <a:extLst>
             <a:ext uri="{C572A759-6A51-4108-AA02-DFA0A04FC94B}">
-              <ma14:wrappingTextBoxFlag xmlns:ma14="http://schemas.microsoft.com/office/mac/drawingml/2011/main" xmlns="" val="1"/>
+              <ma14:wrappingTextBoxFlag xmlns="" xmlns:ma14="http://schemas.microsoft.com/office/mac/drawingml/2011/main" val="1"/>
             </a:ext>
           </a:extLst>
         </p:spPr>
@@ -16148,7 +16137,7 @@
           </a:ln>
           <a:extLst>
             <a:ext uri="{C572A759-6A51-4108-AA02-DFA0A04FC94B}">
-              <ma14:wrappingTextBoxFlag xmlns:ma14="http://schemas.microsoft.com/office/mac/drawingml/2011/main" xmlns="" val="1"/>
+              <ma14:wrappingTextBoxFlag xmlns="" xmlns:ma14="http://schemas.microsoft.com/office/mac/drawingml/2011/main" val="1"/>
             </a:ext>
           </a:extLst>
         </p:spPr>
@@ -16202,7 +16191,7 @@
           </a:ln>
           <a:extLst>
             <a:ext uri="{C572A759-6A51-4108-AA02-DFA0A04FC94B}">
-              <ma14:wrappingTextBoxFlag xmlns:ma14="http://schemas.microsoft.com/office/mac/drawingml/2011/main" xmlns="" val="1"/>
+              <ma14:wrappingTextBoxFlag xmlns="" xmlns:ma14="http://schemas.microsoft.com/office/mac/drawingml/2011/main" val="1"/>
             </a:ext>
           </a:extLst>
         </p:spPr>
@@ -16259,7 +16248,7 @@
           </a:ln>
           <a:extLst>
             <a:ext uri="{C572A759-6A51-4108-AA02-DFA0A04FC94B}">
-              <ma14:wrappingTextBoxFlag xmlns:ma14="http://schemas.microsoft.com/office/mac/drawingml/2011/main" xmlns="" val="1"/>
+              <ma14:wrappingTextBoxFlag xmlns="" xmlns:ma14="http://schemas.microsoft.com/office/mac/drawingml/2011/main" val="1"/>
             </a:ext>
           </a:extLst>
         </p:spPr>
@@ -16360,7 +16349,7 @@
           </a:ln>
           <a:extLst>
             <a:ext uri="{C572A759-6A51-4108-AA02-DFA0A04FC94B}">
-              <ma14:wrappingTextBoxFlag xmlns:ma14="http://schemas.microsoft.com/office/mac/drawingml/2011/main" xmlns="" val="1"/>
+              <ma14:wrappingTextBoxFlag xmlns="" xmlns:ma14="http://schemas.microsoft.com/office/mac/drawingml/2011/main" val="1"/>
             </a:ext>
           </a:extLst>
         </p:spPr>
@@ -16631,7 +16620,7 @@
           </a:prstGeom>
           <a:extLst>
             <a:ext uri="{C572A759-6A51-4108-AA02-DFA0A04FC94B}">
-              <ma14:wrappingTextBoxFlag xmlns="" xmlns:m="http://schemas.openxmlformats.org/officeDocument/2006/math" xmlns:a14="http://schemas.microsoft.com/office/drawing/2010/main" xmlns:ma14="http://schemas.microsoft.com/office/mac/drawingml/2011/main" val="1"/>
+              <ma14:wrappingTextBoxFlag xmlns:ma14="http://schemas.microsoft.com/office/mac/drawingml/2011/main" xmlns:a14="http://schemas.microsoft.com/office/drawing/2010/main" xmlns:m="http://schemas.openxmlformats.org/officeDocument/2006/math" xmlns="" val="1"/>
             </a:ext>
           </a:extLst>
         </p:spPr>
@@ -17169,7 +17158,7 @@
           </a:ln>
           <a:extLst>
             <a:ext uri="{C572A759-6A51-4108-AA02-DFA0A04FC94B}">
-              <ma14:wrappingTextBoxFlag xmlns:ma14="http://schemas.microsoft.com/office/mac/drawingml/2011/main" xmlns="" val="1"/>
+              <ma14:wrappingTextBoxFlag xmlns="" xmlns:ma14="http://schemas.microsoft.com/office/mac/drawingml/2011/main" val="1"/>
             </a:ext>
           </a:extLst>
         </p:spPr>
@@ -17223,7 +17212,7 @@
           </a:ln>
           <a:extLst>
             <a:ext uri="{C572A759-6A51-4108-AA02-DFA0A04FC94B}">
-              <ma14:wrappingTextBoxFlag xmlns:ma14="http://schemas.microsoft.com/office/mac/drawingml/2011/main" xmlns="" val="1"/>
+              <ma14:wrappingTextBoxFlag xmlns="" xmlns:ma14="http://schemas.microsoft.com/office/mac/drawingml/2011/main" val="1"/>
             </a:ext>
           </a:extLst>
         </p:spPr>
@@ -17277,7 +17266,7 @@
           </a:ln>
           <a:extLst>
             <a:ext uri="{C572A759-6A51-4108-AA02-DFA0A04FC94B}">
-              <ma14:wrappingTextBoxFlag xmlns:ma14="http://schemas.microsoft.com/office/mac/drawingml/2011/main" xmlns="" val="1"/>
+              <ma14:wrappingTextBoxFlag xmlns="" xmlns:ma14="http://schemas.microsoft.com/office/mac/drawingml/2011/main" val="1"/>
             </a:ext>
           </a:extLst>
         </p:spPr>
@@ -17334,7 +17323,7 @@
           </a:ln>
           <a:extLst>
             <a:ext uri="{C572A759-6A51-4108-AA02-DFA0A04FC94B}">
-              <ma14:wrappingTextBoxFlag xmlns:ma14="http://schemas.microsoft.com/office/mac/drawingml/2011/main" xmlns="" val="1"/>
+              <ma14:wrappingTextBoxFlag xmlns="" xmlns:ma14="http://schemas.microsoft.com/office/mac/drawingml/2011/main" val="1"/>
             </a:ext>
           </a:extLst>
         </p:spPr>
@@ -17435,7 +17424,7 @@
           </a:ln>
           <a:extLst>
             <a:ext uri="{C572A759-6A51-4108-AA02-DFA0A04FC94B}">
-              <ma14:wrappingTextBoxFlag xmlns:ma14="http://schemas.microsoft.com/office/mac/drawingml/2011/main" xmlns="" val="1"/>
+              <ma14:wrappingTextBoxFlag xmlns="" xmlns:ma14="http://schemas.microsoft.com/office/mac/drawingml/2011/main" val="1"/>
             </a:ext>
           </a:extLst>
         </p:spPr>
@@ -17713,7 +17702,7 @@
           </a:prstGeom>
           <a:extLst>
             <a:ext uri="{C572A759-6A51-4108-AA02-DFA0A04FC94B}">
-              <ma14:wrappingTextBoxFlag xmlns="" xmlns:m="http://schemas.openxmlformats.org/officeDocument/2006/math" xmlns:a14="http://schemas.microsoft.com/office/drawing/2010/main" xmlns:ma14="http://schemas.microsoft.com/office/mac/drawingml/2011/main" val="1"/>
+              <ma14:wrappingTextBoxFlag xmlns:ma14="http://schemas.microsoft.com/office/mac/drawingml/2011/main" xmlns:a14="http://schemas.microsoft.com/office/drawing/2010/main" xmlns:m="http://schemas.openxmlformats.org/officeDocument/2006/math" xmlns="" val="1"/>
             </a:ext>
           </a:extLst>
         </p:spPr>
@@ -18126,7 +18115,7 @@
             <a:effectLst/>
             <a:extLst>
               <a:ext uri="{C572A759-6A51-4108-AA02-DFA0A04FC94B}">
-                <ma14:wrappingTextBoxFlag xmlns:ma14="http://schemas.microsoft.com/office/mac/drawingml/2011/main" xmlns="" val="1"/>
+                <ma14:wrappingTextBoxFlag xmlns="" xmlns:ma14="http://schemas.microsoft.com/office/mac/drawingml/2011/main" val="1"/>
               </a:ext>
             </a:extLst>
           </p:spPr>
@@ -18180,7 +18169,7 @@
             <a:effectLst/>
             <a:extLst>
               <a:ext uri="{C572A759-6A51-4108-AA02-DFA0A04FC94B}">
-                <ma14:wrappingTextBoxFlag xmlns:ma14="http://schemas.microsoft.com/office/mac/drawingml/2011/main" xmlns="" val="1"/>
+                <ma14:wrappingTextBoxFlag xmlns="" xmlns:ma14="http://schemas.microsoft.com/office/mac/drawingml/2011/main" val="1"/>
               </a:ext>
             </a:extLst>
           </p:spPr>
@@ -18242,7 +18231,7 @@
             <a:effectLst/>
             <a:extLst>
               <a:ext uri="{C572A759-6A51-4108-AA02-DFA0A04FC94B}">
-                <ma14:wrappingTextBoxFlag xmlns:ma14="http://schemas.microsoft.com/office/mac/drawingml/2011/main" xmlns="" val="1"/>
+                <ma14:wrappingTextBoxFlag xmlns="" xmlns:ma14="http://schemas.microsoft.com/office/mac/drawingml/2011/main" val="1"/>
               </a:ext>
             </a:extLst>
           </p:spPr>
@@ -18353,7 +18342,7 @@
             <a:effectLst/>
             <a:extLst>
               <a:ext uri="{C572A759-6A51-4108-AA02-DFA0A04FC94B}">
-                <ma14:wrappingTextBoxFlag xmlns:ma14="http://schemas.microsoft.com/office/mac/drawingml/2011/main" xmlns="" val="1"/>
+                <ma14:wrappingTextBoxFlag xmlns="" xmlns:ma14="http://schemas.microsoft.com/office/mac/drawingml/2011/main" val="1"/>
               </a:ext>
             </a:extLst>
           </p:spPr>
@@ -18513,7 +18502,7 @@
             <a:effectLst/>
             <a:extLst>
               <a:ext uri="{C572A759-6A51-4108-AA02-DFA0A04FC94B}">
-                <ma14:wrappingTextBoxFlag xmlns:ma14="http://schemas.microsoft.com/office/mac/drawingml/2011/main" xmlns="" val="1"/>
+                <ma14:wrappingTextBoxFlag xmlns="" xmlns:ma14="http://schemas.microsoft.com/office/mac/drawingml/2011/main" val="1"/>
               </a:ext>
             </a:extLst>
           </p:spPr>
@@ -18804,7 +18793,7 @@
           </a:prstGeom>
           <a:extLst>
             <a:ext uri="{C572A759-6A51-4108-AA02-DFA0A04FC94B}">
-              <ma14:wrappingTextBoxFlag xmlns="" xmlns:m="http://schemas.openxmlformats.org/officeDocument/2006/math" xmlns:a14="http://schemas.microsoft.com/office/drawing/2010/main" xmlns:ma14="http://schemas.microsoft.com/office/mac/drawingml/2011/main" val="1"/>
+              <ma14:wrappingTextBoxFlag xmlns:ma14="http://schemas.microsoft.com/office/mac/drawingml/2011/main" xmlns:a14="http://schemas.microsoft.com/office/drawing/2010/main" xmlns:m="http://schemas.openxmlformats.org/officeDocument/2006/math" xmlns="" val="1"/>
             </a:ext>
           </a:extLst>
         </p:spPr>
@@ -18908,7 +18897,7 @@
             <p:spPr>
               <a:xfrm>
                 <a:off x="10360059" y="3176833"/>
-                <a:ext cx="1471356" cy="969496"/>
+                <a:ext cx="1471356" cy="1577355"/>
               </a:xfrm>
               <a:prstGeom prst="rect">
                 <a:avLst/>
@@ -19080,6 +19069,45 @@
                   <a:rPr lang="da-DK" dirty="0" err="1"/>
                   <a:t>matters</a:t>
                 </a:r>
+                <a:endParaRPr lang="da-DK" dirty="0"/>
+              </a:p>
+              <a:p>
+                <a:pPr marL="0" marR="0" indent="0" algn="l" defTabSz="914400" rtl="0" fontAlgn="auto" latinLnBrk="0" hangingPunct="0">
+                  <a:lnSpc>
+                    <a:spcPct val="100000"/>
+                  </a:lnSpc>
+                  <a:spcBef>
+                    <a:spcPts val="900"/>
+                  </a:spcBef>
+                  <a:spcAft>
+                    <a:spcPts val="0"/>
+                  </a:spcAft>
+                  <a:buClrTx/>
+                  <a:buSzTx/>
+                  <a:buFontTx/>
+                  <a:buNone/>
+                  <a:tabLst/>
+                </a:pPr>
+                <a:r>
+                  <a:rPr lang="da-DK" dirty="0" err="1"/>
+                  <a:t>Better</a:t>
+                </a:r>
+                <a:r>
+                  <a:rPr lang="da-DK" dirty="0"/>
+                  <a:t> mirrors </a:t>
+                </a:r>
+                <a:r>
+                  <a:rPr lang="da-DK" dirty="0" err="1"/>
+                  <a:t>available</a:t>
+                </a:r>
+                <a:r>
+                  <a:rPr lang="da-DK" dirty="0"/>
+                  <a:t> </a:t>
+                </a:r>
+                <a:r>
+                  <a:rPr lang="da-DK" dirty="0" err="1"/>
+                  <a:t>today</a:t>
+                </a:r>
                 <a:endParaRPr kumimoji="0" lang="da-DK" sz="1600" b="0" i="0" u="none" strike="noStrike" cap="none" spc="0" normalizeH="0" baseline="0" dirty="0">
                   <a:ln>
                     <a:noFill/>
@@ -19116,7 +19144,7 @@
             <p:spPr>
               <a:xfrm>
                 <a:off x="10360059" y="3176833"/>
-                <a:ext cx="1471356" cy="969496"/>
+                <a:ext cx="1471356" cy="1577355"/>
               </a:xfrm>
               <a:prstGeom prst="rect">
                 <a:avLst/>
@@ -19124,7 +19152,7 @@
               <a:blipFill>
                 <a:blip r:embed="rId5"/>
                 <a:stretch>
-                  <a:fillRect l="-9483" r="-1724" b="-12987"/>
+                  <a:fillRect l="-9483" r="-1724" b="-7200"/>
                 </a:stretch>
               </a:blipFill>
               <a:ln w="12700" cap="flat">
@@ -19184,8 +19212,8 @@
           </a:prstGeom>
         </p:spPr>
       </p:pic>
-      <mc:AlternateContent xmlns:mc="http://schemas.openxmlformats.org/markup-compatibility/2006">
-        <mc:Choice xmlns:a14="http://schemas.microsoft.com/office/drawing/2010/main" Requires="a14">
+      <mc:AlternateContent xmlns:mc="http://schemas.openxmlformats.org/markup-compatibility/2006" xmlns:a14="http://schemas.microsoft.com/office/drawing/2010/main">
+        <mc:Choice Requires="a14">
           <p:sp>
             <p:nvSpPr>
               <p:cNvPr id="12" name="TextBox 11">
@@ -19316,7 +19344,7 @@
             </p:txBody>
           </p:sp>
         </mc:Choice>
-        <mc:Fallback>
+        <mc:Fallback xmlns="">
           <p:sp>
             <p:nvSpPr>
               <p:cNvPr id="12" name="TextBox 11">
@@ -19366,8 +19394,8 @@
           </p:sp>
         </mc:Fallback>
       </mc:AlternateContent>
-      <mc:AlternateContent xmlns:mc="http://schemas.openxmlformats.org/markup-compatibility/2006">
-        <mc:Choice xmlns:a14="http://schemas.microsoft.com/office/drawing/2010/main" Requires="a14">
+      <mc:AlternateContent xmlns:mc="http://schemas.openxmlformats.org/markup-compatibility/2006" xmlns:a14="http://schemas.microsoft.com/office/drawing/2010/main">
+        <mc:Choice Requires="a14">
           <p:sp>
             <p:nvSpPr>
               <p:cNvPr id="16" name="TextBox 15">
@@ -19554,7 +19582,7 @@
             </p:txBody>
           </p:sp>
         </mc:Choice>
-        <mc:Fallback>
+        <mc:Fallback xmlns="">
           <p:sp>
             <p:nvSpPr>
               <p:cNvPr id="16" name="TextBox 15">
@@ -19847,7 +19875,7 @@
           </a:prstGeom>
           <a:extLst>
             <a:ext uri="{C572A759-6A51-4108-AA02-DFA0A04FC94B}">
-              <ma14:wrappingTextBoxFlag xmlns="" xmlns:m="http://schemas.openxmlformats.org/officeDocument/2006/math" xmlns:a14="http://schemas.microsoft.com/office/drawing/2010/main" xmlns:ma14="http://schemas.microsoft.com/office/mac/drawingml/2011/main" val="1"/>
+              <ma14:wrappingTextBoxFlag xmlns:ma14="http://schemas.microsoft.com/office/mac/drawingml/2011/main" xmlns:a14="http://schemas.microsoft.com/office/drawing/2010/main" xmlns:m="http://schemas.openxmlformats.org/officeDocument/2006/math" xmlns="" val="1"/>
             </a:ext>
           </a:extLst>
         </p:spPr>

--- a/CSNS_March_2019/2_Tuesday_March_26th/2_guides/guide_intro_talk.pptx
+++ b/CSNS_March_2019/2_Tuesday_March_26th/2_guides/guide_intro_talk.pptx
@@ -5,7 +5,7 @@
     <p:sldMasterId id="2147483648" r:id="rId1"/>
   </p:sldMasterIdLst>
   <p:notesMasterIdLst>
-    <p:notesMasterId r:id="rId17"/>
+    <p:notesMasterId r:id="rId21"/>
   </p:notesMasterIdLst>
   <p:sldIdLst>
     <p:sldId id="256" r:id="rId2"/>
@@ -18,11 +18,15 @@
     <p:sldId id="267" r:id="rId9"/>
     <p:sldId id="266" r:id="rId10"/>
     <p:sldId id="268" r:id="rId11"/>
-    <p:sldId id="269" r:id="rId12"/>
-    <p:sldId id="271" r:id="rId13"/>
-    <p:sldId id="273" r:id="rId14"/>
-    <p:sldId id="272" r:id="rId15"/>
-    <p:sldId id="270" r:id="rId16"/>
+    <p:sldId id="279" r:id="rId12"/>
+    <p:sldId id="280" r:id="rId13"/>
+    <p:sldId id="269" r:id="rId14"/>
+    <p:sldId id="281" r:id="rId15"/>
+    <p:sldId id="282" r:id="rId16"/>
+    <p:sldId id="271" r:id="rId17"/>
+    <p:sldId id="273" r:id="rId18"/>
+    <p:sldId id="272" r:id="rId19"/>
+    <p:sldId id="270" r:id="rId20"/>
   </p:sldIdLst>
   <p:sldSz cx="12179300" cy="6858000"/>
   <p:notesSz cx="6858000" cy="9144000"/>
@@ -581,6 +585,138 @@
 </p:notes>
 </file>
 
+<file path=ppt/notesSlides/notesSlide10.xml><?xml version="1.0" encoding="utf-8"?>
+<p:notes xmlns:a="http://schemas.openxmlformats.org/drawingml/2006/main" xmlns:r="http://schemas.openxmlformats.org/officeDocument/2006/relationships" xmlns:p="http://schemas.openxmlformats.org/presentationml/2006/main">
+  <p:cSld>
+    <p:spTree>
+      <p:nvGrpSpPr>
+        <p:cNvPr id="1" name=""/>
+        <p:cNvGrpSpPr/>
+        <p:nvPr/>
+      </p:nvGrpSpPr>
+      <p:grpSpPr>
+        <a:xfrm>
+          <a:off x="0" y="0"/>
+          <a:ext cx="0" cy="0"/>
+          <a:chOff x="0" y="0"/>
+          <a:chExt cx="0" cy="0"/>
+        </a:xfrm>
+      </p:grpSpPr>
+      <p:sp>
+        <p:nvSpPr>
+          <p:cNvPr id="2" name="Slide Image Placeholder 1"/>
+          <p:cNvSpPr>
+            <a:spLocks noGrp="1" noRot="1" noChangeAspect="1"/>
+          </p:cNvSpPr>
+          <p:nvPr>
+            <p:ph type="sldImg"/>
+          </p:nvPr>
+        </p:nvSpPr>
+        <p:spPr>
+          <a:xfrm>
+            <a:off x="384175" y="685800"/>
+            <a:ext cx="6089650" cy="3429000"/>
+          </a:xfrm>
+        </p:spPr>
+      </p:sp>
+      <p:sp>
+        <p:nvSpPr>
+          <p:cNvPr id="3" name="Notes Placeholder 2"/>
+          <p:cNvSpPr>
+            <a:spLocks noGrp="1"/>
+          </p:cNvSpPr>
+          <p:nvPr>
+            <p:ph type="body" idx="1"/>
+          </p:nvPr>
+        </p:nvSpPr>
+        <p:spPr/>
+        <p:txBody>
+          <a:bodyPr/>
+          <a:lstStyle/>
+          <a:p>
+            <a:endParaRPr lang="da-DK" dirty="0"/>
+          </a:p>
+        </p:txBody>
+      </p:sp>
+    </p:spTree>
+    <p:extLst>
+      <p:ext uri="{BB962C8B-B14F-4D97-AF65-F5344CB8AC3E}">
+        <p14:creationId xmlns:p14="http://schemas.microsoft.com/office/powerpoint/2010/main" val="1538391385"/>
+      </p:ext>
+    </p:extLst>
+  </p:cSld>
+  <p:clrMapOvr>
+    <a:masterClrMapping/>
+  </p:clrMapOvr>
+</p:notes>
+</file>
+
+<file path=ppt/notesSlides/notesSlide11.xml><?xml version="1.0" encoding="utf-8"?>
+<p:notes xmlns:a="http://schemas.openxmlformats.org/drawingml/2006/main" xmlns:r="http://schemas.openxmlformats.org/officeDocument/2006/relationships" xmlns:p="http://schemas.openxmlformats.org/presentationml/2006/main">
+  <p:cSld>
+    <p:spTree>
+      <p:nvGrpSpPr>
+        <p:cNvPr id="1" name=""/>
+        <p:cNvGrpSpPr/>
+        <p:nvPr/>
+      </p:nvGrpSpPr>
+      <p:grpSpPr>
+        <a:xfrm>
+          <a:off x="0" y="0"/>
+          <a:ext cx="0" cy="0"/>
+          <a:chOff x="0" y="0"/>
+          <a:chExt cx="0" cy="0"/>
+        </a:xfrm>
+      </p:grpSpPr>
+      <p:sp>
+        <p:nvSpPr>
+          <p:cNvPr id="2" name="Slide Image Placeholder 1"/>
+          <p:cNvSpPr>
+            <a:spLocks noGrp="1" noRot="1" noChangeAspect="1"/>
+          </p:cNvSpPr>
+          <p:nvPr>
+            <p:ph type="sldImg"/>
+          </p:nvPr>
+        </p:nvSpPr>
+        <p:spPr>
+          <a:xfrm>
+            <a:off x="384175" y="685800"/>
+            <a:ext cx="6089650" cy="3429000"/>
+          </a:xfrm>
+        </p:spPr>
+      </p:sp>
+      <p:sp>
+        <p:nvSpPr>
+          <p:cNvPr id="3" name="Notes Placeholder 2"/>
+          <p:cNvSpPr>
+            <a:spLocks noGrp="1"/>
+          </p:cNvSpPr>
+          <p:nvPr>
+            <p:ph type="body" idx="1"/>
+          </p:nvPr>
+        </p:nvSpPr>
+        <p:spPr/>
+        <p:txBody>
+          <a:bodyPr/>
+          <a:lstStyle/>
+          <a:p>
+            <a:endParaRPr lang="da-DK" dirty="0"/>
+          </a:p>
+        </p:txBody>
+      </p:sp>
+    </p:spTree>
+    <p:extLst>
+      <p:ext uri="{BB962C8B-B14F-4D97-AF65-F5344CB8AC3E}">
+        <p14:creationId xmlns:p14="http://schemas.microsoft.com/office/powerpoint/2010/main" val="3636007560"/>
+      </p:ext>
+    </p:extLst>
+  </p:cSld>
+  <p:clrMapOvr>
+    <a:masterClrMapping/>
+  </p:clrMapOvr>
+</p:notes>
+</file>
+
 <file path=ppt/notesSlides/notesSlide2.xml><?xml version="1.0" encoding="utf-8"?>
 <p:notes xmlns:a="http://schemas.openxmlformats.org/drawingml/2006/main" xmlns:r="http://schemas.openxmlformats.org/officeDocument/2006/relationships" xmlns:p="http://schemas.openxmlformats.org/presentationml/2006/main">
   <p:cSld>
@@ -835,7 +971,7 @@
     </p:spTree>
     <p:extLst>
       <p:ext uri="{BB962C8B-B14F-4D97-AF65-F5344CB8AC3E}">
-        <p14:creationId xmlns:p14="http://schemas.microsoft.com/office/powerpoint/2010/main" val="462147802"/>
+        <p14:creationId xmlns:p14="http://schemas.microsoft.com/office/powerpoint/2010/main" val="1134131017"/>
       </p:ext>
     </p:extLst>
   </p:cSld>
@@ -901,7 +1037,7 @@
     </p:spTree>
     <p:extLst>
       <p:ext uri="{BB962C8B-B14F-4D97-AF65-F5344CB8AC3E}">
-        <p14:creationId xmlns:p14="http://schemas.microsoft.com/office/powerpoint/2010/main" val="1538391385"/>
+        <p14:creationId xmlns:p14="http://schemas.microsoft.com/office/powerpoint/2010/main" val="4131771598"/>
       </p:ext>
     </p:extLst>
   </p:cSld>
@@ -967,7 +1103,139 @@
     </p:spTree>
     <p:extLst>
       <p:ext uri="{BB962C8B-B14F-4D97-AF65-F5344CB8AC3E}">
-        <p14:creationId xmlns:p14="http://schemas.microsoft.com/office/powerpoint/2010/main" val="3636007560"/>
+        <p14:creationId xmlns:p14="http://schemas.microsoft.com/office/powerpoint/2010/main" val="462147802"/>
+      </p:ext>
+    </p:extLst>
+  </p:cSld>
+  <p:clrMapOvr>
+    <a:masterClrMapping/>
+  </p:clrMapOvr>
+</p:notes>
+</file>
+
+<file path=ppt/notesSlides/notesSlide8.xml><?xml version="1.0" encoding="utf-8"?>
+<p:notes xmlns:a="http://schemas.openxmlformats.org/drawingml/2006/main" xmlns:r="http://schemas.openxmlformats.org/officeDocument/2006/relationships" xmlns:p="http://schemas.openxmlformats.org/presentationml/2006/main">
+  <p:cSld>
+    <p:spTree>
+      <p:nvGrpSpPr>
+        <p:cNvPr id="1" name=""/>
+        <p:cNvGrpSpPr/>
+        <p:nvPr/>
+      </p:nvGrpSpPr>
+      <p:grpSpPr>
+        <a:xfrm>
+          <a:off x="0" y="0"/>
+          <a:ext cx="0" cy="0"/>
+          <a:chOff x="0" y="0"/>
+          <a:chExt cx="0" cy="0"/>
+        </a:xfrm>
+      </p:grpSpPr>
+      <p:sp>
+        <p:nvSpPr>
+          <p:cNvPr id="2" name="Slide Image Placeholder 1"/>
+          <p:cNvSpPr>
+            <a:spLocks noGrp="1" noRot="1" noChangeAspect="1"/>
+          </p:cNvSpPr>
+          <p:nvPr>
+            <p:ph type="sldImg"/>
+          </p:nvPr>
+        </p:nvSpPr>
+        <p:spPr>
+          <a:xfrm>
+            <a:off x="384175" y="685800"/>
+            <a:ext cx="6089650" cy="3429000"/>
+          </a:xfrm>
+        </p:spPr>
+      </p:sp>
+      <p:sp>
+        <p:nvSpPr>
+          <p:cNvPr id="3" name="Notes Placeholder 2"/>
+          <p:cNvSpPr>
+            <a:spLocks noGrp="1"/>
+          </p:cNvSpPr>
+          <p:nvPr>
+            <p:ph type="body" idx="1"/>
+          </p:nvPr>
+        </p:nvSpPr>
+        <p:spPr/>
+        <p:txBody>
+          <a:bodyPr/>
+          <a:lstStyle/>
+          <a:p>
+            <a:endParaRPr lang="da-DK" dirty="0"/>
+          </a:p>
+        </p:txBody>
+      </p:sp>
+    </p:spTree>
+    <p:extLst>
+      <p:ext uri="{BB962C8B-B14F-4D97-AF65-F5344CB8AC3E}">
+        <p14:creationId xmlns:p14="http://schemas.microsoft.com/office/powerpoint/2010/main" val="2563306409"/>
+      </p:ext>
+    </p:extLst>
+  </p:cSld>
+  <p:clrMapOvr>
+    <a:masterClrMapping/>
+  </p:clrMapOvr>
+</p:notes>
+</file>
+
+<file path=ppt/notesSlides/notesSlide9.xml><?xml version="1.0" encoding="utf-8"?>
+<p:notes xmlns:a="http://schemas.openxmlformats.org/drawingml/2006/main" xmlns:r="http://schemas.openxmlformats.org/officeDocument/2006/relationships" xmlns:p="http://schemas.openxmlformats.org/presentationml/2006/main">
+  <p:cSld>
+    <p:spTree>
+      <p:nvGrpSpPr>
+        <p:cNvPr id="1" name=""/>
+        <p:cNvGrpSpPr/>
+        <p:nvPr/>
+      </p:nvGrpSpPr>
+      <p:grpSpPr>
+        <a:xfrm>
+          <a:off x="0" y="0"/>
+          <a:ext cx="0" cy="0"/>
+          <a:chOff x="0" y="0"/>
+          <a:chExt cx="0" cy="0"/>
+        </a:xfrm>
+      </p:grpSpPr>
+      <p:sp>
+        <p:nvSpPr>
+          <p:cNvPr id="2" name="Slide Image Placeholder 1"/>
+          <p:cNvSpPr>
+            <a:spLocks noGrp="1" noRot="1" noChangeAspect="1"/>
+          </p:cNvSpPr>
+          <p:nvPr>
+            <p:ph type="sldImg"/>
+          </p:nvPr>
+        </p:nvSpPr>
+        <p:spPr>
+          <a:xfrm>
+            <a:off x="384175" y="685800"/>
+            <a:ext cx="6089650" cy="3429000"/>
+          </a:xfrm>
+        </p:spPr>
+      </p:sp>
+      <p:sp>
+        <p:nvSpPr>
+          <p:cNvPr id="3" name="Notes Placeholder 2"/>
+          <p:cNvSpPr>
+            <a:spLocks noGrp="1"/>
+          </p:cNvSpPr>
+          <p:nvPr>
+            <p:ph type="body" idx="1"/>
+          </p:nvPr>
+        </p:nvSpPr>
+        <p:spPr/>
+        <p:txBody>
+          <a:bodyPr/>
+          <a:lstStyle/>
+          <a:p>
+            <a:endParaRPr lang="da-DK" dirty="0"/>
+          </a:p>
+        </p:txBody>
+      </p:sp>
+    </p:spTree>
+    <p:extLst>
+      <p:ext uri="{BB962C8B-B14F-4D97-AF65-F5344CB8AC3E}">
+        <p14:creationId xmlns:p14="http://schemas.microsoft.com/office/powerpoint/2010/main" val="2780919760"/>
       </p:ext>
     </p:extLst>
   </p:cSld>
@@ -1536,7 +1804,7 @@
           </a:ln>
           <a:extLst>
             <a:ext uri="{C572A759-6A51-4108-AA02-DFA0A04FC94B}">
-              <ma14:wrappingTextBoxFlag xmlns:ma14="http://schemas.microsoft.com/office/mac/drawingml/2011/main" xmlns:a14="http://schemas.microsoft.com/office/drawing/2010/main" xmlns:m="http://schemas.openxmlformats.org/officeDocument/2006/math" xmlns="" val="1"/>
+              <ma14:wrappingTextBoxFlag xmlns="" xmlns:m="http://schemas.openxmlformats.org/officeDocument/2006/math" xmlns:a14="http://schemas.microsoft.com/office/drawing/2010/main" xmlns:ma14="http://schemas.microsoft.com/office/mac/drawingml/2011/main" val="1"/>
             </a:ext>
           </a:extLst>
         </p:spPr>
@@ -1582,7 +1850,7 @@
           </a:ln>
           <a:extLst>
             <a:ext uri="{C572A759-6A51-4108-AA02-DFA0A04FC94B}">
-              <ma14:wrappingTextBoxFlag xmlns:ma14="http://schemas.microsoft.com/office/mac/drawingml/2011/main" xmlns:a14="http://schemas.microsoft.com/office/drawing/2010/main" xmlns:m="http://schemas.openxmlformats.org/officeDocument/2006/math" xmlns="" val="1"/>
+              <ma14:wrappingTextBoxFlag xmlns="" xmlns:m="http://schemas.openxmlformats.org/officeDocument/2006/math" xmlns:a14="http://schemas.microsoft.com/office/drawing/2010/main" xmlns:ma14="http://schemas.microsoft.com/office/mac/drawingml/2011/main" val="1"/>
             </a:ext>
           </a:extLst>
         </p:spPr>
@@ -2570,7 +2838,7 @@
             <a:effectLst/>
             <a:extLst>
               <a:ext uri="{C572A759-6A51-4108-AA02-DFA0A04FC94B}">
-                <ma14:wrappingTextBoxFlag xmlns:ma14="http://schemas.microsoft.com/office/mac/drawingml/2011/main" xmlns:a14="http://schemas.microsoft.com/office/drawing/2010/main" xmlns:m="http://schemas.openxmlformats.org/officeDocument/2006/math" xmlns="" val="1"/>
+                <ma14:wrappingTextBoxFlag xmlns="" xmlns:m="http://schemas.openxmlformats.org/officeDocument/2006/math" xmlns:a14="http://schemas.microsoft.com/office/drawing/2010/main" xmlns:ma14="http://schemas.microsoft.com/office/mac/drawingml/2011/main" val="1"/>
               </a:ext>
             </a:extLst>
           </p:spPr>
@@ -3168,7 +3436,7 @@
           </a:ln>
           <a:extLst>
             <a:ext uri="{C572A759-6A51-4108-AA02-DFA0A04FC94B}">
-              <ma14:wrappingTextBoxFlag xmlns:ma14="http://schemas.microsoft.com/office/mac/drawingml/2011/main" xmlns:a14="http://schemas.microsoft.com/office/drawing/2010/main" xmlns:m="http://schemas.openxmlformats.org/officeDocument/2006/math" xmlns="" val="1"/>
+              <ma14:wrappingTextBoxFlag xmlns="" xmlns:m="http://schemas.openxmlformats.org/officeDocument/2006/math" xmlns:a14="http://schemas.microsoft.com/office/drawing/2010/main" xmlns:ma14="http://schemas.microsoft.com/office/mac/drawingml/2011/main" val="1"/>
             </a:ext>
           </a:extLst>
         </p:spPr>
@@ -3214,7 +3482,7 @@
           </a:ln>
           <a:extLst>
             <a:ext uri="{C572A759-6A51-4108-AA02-DFA0A04FC94B}">
-              <ma14:wrappingTextBoxFlag xmlns:ma14="http://schemas.microsoft.com/office/mac/drawingml/2011/main" xmlns:a14="http://schemas.microsoft.com/office/drawing/2010/main" xmlns:m="http://schemas.openxmlformats.org/officeDocument/2006/math" xmlns="" val="1"/>
+              <ma14:wrappingTextBoxFlag xmlns="" xmlns:m="http://schemas.openxmlformats.org/officeDocument/2006/math" xmlns:a14="http://schemas.microsoft.com/office/drawing/2010/main" xmlns:ma14="http://schemas.microsoft.com/office/mac/drawingml/2011/main" val="1"/>
             </a:ext>
           </a:extLst>
         </p:spPr>
@@ -4118,7 +4386,7 @@
             <a:effectLst/>
             <a:extLst>
               <a:ext uri="{C572A759-6A51-4108-AA02-DFA0A04FC94B}">
-                <ma14:wrappingTextBoxFlag xmlns:ma14="http://schemas.microsoft.com/office/mac/drawingml/2011/main" xmlns:a14="http://schemas.microsoft.com/office/drawing/2010/main" xmlns:m="http://schemas.openxmlformats.org/officeDocument/2006/math" xmlns="" val="1"/>
+                <ma14:wrappingTextBoxFlag xmlns="" xmlns:m="http://schemas.openxmlformats.org/officeDocument/2006/math" xmlns:a14="http://schemas.microsoft.com/office/drawing/2010/main" xmlns:ma14="http://schemas.microsoft.com/office/mac/drawingml/2011/main" val="1"/>
               </a:ext>
             </a:extLst>
           </p:spPr>
@@ -4753,7 +5021,7 @@
           </a:ln>
           <a:extLst>
             <a:ext uri="{C572A759-6A51-4108-AA02-DFA0A04FC94B}">
-              <ma14:wrappingTextBoxFlag xmlns:ma14="http://schemas.microsoft.com/office/mac/drawingml/2011/main" xmlns:a14="http://schemas.microsoft.com/office/drawing/2010/main" xmlns:m="http://schemas.openxmlformats.org/officeDocument/2006/math" xmlns="" val="1"/>
+              <ma14:wrappingTextBoxFlag xmlns="" xmlns:m="http://schemas.openxmlformats.org/officeDocument/2006/math" xmlns:a14="http://schemas.microsoft.com/office/drawing/2010/main" xmlns:ma14="http://schemas.microsoft.com/office/mac/drawingml/2011/main" val="1"/>
             </a:ext>
           </a:extLst>
         </p:spPr>
@@ -4799,7 +5067,7 @@
           </a:ln>
           <a:extLst>
             <a:ext uri="{C572A759-6A51-4108-AA02-DFA0A04FC94B}">
-              <ma14:wrappingTextBoxFlag xmlns:ma14="http://schemas.microsoft.com/office/mac/drawingml/2011/main" xmlns:a14="http://schemas.microsoft.com/office/drawing/2010/main" xmlns:m="http://schemas.openxmlformats.org/officeDocument/2006/math" xmlns="" val="1"/>
+              <ma14:wrappingTextBoxFlag xmlns="" xmlns:m="http://schemas.openxmlformats.org/officeDocument/2006/math" xmlns:a14="http://schemas.microsoft.com/office/drawing/2010/main" xmlns:ma14="http://schemas.microsoft.com/office/mac/drawingml/2011/main" val="1"/>
             </a:ext>
           </a:extLst>
         </p:spPr>
@@ -5666,7 +5934,7 @@
             <a:effectLst/>
             <a:extLst>
               <a:ext uri="{C572A759-6A51-4108-AA02-DFA0A04FC94B}">
-                <ma14:wrappingTextBoxFlag xmlns:ma14="http://schemas.microsoft.com/office/mac/drawingml/2011/main" xmlns:a14="http://schemas.microsoft.com/office/drawing/2010/main" xmlns:m="http://schemas.openxmlformats.org/officeDocument/2006/math" xmlns="" val="1"/>
+                <ma14:wrappingTextBoxFlag xmlns="" xmlns:m="http://schemas.openxmlformats.org/officeDocument/2006/math" xmlns:a14="http://schemas.microsoft.com/office/drawing/2010/main" xmlns:ma14="http://schemas.microsoft.com/office/mac/drawingml/2011/main" val="1"/>
               </a:ext>
             </a:extLst>
           </p:spPr>
@@ -5719,7 +5987,7 @@
           </a:ln>
           <a:extLst>
             <a:ext uri="{C572A759-6A51-4108-AA02-DFA0A04FC94B}">
-              <ma14:wrappingTextBoxFlag xmlns:ma14="http://schemas.microsoft.com/office/mac/drawingml/2011/main" xmlns:a14="http://schemas.microsoft.com/office/drawing/2010/main" xmlns:m="http://schemas.openxmlformats.org/officeDocument/2006/math" xmlns="" val="1"/>
+              <ma14:wrappingTextBoxFlag xmlns="" xmlns:m="http://schemas.openxmlformats.org/officeDocument/2006/math" xmlns:a14="http://schemas.microsoft.com/office/drawing/2010/main" xmlns:ma14="http://schemas.microsoft.com/office/mac/drawingml/2011/main" val="1"/>
             </a:ext>
           </a:extLst>
         </p:spPr>
@@ -5756,7 +6024,7 @@
           </a:ln>
           <a:extLst>
             <a:ext uri="{C572A759-6A51-4108-AA02-DFA0A04FC94B}">
-              <ma14:wrappingTextBoxFlag xmlns:ma14="http://schemas.microsoft.com/office/mac/drawingml/2011/main" xmlns:a14="http://schemas.microsoft.com/office/drawing/2010/main" xmlns:m="http://schemas.openxmlformats.org/officeDocument/2006/math" xmlns="" val="1"/>
+              <ma14:wrappingTextBoxFlag xmlns="" xmlns:m="http://schemas.openxmlformats.org/officeDocument/2006/math" xmlns:a14="http://schemas.microsoft.com/office/drawing/2010/main" xmlns:ma14="http://schemas.microsoft.com/office/mac/drawingml/2011/main" val="1"/>
             </a:ext>
           </a:extLst>
         </p:spPr>
@@ -6695,7 +6963,7 @@
           </a:prstGeom>
           <a:extLst>
             <a:ext uri="{C572A759-6A51-4108-AA02-DFA0A04FC94B}">
-              <ma14:wrappingTextBoxFlag xmlns:ma14="http://schemas.microsoft.com/office/mac/drawingml/2011/main" xmlns:a14="http://schemas.microsoft.com/office/drawing/2010/main" xmlns:m="http://schemas.openxmlformats.org/officeDocument/2006/math" xmlns="" val="1"/>
+              <ma14:wrappingTextBoxFlag xmlns="" xmlns:m="http://schemas.openxmlformats.org/officeDocument/2006/math" xmlns:a14="http://schemas.microsoft.com/office/drawing/2010/main" xmlns:ma14="http://schemas.microsoft.com/office/mac/drawingml/2011/main" val="1"/>
             </a:ext>
           </a:extLst>
         </p:spPr>
@@ -6871,7 +7139,7 @@
           </a:prstGeom>
           <a:extLst>
             <a:ext uri="{C572A759-6A51-4108-AA02-DFA0A04FC94B}">
-              <ma14:wrappingTextBoxFlag xmlns:ma14="http://schemas.microsoft.com/office/mac/drawingml/2011/main" xmlns:a14="http://schemas.microsoft.com/office/drawing/2010/main" xmlns:m="http://schemas.openxmlformats.org/officeDocument/2006/math" xmlns="" val="1"/>
+              <ma14:wrappingTextBoxFlag xmlns="" xmlns:m="http://schemas.openxmlformats.org/officeDocument/2006/math" xmlns:a14="http://schemas.microsoft.com/office/drawing/2010/main" xmlns:ma14="http://schemas.microsoft.com/office/mac/drawingml/2011/main" val="1"/>
             </a:ext>
           </a:extLst>
         </p:spPr>
@@ -6883,6 +7151,89 @@
               <a:t>10</a:t>
             </a:fld>
             <a:endParaRPr/>
+          </a:p>
+        </p:txBody>
+      </p:sp>
+      <p:sp>
+        <p:nvSpPr>
+          <p:cNvPr id="22" name="TextBox 21">
+            <a:extLst>
+              <a:ext uri="{FF2B5EF4-FFF2-40B4-BE49-F238E27FC236}">
+                <a16:creationId xmlns:a16="http://schemas.microsoft.com/office/drawing/2014/main" id="{0A9F6BC8-9FEE-7742-8BD6-42EECE32516B}"/>
+              </a:ext>
+            </a:extLst>
+          </p:cNvPr>
+          <p:cNvSpPr txBox="1"/>
+          <p:nvPr/>
+        </p:nvSpPr>
+        <p:spPr>
+          <a:xfrm>
+            <a:off x="10110779" y="4557446"/>
+            <a:ext cx="1219200" cy="453970"/>
+          </a:xfrm>
+          <a:prstGeom prst="rect">
+            <a:avLst/>
+          </a:prstGeom>
+          <a:noFill/>
+          <a:ln w="12700" cap="flat">
+            <a:noFill/>
+            <a:miter lim="400000"/>
+          </a:ln>
+          <a:effectLst/>
+          <a:sp3d/>
+        </p:spPr>
+        <p:style>
+          <a:lnRef idx="0">
+            <a:scrgbClr r="0" g="0" b="0"/>
+          </a:lnRef>
+          <a:fillRef idx="0">
+            <a:scrgbClr r="0" g="0" b="0"/>
+          </a:fillRef>
+          <a:effectRef idx="0">
+            <a:scrgbClr r="0" g="0" b="0"/>
+          </a:effectRef>
+          <a:fontRef idx="none"/>
+        </p:style>
+        <p:txBody>
+          <a:bodyPr rot="0" spcFirstLastPara="1" vertOverflow="overflow" horzOverflow="overflow" vert="horz" wrap="square" lIns="0" tIns="0" rIns="0" bIns="0" numCol="1" spcCol="38100" rtlCol="0" anchor="t">
+            <a:spAutoFit/>
+          </a:bodyPr>
+          <a:lstStyle/>
+          <a:p>
+            <a:pPr marL="0" marR="0" indent="0" algn="l" defTabSz="914400" rtl="0" fontAlgn="auto" latinLnBrk="0" hangingPunct="0">
+              <a:lnSpc>
+                <a:spcPct val="100000"/>
+              </a:lnSpc>
+              <a:spcBef>
+                <a:spcPts val="900"/>
+              </a:spcBef>
+              <a:spcAft>
+                <a:spcPts val="0"/>
+              </a:spcAft>
+              <a:buClrTx/>
+              <a:buSzTx/>
+              <a:buFontTx/>
+              <a:buNone/>
+              <a:tabLst/>
+            </a:pPr>
+            <a:r>
+              <a:rPr lang="da-DK" sz="2200" dirty="0"/>
+              <a:t>h2</a:t>
+            </a:r>
+            <a:endParaRPr kumimoji="0" lang="da-DK" sz="2200" b="0" i="0" u="none" strike="noStrike" cap="none" spc="0" normalizeH="0" baseline="0" dirty="0">
+              <a:ln>
+                <a:noFill/>
+              </a:ln>
+              <a:solidFill>
+                <a:srgbClr val="000000"/>
+              </a:solidFill>
+              <a:effectLst/>
+              <a:uFillTx/>
+              <a:latin typeface="+mn-lt"/>
+              <a:ea typeface="+mn-ea"/>
+              <a:cs typeface="+mn-cs"/>
+              <a:sym typeface="Arial"/>
+            </a:endParaRPr>
           </a:p>
         </p:txBody>
       </p:sp>
@@ -6900,8 +7251,8 @@
         </p:nvSpPr>
         <p:spPr>
           <a:xfrm>
-            <a:off x="4691269" y="3606290"/>
-            <a:ext cx="569844" cy="2610679"/>
+            <a:off x="4656614" y="4201610"/>
+            <a:ext cx="937184" cy="1287734"/>
           </a:xfrm>
           <a:custGeom>
             <a:avLst/>
@@ -6916,6 +7267,56 @@
               <a:gd name="connsiteY3" fmla="*/ 2279374 h 2610679"/>
               <a:gd name="connsiteX4" fmla="*/ 53009 w 569844"/>
               <a:gd name="connsiteY4" fmla="*/ 0 h 2610679"/>
+              <a:gd name="connsiteX0" fmla="*/ 0 w 569881"/>
+              <a:gd name="connsiteY0" fmla="*/ 0 h 2756725"/>
+              <a:gd name="connsiteX1" fmla="*/ 569881 w 569881"/>
+              <a:gd name="connsiteY1" fmla="*/ 397838 h 2756725"/>
+              <a:gd name="connsiteX2" fmla="*/ 530124 w 569881"/>
+              <a:gd name="connsiteY2" fmla="*/ 2756725 h 2756725"/>
+              <a:gd name="connsiteX3" fmla="*/ 37 w 569881"/>
+              <a:gd name="connsiteY3" fmla="*/ 2425420 h 2756725"/>
+              <a:gd name="connsiteX4" fmla="*/ 0 w 569881"/>
+              <a:gd name="connsiteY4" fmla="*/ 0 h 2756725"/>
+              <a:gd name="connsiteX0" fmla="*/ 0 w 546305"/>
+              <a:gd name="connsiteY0" fmla="*/ 0 h 2756725"/>
+              <a:gd name="connsiteX1" fmla="*/ 546305 w 546305"/>
+              <a:gd name="connsiteY1" fmla="*/ 397839 h 2756725"/>
+              <a:gd name="connsiteX2" fmla="*/ 530124 w 546305"/>
+              <a:gd name="connsiteY2" fmla="*/ 2756725 h 2756725"/>
+              <a:gd name="connsiteX3" fmla="*/ 37 w 546305"/>
+              <a:gd name="connsiteY3" fmla="*/ 2425420 h 2756725"/>
+              <a:gd name="connsiteX4" fmla="*/ 0 w 546305"/>
+              <a:gd name="connsiteY4" fmla="*/ 0 h 2756725"/>
+              <a:gd name="connsiteX0" fmla="*/ 0 w 546305"/>
+              <a:gd name="connsiteY0" fmla="*/ 0 h 2756725"/>
+              <a:gd name="connsiteX1" fmla="*/ 546305 w 546305"/>
+              <a:gd name="connsiteY1" fmla="*/ 397839 h 2756725"/>
+              <a:gd name="connsiteX2" fmla="*/ 541912 w 546305"/>
+              <a:gd name="connsiteY2" fmla="*/ 2756725 h 2756725"/>
+              <a:gd name="connsiteX3" fmla="*/ 37 w 546305"/>
+              <a:gd name="connsiteY3" fmla="*/ 2425420 h 2756725"/>
+              <a:gd name="connsiteX4" fmla="*/ 0 w 546305"/>
+              <a:gd name="connsiteY4" fmla="*/ 0 h 2756725"/>
+              <a:gd name="connsiteX0" fmla="*/ 0 w 541933"/>
+              <a:gd name="connsiteY0" fmla="*/ 0 h 2756725"/>
+              <a:gd name="connsiteX1" fmla="*/ 469684 w 541933"/>
+              <a:gd name="connsiteY1" fmla="*/ 300474 h 2756725"/>
+              <a:gd name="connsiteX2" fmla="*/ 541912 w 541933"/>
+              <a:gd name="connsiteY2" fmla="*/ 2756725 h 2756725"/>
+              <a:gd name="connsiteX3" fmla="*/ 37 w 541933"/>
+              <a:gd name="connsiteY3" fmla="*/ 2425420 h 2756725"/>
+              <a:gd name="connsiteX4" fmla="*/ 0 w 541933"/>
+              <a:gd name="connsiteY4" fmla="*/ 0 h 2756725"/>
+              <a:gd name="connsiteX0" fmla="*/ 0 w 477221"/>
+              <a:gd name="connsiteY0" fmla="*/ 0 h 2708044"/>
+              <a:gd name="connsiteX1" fmla="*/ 469684 w 477221"/>
+              <a:gd name="connsiteY1" fmla="*/ 300474 h 2708044"/>
+              <a:gd name="connsiteX2" fmla="*/ 477079 w 477221"/>
+              <a:gd name="connsiteY2" fmla="*/ 2708044 h 2708044"/>
+              <a:gd name="connsiteX3" fmla="*/ 37 w 477221"/>
+              <a:gd name="connsiteY3" fmla="*/ 2425420 h 2708044"/>
+              <a:gd name="connsiteX4" fmla="*/ 0 w 477221"/>
+              <a:gd name="connsiteY4" fmla="*/ 0 h 2708044"/>
             </a:gdLst>
             <a:ahLst/>
             <a:cxnLst>
@@ -6937,22 +7338,26 @@
             </a:cxnLst>
             <a:rect l="l" t="t" r="r" b="b"/>
             <a:pathLst>
-              <a:path w="569844" h="2610679">
+              <a:path w="477221" h="2708044">
                 <a:moveTo>
-                  <a:pt x="53009" y="0"/>
+                  <a:pt x="0" y="0"/>
                 </a:moveTo>
                 <a:lnTo>
-                  <a:pt x="569844" y="251792"/>
+                  <a:pt x="469684" y="300474"/>
                 </a:lnTo>
+                <a:cubicBezTo>
+                  <a:pt x="468220" y="1086769"/>
+                  <a:pt x="478543" y="1921749"/>
+                  <a:pt x="477079" y="2708044"/>
+                </a:cubicBezTo>
                 <a:lnTo>
-                  <a:pt x="530087" y="2610679"/>
+                  <a:pt x="37" y="2425420"/>
                 </a:lnTo>
-                <a:lnTo>
-                  <a:pt x="0" y="2279374"/>
-                </a:lnTo>
-                <a:lnTo>
-                  <a:pt x="53009" y="0"/>
-                </a:lnTo>
+                <a:cubicBezTo>
+                  <a:pt x="25" y="1616947"/>
+                  <a:pt x="12" y="808473"/>
+                  <a:pt x="0" y="0"/>
+                </a:cubicBezTo>
                 <a:close/>
               </a:path>
             </a:pathLst>
@@ -7035,8 +7440,8 @@
         </p:nvSpPr>
         <p:spPr>
           <a:xfrm>
-            <a:off x="8388626" y="3937594"/>
-            <a:ext cx="1470991" cy="1603513"/>
+            <a:off x="8377051" y="4099639"/>
+            <a:ext cx="1042728" cy="1244699"/>
           </a:xfrm>
           <a:custGeom>
             <a:avLst/>
@@ -7071,6 +7476,66 @@
               <a:gd name="connsiteY3" fmla="*/ 1046921 h 1603513"/>
               <a:gd name="connsiteX4" fmla="*/ 0 w 1470991"/>
               <a:gd name="connsiteY4" fmla="*/ 0 h 1603513"/>
+              <a:gd name="connsiteX0" fmla="*/ 0 w 1482566"/>
+              <a:gd name="connsiteY0" fmla="*/ 0 h 1441468"/>
+              <a:gd name="connsiteX1" fmla="*/ 1482566 w 1482566"/>
+              <a:gd name="connsiteY1" fmla="*/ 301781 h 1441468"/>
+              <a:gd name="connsiteX2" fmla="*/ 1456062 w 1482566"/>
+              <a:gd name="connsiteY2" fmla="*/ 1441468 h 1441468"/>
+              <a:gd name="connsiteX3" fmla="*/ 11576 w 1482566"/>
+              <a:gd name="connsiteY3" fmla="*/ 884876 h 1441468"/>
+              <a:gd name="connsiteX4" fmla="*/ 0 w 1482566"/>
+              <a:gd name="connsiteY4" fmla="*/ 0 h 1441468"/>
+              <a:gd name="connsiteX0" fmla="*/ 0 w 1456062"/>
+              <a:gd name="connsiteY0" fmla="*/ 0 h 1441468"/>
+              <a:gd name="connsiteX1" fmla="*/ 1042728 w 1456062"/>
+              <a:gd name="connsiteY1" fmla="*/ 151310 h 1441468"/>
+              <a:gd name="connsiteX2" fmla="*/ 1456062 w 1456062"/>
+              <a:gd name="connsiteY2" fmla="*/ 1441468 h 1441468"/>
+              <a:gd name="connsiteX3" fmla="*/ 11576 w 1456062"/>
+              <a:gd name="connsiteY3" fmla="*/ 884876 h 1441468"/>
+              <a:gd name="connsiteX4" fmla="*/ 0 w 1456062"/>
+              <a:gd name="connsiteY4" fmla="*/ 0 h 1441468"/>
+              <a:gd name="connsiteX0" fmla="*/ 0 w 1074098"/>
+              <a:gd name="connsiteY0" fmla="*/ 0 h 1152101"/>
+              <a:gd name="connsiteX1" fmla="*/ 1042728 w 1074098"/>
+              <a:gd name="connsiteY1" fmla="*/ 151310 h 1152101"/>
+              <a:gd name="connsiteX2" fmla="*/ 1074098 w 1074098"/>
+              <a:gd name="connsiteY2" fmla="*/ 1152101 h 1152101"/>
+              <a:gd name="connsiteX3" fmla="*/ 11576 w 1074098"/>
+              <a:gd name="connsiteY3" fmla="*/ 884876 h 1152101"/>
+              <a:gd name="connsiteX4" fmla="*/ 0 w 1074098"/>
+              <a:gd name="connsiteY4" fmla="*/ 0 h 1152101"/>
+              <a:gd name="connsiteX0" fmla="*/ 0 w 1097247"/>
+              <a:gd name="connsiteY0" fmla="*/ 0 h 1221549"/>
+              <a:gd name="connsiteX1" fmla="*/ 1042728 w 1097247"/>
+              <a:gd name="connsiteY1" fmla="*/ 151310 h 1221549"/>
+              <a:gd name="connsiteX2" fmla="*/ 1097247 w 1097247"/>
+              <a:gd name="connsiteY2" fmla="*/ 1221549 h 1221549"/>
+              <a:gd name="connsiteX3" fmla="*/ 11576 w 1097247"/>
+              <a:gd name="connsiteY3" fmla="*/ 884876 h 1221549"/>
+              <a:gd name="connsiteX4" fmla="*/ 0 w 1097247"/>
+              <a:gd name="connsiteY4" fmla="*/ 0 h 1221549"/>
+              <a:gd name="connsiteX0" fmla="*/ 0 w 1097247"/>
+              <a:gd name="connsiteY0" fmla="*/ 0 h 1221549"/>
+              <a:gd name="connsiteX1" fmla="*/ 1042728 w 1097247"/>
+              <a:gd name="connsiteY1" fmla="*/ 151310 h 1221549"/>
+              <a:gd name="connsiteX2" fmla="*/ 1097247 w 1097247"/>
+              <a:gd name="connsiteY2" fmla="*/ 1221549 h 1221549"/>
+              <a:gd name="connsiteX3" fmla="*/ 11576 w 1097247"/>
+              <a:gd name="connsiteY3" fmla="*/ 1058496 h 1221549"/>
+              <a:gd name="connsiteX4" fmla="*/ 0 w 1097247"/>
+              <a:gd name="connsiteY4" fmla="*/ 0 h 1221549"/>
+              <a:gd name="connsiteX0" fmla="*/ 0 w 1042728"/>
+              <a:gd name="connsiteY0" fmla="*/ 0 h 1244699"/>
+              <a:gd name="connsiteX1" fmla="*/ 1042728 w 1042728"/>
+              <a:gd name="connsiteY1" fmla="*/ 151310 h 1244699"/>
+              <a:gd name="connsiteX2" fmla="*/ 1027799 w 1042728"/>
+              <a:gd name="connsiteY2" fmla="*/ 1244699 h 1244699"/>
+              <a:gd name="connsiteX3" fmla="*/ 11576 w 1042728"/>
+              <a:gd name="connsiteY3" fmla="*/ 1058496 h 1244699"/>
+              <a:gd name="connsiteX4" fmla="*/ 0 w 1042728"/>
+              <a:gd name="connsiteY4" fmla="*/ 0 h 1244699"/>
             </a:gdLst>
             <a:ahLst/>
             <a:cxnLst>
@@ -7092,21 +7557,21 @@
             </a:cxnLst>
             <a:rect l="l" t="t" r="r" b="b"/>
             <a:pathLst>
-              <a:path w="1470991" h="1603513">
+              <a:path w="1042728" h="1244699">
                 <a:moveTo>
                   <a:pt x="0" y="0"/>
                 </a:moveTo>
                 <a:lnTo>
-                  <a:pt x="1470991" y="463826"/>
+                  <a:pt x="1042728" y="151310"/>
                 </a:lnTo>
                 <a:lnTo>
-                  <a:pt x="1444487" y="1603513"/>
+                  <a:pt x="1027799" y="1244699"/>
                 </a:lnTo>
                 <a:lnTo>
-                  <a:pt x="1" y="1046921"/>
+                  <a:pt x="11576" y="1058496"/>
                 </a:lnTo>
                 <a:cubicBezTo>
-                  <a:pt x="1" y="697947"/>
+                  <a:pt x="11576" y="709522"/>
                   <a:pt x="0" y="348974"/>
                   <a:pt x="0" y="0"/>
                 </a:cubicBezTo>
@@ -7195,9 +7660,9 @@
           <p:nvPr/>
         </p:nvCxnSpPr>
         <p:spPr>
-          <a:xfrm>
-            <a:off x="5261113" y="3858082"/>
-            <a:ext cx="4598504" cy="543338"/>
+          <a:xfrm flipV="1">
+            <a:off x="5578997" y="4250949"/>
+            <a:ext cx="3840782" cy="93543"/>
           </a:xfrm>
           <a:prstGeom prst="line">
             <a:avLst/>
@@ -7243,9 +7708,9 @@
           <p:nvPr/>
         </p:nvCxnSpPr>
         <p:spPr>
-          <a:xfrm>
-            <a:off x="4744278" y="3606290"/>
-            <a:ext cx="3644348" cy="331304"/>
+          <a:xfrm flipV="1">
+            <a:off x="4656614" y="4099639"/>
+            <a:ext cx="3720437" cy="101971"/>
           </a:xfrm>
           <a:prstGeom prst="line">
             <a:avLst/>
@@ -7292,8 +7757,8 @@
         </p:nvCxnSpPr>
         <p:spPr>
           <a:xfrm flipV="1">
-            <a:off x="4691269" y="4984515"/>
-            <a:ext cx="3697358" cy="901149"/>
+            <a:off x="4656687" y="5158135"/>
+            <a:ext cx="3731940" cy="196815"/>
           </a:xfrm>
           <a:prstGeom prst="line">
             <a:avLst/>
@@ -7340,8 +7805,8 @@
         </p:nvCxnSpPr>
         <p:spPr>
           <a:xfrm flipV="1">
-            <a:off x="5221356" y="5541107"/>
-            <a:ext cx="4611757" cy="675862"/>
+            <a:off x="5593519" y="5344338"/>
+            <a:ext cx="3811331" cy="145006"/>
           </a:xfrm>
           <a:prstGeom prst="line">
             <a:avLst/>
@@ -7384,7 +7849,7 @@
         </p:nvSpPr>
         <p:spPr>
           <a:xfrm>
-            <a:off x="5466522" y="2835966"/>
+            <a:off x="5142431" y="3160058"/>
             <a:ext cx="1219200" cy="453970"/>
           </a:xfrm>
           <a:prstGeom prst="rect">
@@ -7537,10 +8002,10 @@
       </p:sp>
       <p:sp>
         <p:nvSpPr>
-          <p:cNvPr id="22" name="TextBox 21">
+          <p:cNvPr id="23" name="TextBox 22">
             <a:extLst>
               <a:ext uri="{FF2B5EF4-FFF2-40B4-BE49-F238E27FC236}">
-                <a16:creationId xmlns:a16="http://schemas.microsoft.com/office/drawing/2014/main" id="{0A9F6BC8-9FEE-7742-8BD6-42EECE32516B}"/>
+                <a16:creationId xmlns:a16="http://schemas.microsoft.com/office/drawing/2014/main" id="{4F3B6652-0BA9-1B45-8283-3B14E96789FD}"/>
               </a:ext>
             </a:extLst>
           </p:cNvPr>
@@ -7549,7 +8014,7 @@
         </p:nvSpPr>
         <p:spPr>
           <a:xfrm>
-            <a:off x="10539042" y="4707917"/>
+            <a:off x="8965828" y="3150664"/>
             <a:ext cx="1219200" cy="453970"/>
           </a:xfrm>
           <a:prstGeom prst="rect">
@@ -7598,89 +8063,6 @@
               <a:tabLst/>
             </a:pPr>
             <a:r>
-              <a:rPr lang="da-DK" sz="2200" dirty="0"/>
-              <a:t>h2</a:t>
-            </a:r>
-            <a:endParaRPr kumimoji="0" lang="da-DK" sz="2200" b="0" i="0" u="none" strike="noStrike" cap="none" spc="0" normalizeH="0" baseline="0" dirty="0">
-              <a:ln>
-                <a:noFill/>
-              </a:ln>
-              <a:solidFill>
-                <a:srgbClr val="000000"/>
-              </a:solidFill>
-              <a:effectLst/>
-              <a:uFillTx/>
-              <a:latin typeface="+mn-lt"/>
-              <a:ea typeface="+mn-ea"/>
-              <a:cs typeface="+mn-cs"/>
-              <a:sym typeface="Arial"/>
-            </a:endParaRPr>
-          </a:p>
-        </p:txBody>
-      </p:sp>
-      <p:sp>
-        <p:nvSpPr>
-          <p:cNvPr id="23" name="TextBox 22">
-            <a:extLst>
-              <a:ext uri="{FF2B5EF4-FFF2-40B4-BE49-F238E27FC236}">
-                <a16:creationId xmlns:a16="http://schemas.microsoft.com/office/drawing/2014/main" id="{4F3B6652-0BA9-1B45-8283-3B14E96789FD}"/>
-              </a:ext>
-            </a:extLst>
-          </p:cNvPr>
-          <p:cNvSpPr txBox="1"/>
-          <p:nvPr/>
-        </p:nvSpPr>
-        <p:spPr>
-          <a:xfrm>
-            <a:off x="9301494" y="3127515"/>
-            <a:ext cx="1219200" cy="453970"/>
-          </a:xfrm>
-          <a:prstGeom prst="rect">
-            <a:avLst/>
-          </a:prstGeom>
-          <a:noFill/>
-          <a:ln w="12700" cap="flat">
-            <a:noFill/>
-            <a:miter lim="400000"/>
-          </a:ln>
-          <a:effectLst/>
-          <a:sp3d/>
-        </p:spPr>
-        <p:style>
-          <a:lnRef idx="0">
-            <a:scrgbClr r="0" g="0" b="0"/>
-          </a:lnRef>
-          <a:fillRef idx="0">
-            <a:scrgbClr r="0" g="0" b="0"/>
-          </a:fillRef>
-          <a:effectRef idx="0">
-            <a:scrgbClr r="0" g="0" b="0"/>
-          </a:effectRef>
-          <a:fontRef idx="none"/>
-        </p:style>
-        <p:txBody>
-          <a:bodyPr rot="0" spcFirstLastPara="1" vertOverflow="overflow" horzOverflow="overflow" vert="horz" wrap="square" lIns="0" tIns="0" rIns="0" bIns="0" numCol="1" spcCol="38100" rtlCol="0" anchor="t">
-            <a:spAutoFit/>
-          </a:bodyPr>
-          <a:lstStyle/>
-          <a:p>
-            <a:pPr marL="0" marR="0" indent="0" algn="l" defTabSz="914400" rtl="0" fontAlgn="auto" latinLnBrk="0" hangingPunct="0">
-              <a:lnSpc>
-                <a:spcPct val="100000"/>
-              </a:lnSpc>
-              <a:spcBef>
-                <a:spcPts val="900"/>
-              </a:spcBef>
-              <a:spcAft>
-                <a:spcPts val="0"/>
-              </a:spcAft>
-              <a:buClrTx/>
-              <a:buSzTx/>
-              <a:buFontTx/>
-              <a:buNone/>
-              <a:tabLst/>
-            </a:pPr>
-            <a:r>
               <a:rPr kumimoji="0" lang="da-DK" sz="2200" b="0" i="0" u="none" strike="noStrike" cap="none" spc="0" normalizeH="0" baseline="0" dirty="0">
                 <a:ln>
                   <a:noFill/>
@@ -7714,7 +8096,7 @@
         </p:nvSpPr>
         <p:spPr>
           <a:xfrm rot="10800000">
-            <a:off x="9911095" y="4414673"/>
+            <a:off x="9482832" y="4241053"/>
             <a:ext cx="483704" cy="1113182"/>
           </a:xfrm>
           <a:prstGeom prst="leftBrace">
@@ -7794,9 +8176,9 @@
           <p:nvPr/>
         </p:nvSpPr>
         <p:spPr>
-          <a:xfrm rot="7045631">
-            <a:off x="4935162" y="3186204"/>
-            <a:ext cx="483704" cy="544891"/>
+          <a:xfrm rot="5884581">
+            <a:off x="4901783" y="3527445"/>
+            <a:ext cx="531484" cy="883225"/>
           </a:xfrm>
           <a:prstGeom prst="leftBrace">
             <a:avLst>
@@ -7878,9 +8260,9 @@
           <p:nvPr/>
         </p:nvSpPr>
         <p:spPr>
-          <a:xfrm rot="6541481">
-            <a:off x="8990948" y="3118463"/>
-            <a:ext cx="483704" cy="1530571"/>
+          <a:xfrm rot="5992863">
+            <a:off x="8757637" y="3372472"/>
+            <a:ext cx="458302" cy="1050334"/>
           </a:xfrm>
           <a:prstGeom prst="leftBrace">
             <a:avLst/>
@@ -7960,8 +8342,8 @@
         </p:nvSpPr>
         <p:spPr>
           <a:xfrm rot="60000">
-            <a:off x="4177747" y="3619543"/>
-            <a:ext cx="483704" cy="2252868"/>
+            <a:off x="4203770" y="4194378"/>
+            <a:ext cx="415997" cy="1165249"/>
           </a:xfrm>
           <a:prstGeom prst="leftBrace">
             <a:avLst/>
@@ -8043,8 +8425,8 @@
         </p:nvCxnSpPr>
         <p:spPr>
           <a:xfrm flipV="1">
-            <a:off x="4982818" y="4707917"/>
-            <a:ext cx="4108173" cy="130825"/>
+            <a:off x="5110143" y="4708517"/>
+            <a:ext cx="3855685" cy="107077"/>
           </a:xfrm>
           <a:prstGeom prst="line">
             <a:avLst/>
@@ -8090,13 +8472,13 @@
         </p:nvSpPr>
         <p:spPr>
           <a:xfrm rot="16080000">
-            <a:off x="6888974" y="2952941"/>
-            <a:ext cx="335707" cy="4088298"/>
+            <a:off x="6798431" y="3155399"/>
+            <a:ext cx="513409" cy="3823902"/>
           </a:xfrm>
           <a:prstGeom prst="leftBrace">
             <a:avLst>
               <a:gd name="adj1" fmla="val 8333"/>
-              <a:gd name="adj2" fmla="val 78536"/>
+              <a:gd name="adj2" fmla="val 64339"/>
             </a:avLst>
           </a:prstGeom>
           <a:noFill/>
@@ -8174,7 +8556,7 @@
         </p:nvSpPr>
         <p:spPr>
           <a:xfrm>
-            <a:off x="8212521" y="5058523"/>
+            <a:off x="7679215" y="5381775"/>
             <a:ext cx="1219200" cy="453970"/>
           </a:xfrm>
           <a:prstGeom prst="rect">
@@ -8287,6 +8669,2114 @@
         <p:spPr>
           <a:xfrm>
             <a:off x="1774725" y="426126"/>
+            <a:ext cx="9312376" cy="972718"/>
+          </a:xfrm>
+          <a:prstGeom prst="rect">
+            <a:avLst/>
+          </a:prstGeom>
+        </p:spPr>
+        <p:txBody>
+          <a:bodyPr/>
+          <a:lstStyle/>
+          <a:p>
+            <a:r>
+              <a:rPr lang="da-DK" dirty="0" err="1"/>
+              <a:t>Popular</a:t>
+            </a:r>
+            <a:r>
+              <a:rPr lang="da-DK" dirty="0"/>
+              <a:t> guide components: </a:t>
+            </a:r>
+            <a:r>
+              <a:rPr lang="da-DK" dirty="0" err="1"/>
+              <a:t>Guide_gravity</a:t>
+            </a:r>
+            <a:endParaRPr lang="da-DK" dirty="0"/>
+          </a:p>
+        </p:txBody>
+      </p:sp>
+      <p:sp>
+        <p:nvSpPr>
+          <p:cNvPr id="251" name="Content Placeholder 5"/>
+          <p:cNvSpPr txBox="1">
+            <a:spLocks noGrp="1"/>
+          </p:cNvSpPr>
+          <p:nvPr>
+            <p:ph type="body" idx="1"/>
+          </p:nvPr>
+        </p:nvSpPr>
+        <p:spPr>
+          <a:xfrm>
+            <a:off x="1774799" y="1706400"/>
+            <a:ext cx="9312376" cy="1129566"/>
+          </a:xfrm>
+          <a:prstGeom prst="rect">
+            <a:avLst/>
+          </a:prstGeom>
+        </p:spPr>
+        <p:txBody>
+          <a:bodyPr/>
+          <a:lstStyle/>
+          <a:p>
+            <a:r>
+              <a:rPr lang="da-DK" dirty="0" err="1"/>
+              <a:t>Typical</a:t>
+            </a:r>
+            <a:r>
+              <a:rPr lang="da-DK" dirty="0"/>
+              <a:t> guide component with </a:t>
+            </a:r>
+            <a:r>
+              <a:rPr lang="da-DK" dirty="0" err="1"/>
+              <a:t>gravity</a:t>
+            </a:r>
+            <a:endParaRPr lang="da-DK" dirty="0"/>
+          </a:p>
+          <a:p>
+            <a:r>
+              <a:rPr lang="da-DK" dirty="0" err="1"/>
+              <a:t>Many</a:t>
+            </a:r>
+            <a:r>
+              <a:rPr lang="da-DK" dirty="0"/>
+              <a:t> </a:t>
+            </a:r>
+            <a:r>
+              <a:rPr lang="da-DK" dirty="0" err="1"/>
+              <a:t>additional</a:t>
+            </a:r>
+            <a:r>
+              <a:rPr lang="da-DK" dirty="0"/>
+              <a:t> features, </a:t>
+            </a:r>
+            <a:r>
+              <a:rPr lang="da-DK" dirty="0" err="1"/>
+              <a:t>channels</a:t>
+            </a:r>
+            <a:r>
+              <a:rPr lang="da-DK" dirty="0"/>
+              <a:t>, </a:t>
+            </a:r>
+            <a:r>
+              <a:rPr lang="da-DK" dirty="0" err="1"/>
+              <a:t>fermi</a:t>
+            </a:r>
+            <a:r>
+              <a:rPr lang="da-DK" dirty="0"/>
+              <a:t> chopper, …</a:t>
+            </a:r>
+          </a:p>
+          <a:p>
+            <a:endParaRPr lang="da-DK" dirty="0"/>
+          </a:p>
+        </p:txBody>
+      </p:sp>
+      <p:sp>
+        <p:nvSpPr>
+          <p:cNvPr id="252" name="Slide Number Placeholder 3"/>
+          <p:cNvSpPr txBox="1">
+            <a:spLocks noGrp="1"/>
+          </p:cNvSpPr>
+          <p:nvPr>
+            <p:ph type="sldNum" sz="quarter" idx="2"/>
+          </p:nvPr>
+        </p:nvSpPr>
+        <p:spPr>
+          <a:xfrm>
+            <a:off x="11506450" y="6636099"/>
+            <a:ext cx="127001" cy="127001"/>
+          </a:xfrm>
+          <a:prstGeom prst="rect">
+            <a:avLst/>
+          </a:prstGeom>
+          <a:extLst>
+            <a:ext uri="{C572A759-6A51-4108-AA02-DFA0A04FC94B}">
+              <ma14:wrappingTextBoxFlag xmlns="" xmlns:m="http://schemas.openxmlformats.org/officeDocument/2006/math" xmlns:a14="http://schemas.microsoft.com/office/drawing/2010/main" xmlns:ma14="http://schemas.microsoft.com/office/mac/drawingml/2011/main" val="1"/>
+            </a:ext>
+          </a:extLst>
+        </p:spPr>
+        <p:txBody>
+          <a:bodyPr/>
+          <a:lstStyle/>
+          <a:p>
+            <a:fld id="{86CB4B4D-7CA3-9044-876B-883B54F8677D}" type="slidenum">
+              <a:t>11</a:t>
+            </a:fld>
+            <a:endParaRPr/>
+          </a:p>
+        </p:txBody>
+      </p:sp>
+      <p:sp>
+        <p:nvSpPr>
+          <p:cNvPr id="22" name="TextBox 21">
+            <a:extLst>
+              <a:ext uri="{FF2B5EF4-FFF2-40B4-BE49-F238E27FC236}">
+                <a16:creationId xmlns:a16="http://schemas.microsoft.com/office/drawing/2014/main" id="{0A9F6BC8-9FEE-7742-8BD6-42EECE32516B}"/>
+              </a:ext>
+            </a:extLst>
+          </p:cNvPr>
+          <p:cNvSpPr txBox="1"/>
+          <p:nvPr/>
+        </p:nvSpPr>
+        <p:spPr>
+          <a:xfrm>
+            <a:off x="10539042" y="4707917"/>
+            <a:ext cx="1219200" cy="453970"/>
+          </a:xfrm>
+          <a:prstGeom prst="rect">
+            <a:avLst/>
+          </a:prstGeom>
+          <a:noFill/>
+          <a:ln w="12700" cap="flat">
+            <a:noFill/>
+            <a:miter lim="400000"/>
+          </a:ln>
+          <a:effectLst/>
+          <a:sp3d/>
+        </p:spPr>
+        <p:style>
+          <a:lnRef idx="0">
+            <a:scrgbClr r="0" g="0" b="0"/>
+          </a:lnRef>
+          <a:fillRef idx="0">
+            <a:scrgbClr r="0" g="0" b="0"/>
+          </a:fillRef>
+          <a:effectRef idx="0">
+            <a:scrgbClr r="0" g="0" b="0"/>
+          </a:effectRef>
+          <a:fontRef idx="none"/>
+        </p:style>
+        <p:txBody>
+          <a:bodyPr rot="0" spcFirstLastPara="1" vertOverflow="overflow" horzOverflow="overflow" vert="horz" wrap="square" lIns="0" tIns="0" rIns="0" bIns="0" numCol="1" spcCol="38100" rtlCol="0" anchor="t">
+            <a:spAutoFit/>
+          </a:bodyPr>
+          <a:lstStyle/>
+          <a:p>
+            <a:pPr marL="0" marR="0" indent="0" algn="l" defTabSz="914400" rtl="0" fontAlgn="auto" latinLnBrk="0" hangingPunct="0">
+              <a:lnSpc>
+                <a:spcPct val="100000"/>
+              </a:lnSpc>
+              <a:spcBef>
+                <a:spcPts val="900"/>
+              </a:spcBef>
+              <a:spcAft>
+                <a:spcPts val="0"/>
+              </a:spcAft>
+              <a:buClrTx/>
+              <a:buSzTx/>
+              <a:buFontTx/>
+              <a:buNone/>
+              <a:tabLst/>
+            </a:pPr>
+            <a:r>
+              <a:rPr lang="da-DK" sz="2200" dirty="0"/>
+              <a:t>h2</a:t>
+            </a:r>
+            <a:endParaRPr kumimoji="0" lang="da-DK" sz="2200" b="0" i="0" u="none" strike="noStrike" cap="none" spc="0" normalizeH="0" baseline="0" dirty="0">
+              <a:ln>
+                <a:noFill/>
+              </a:ln>
+              <a:solidFill>
+                <a:srgbClr val="000000"/>
+              </a:solidFill>
+              <a:effectLst/>
+              <a:uFillTx/>
+              <a:latin typeface="+mn-lt"/>
+              <a:ea typeface="+mn-ea"/>
+              <a:cs typeface="+mn-cs"/>
+              <a:sym typeface="Arial"/>
+            </a:endParaRPr>
+          </a:p>
+        </p:txBody>
+      </p:sp>
+      <p:grpSp>
+        <p:nvGrpSpPr>
+          <p:cNvPr id="4" name="Group 3">
+            <a:extLst>
+              <a:ext uri="{FF2B5EF4-FFF2-40B4-BE49-F238E27FC236}">
+                <a16:creationId xmlns:a16="http://schemas.microsoft.com/office/drawing/2014/main" id="{FA238E54-34DD-B442-86FC-3CA1E8F35AEE}"/>
+              </a:ext>
+            </a:extLst>
+          </p:cNvPr>
+          <p:cNvGrpSpPr/>
+          <p:nvPr/>
+        </p:nvGrpSpPr>
+        <p:grpSpPr>
+          <a:xfrm>
+            <a:off x="3783496" y="2835966"/>
+            <a:ext cx="6737198" cy="3381003"/>
+            <a:chOff x="3783496" y="2835966"/>
+            <a:chExt cx="6737198" cy="3381003"/>
+          </a:xfrm>
+        </p:grpSpPr>
+        <p:sp>
+          <p:nvSpPr>
+            <p:cNvPr id="2" name="Freeform 1">
+              <a:extLst>
+                <a:ext uri="{FF2B5EF4-FFF2-40B4-BE49-F238E27FC236}">
+                  <a16:creationId xmlns:a16="http://schemas.microsoft.com/office/drawing/2014/main" id="{B32D53F7-C588-EC4F-90AC-884BCEA40090}"/>
+                </a:ext>
+              </a:extLst>
+            </p:cNvPr>
+            <p:cNvSpPr/>
+            <p:nvPr/>
+          </p:nvSpPr>
+          <p:spPr>
+            <a:xfrm>
+              <a:off x="4691269" y="3606290"/>
+              <a:ext cx="569844" cy="2610679"/>
+            </a:xfrm>
+            <a:custGeom>
+              <a:avLst/>
+              <a:gdLst>
+                <a:gd name="connsiteX0" fmla="*/ 53009 w 569844"/>
+                <a:gd name="connsiteY0" fmla="*/ 0 h 2610679"/>
+                <a:gd name="connsiteX1" fmla="*/ 569844 w 569844"/>
+                <a:gd name="connsiteY1" fmla="*/ 251792 h 2610679"/>
+                <a:gd name="connsiteX2" fmla="*/ 530087 w 569844"/>
+                <a:gd name="connsiteY2" fmla="*/ 2610679 h 2610679"/>
+                <a:gd name="connsiteX3" fmla="*/ 0 w 569844"/>
+                <a:gd name="connsiteY3" fmla="*/ 2279374 h 2610679"/>
+                <a:gd name="connsiteX4" fmla="*/ 53009 w 569844"/>
+                <a:gd name="connsiteY4" fmla="*/ 0 h 2610679"/>
+              </a:gdLst>
+              <a:ahLst/>
+              <a:cxnLst>
+                <a:cxn ang="0">
+                  <a:pos x="connsiteX0" y="connsiteY0"/>
+                </a:cxn>
+                <a:cxn ang="0">
+                  <a:pos x="connsiteX1" y="connsiteY1"/>
+                </a:cxn>
+                <a:cxn ang="0">
+                  <a:pos x="connsiteX2" y="connsiteY2"/>
+                </a:cxn>
+                <a:cxn ang="0">
+                  <a:pos x="connsiteX3" y="connsiteY3"/>
+                </a:cxn>
+                <a:cxn ang="0">
+                  <a:pos x="connsiteX4" y="connsiteY4"/>
+                </a:cxn>
+              </a:cxnLst>
+              <a:rect l="l" t="t" r="r" b="b"/>
+              <a:pathLst>
+                <a:path w="569844" h="2610679">
+                  <a:moveTo>
+                    <a:pt x="53009" y="0"/>
+                  </a:moveTo>
+                  <a:lnTo>
+                    <a:pt x="569844" y="251792"/>
+                  </a:lnTo>
+                  <a:lnTo>
+                    <a:pt x="530087" y="2610679"/>
+                  </a:lnTo>
+                  <a:lnTo>
+                    <a:pt x="0" y="2279374"/>
+                  </a:lnTo>
+                  <a:lnTo>
+                    <a:pt x="53009" y="0"/>
+                  </a:lnTo>
+                  <a:close/>
+                </a:path>
+              </a:pathLst>
+            </a:custGeom>
+            <a:solidFill>
+              <a:srgbClr val="FFFFFF"/>
+            </a:solidFill>
+            <a:ln w="25400" cap="flat">
+              <a:solidFill>
+                <a:schemeClr val="accent1"/>
+              </a:solidFill>
+              <a:prstDash val="solid"/>
+              <a:round/>
+            </a:ln>
+            <a:effectLst/>
+            <a:sp3d/>
+          </p:spPr>
+          <p:style>
+            <a:lnRef idx="0">
+              <a:scrgbClr r="0" g="0" b="0"/>
+            </a:lnRef>
+            <a:fillRef idx="0">
+              <a:scrgbClr r="0" g="0" b="0"/>
+            </a:fillRef>
+            <a:effectRef idx="0">
+              <a:scrgbClr r="0" g="0" b="0"/>
+            </a:effectRef>
+            <a:fontRef idx="none"/>
+          </p:style>
+          <p:txBody>
+            <a:bodyPr rot="0" spcFirstLastPara="1" vertOverflow="overflow" horzOverflow="overflow" vert="horz" wrap="square" lIns="46799" tIns="46799" rIns="46799" bIns="46799" numCol="1" spcCol="38100" rtlCol="0" anchor="ctr">
+              <a:spAutoFit/>
+            </a:bodyPr>
+            <a:lstStyle/>
+            <a:p>
+              <a:pPr marL="0" marR="0" indent="0" algn="l" defTabSz="914400" rtl="0" fontAlgn="auto" latinLnBrk="0" hangingPunct="0">
+                <a:lnSpc>
+                  <a:spcPct val="100000"/>
+                </a:lnSpc>
+                <a:spcBef>
+                  <a:spcPts val="900"/>
+                </a:spcBef>
+                <a:spcAft>
+                  <a:spcPts val="0"/>
+                </a:spcAft>
+                <a:buClrTx/>
+                <a:buSzTx/>
+                <a:buFontTx/>
+                <a:buNone/>
+                <a:tabLst/>
+              </a:pPr>
+              <a:endParaRPr kumimoji="0" lang="da-DK" sz="1600" b="0" i="0" u="none" strike="noStrike" cap="none" spc="0" normalizeH="0" baseline="0" dirty="0">
+                <a:ln>
+                  <a:noFill/>
+                </a:ln>
+                <a:solidFill>
+                  <a:srgbClr val="000000"/>
+                </a:solidFill>
+                <a:effectLst/>
+                <a:uFillTx/>
+                <a:latin typeface="+mn-lt"/>
+                <a:ea typeface="+mn-ea"/>
+                <a:cs typeface="+mn-cs"/>
+                <a:sym typeface="Arial"/>
+              </a:endParaRPr>
+            </a:p>
+          </p:txBody>
+        </p:sp>
+        <p:sp>
+          <p:nvSpPr>
+            <p:cNvPr id="3" name="Freeform 2">
+              <a:extLst>
+                <a:ext uri="{FF2B5EF4-FFF2-40B4-BE49-F238E27FC236}">
+                  <a16:creationId xmlns:a16="http://schemas.microsoft.com/office/drawing/2014/main" id="{4626ADD6-A1BA-3D4D-A82D-B90404483DB4}"/>
+                </a:ext>
+              </a:extLst>
+            </p:cNvPr>
+            <p:cNvSpPr/>
+            <p:nvPr/>
+          </p:nvSpPr>
+          <p:spPr>
+            <a:xfrm>
+              <a:off x="8388626" y="3937594"/>
+              <a:ext cx="1470991" cy="1603513"/>
+            </a:xfrm>
+            <a:custGeom>
+              <a:avLst/>
+              <a:gdLst>
+                <a:gd name="connsiteX0" fmla="*/ 26504 w 1497495"/>
+                <a:gd name="connsiteY0" fmla="*/ 0 h 1603513"/>
+                <a:gd name="connsiteX1" fmla="*/ 1497495 w 1497495"/>
+                <a:gd name="connsiteY1" fmla="*/ 463826 h 1603513"/>
+                <a:gd name="connsiteX2" fmla="*/ 1470991 w 1497495"/>
+                <a:gd name="connsiteY2" fmla="*/ 1603513 h 1603513"/>
+                <a:gd name="connsiteX3" fmla="*/ 0 w 1497495"/>
+                <a:gd name="connsiteY3" fmla="*/ 1046922 h 1603513"/>
+                <a:gd name="connsiteX4" fmla="*/ 26504 w 1497495"/>
+                <a:gd name="connsiteY4" fmla="*/ 0 h 1603513"/>
+                <a:gd name="connsiteX0" fmla="*/ 0 w 1470991"/>
+                <a:gd name="connsiteY0" fmla="*/ 0 h 1603513"/>
+                <a:gd name="connsiteX1" fmla="*/ 1470991 w 1470991"/>
+                <a:gd name="connsiteY1" fmla="*/ 463826 h 1603513"/>
+                <a:gd name="connsiteX2" fmla="*/ 1444487 w 1470991"/>
+                <a:gd name="connsiteY2" fmla="*/ 1603513 h 1603513"/>
+                <a:gd name="connsiteX3" fmla="*/ 26505 w 1470991"/>
+                <a:gd name="connsiteY3" fmla="*/ 1060174 h 1603513"/>
+                <a:gd name="connsiteX4" fmla="*/ 0 w 1470991"/>
+                <a:gd name="connsiteY4" fmla="*/ 0 h 1603513"/>
+                <a:gd name="connsiteX0" fmla="*/ 0 w 1470991"/>
+                <a:gd name="connsiteY0" fmla="*/ 0 h 1603513"/>
+                <a:gd name="connsiteX1" fmla="*/ 1470991 w 1470991"/>
+                <a:gd name="connsiteY1" fmla="*/ 463826 h 1603513"/>
+                <a:gd name="connsiteX2" fmla="*/ 1444487 w 1470991"/>
+                <a:gd name="connsiteY2" fmla="*/ 1603513 h 1603513"/>
+                <a:gd name="connsiteX3" fmla="*/ 1 w 1470991"/>
+                <a:gd name="connsiteY3" fmla="*/ 1046921 h 1603513"/>
+                <a:gd name="connsiteX4" fmla="*/ 0 w 1470991"/>
+                <a:gd name="connsiteY4" fmla="*/ 0 h 1603513"/>
+              </a:gdLst>
+              <a:ahLst/>
+              <a:cxnLst>
+                <a:cxn ang="0">
+                  <a:pos x="connsiteX0" y="connsiteY0"/>
+                </a:cxn>
+                <a:cxn ang="0">
+                  <a:pos x="connsiteX1" y="connsiteY1"/>
+                </a:cxn>
+                <a:cxn ang="0">
+                  <a:pos x="connsiteX2" y="connsiteY2"/>
+                </a:cxn>
+                <a:cxn ang="0">
+                  <a:pos x="connsiteX3" y="connsiteY3"/>
+                </a:cxn>
+                <a:cxn ang="0">
+                  <a:pos x="connsiteX4" y="connsiteY4"/>
+                </a:cxn>
+              </a:cxnLst>
+              <a:rect l="l" t="t" r="r" b="b"/>
+              <a:pathLst>
+                <a:path w="1470991" h="1603513">
+                  <a:moveTo>
+                    <a:pt x="0" y="0"/>
+                  </a:moveTo>
+                  <a:lnTo>
+                    <a:pt x="1470991" y="463826"/>
+                  </a:lnTo>
+                  <a:lnTo>
+                    <a:pt x="1444487" y="1603513"/>
+                  </a:lnTo>
+                  <a:lnTo>
+                    <a:pt x="1" y="1046921"/>
+                  </a:lnTo>
+                  <a:cubicBezTo>
+                    <a:pt x="1" y="697947"/>
+                    <a:pt x="0" y="348974"/>
+                    <a:pt x="0" y="0"/>
+                  </a:cubicBezTo>
+                  <a:close/>
+                </a:path>
+              </a:pathLst>
+            </a:custGeom>
+            <a:solidFill>
+              <a:srgbClr val="FFFFFF"/>
+            </a:solidFill>
+            <a:ln w="25400" cap="flat">
+              <a:solidFill>
+                <a:schemeClr val="accent1"/>
+              </a:solidFill>
+              <a:prstDash val="solid"/>
+              <a:round/>
+            </a:ln>
+            <a:effectLst/>
+            <a:sp3d/>
+          </p:spPr>
+          <p:style>
+            <a:lnRef idx="0">
+              <a:scrgbClr r="0" g="0" b="0"/>
+            </a:lnRef>
+            <a:fillRef idx="0">
+              <a:scrgbClr r="0" g="0" b="0"/>
+            </a:fillRef>
+            <a:effectRef idx="0">
+              <a:scrgbClr r="0" g="0" b="0"/>
+            </a:effectRef>
+            <a:fontRef idx="none"/>
+          </p:style>
+          <p:txBody>
+            <a:bodyPr rot="0" spcFirstLastPara="1" vertOverflow="overflow" horzOverflow="overflow" vert="horz" wrap="square" lIns="46799" tIns="46799" rIns="46799" bIns="46799" numCol="1" spcCol="38100" rtlCol="0" anchor="ctr">
+              <a:spAutoFit/>
+            </a:bodyPr>
+            <a:lstStyle/>
+            <a:p>
+              <a:pPr marL="0" marR="0" indent="0" algn="l" defTabSz="914400" rtl="0" fontAlgn="auto" latinLnBrk="0" hangingPunct="0">
+                <a:lnSpc>
+                  <a:spcPct val="100000"/>
+                </a:lnSpc>
+                <a:spcBef>
+                  <a:spcPts val="900"/>
+                </a:spcBef>
+                <a:spcAft>
+                  <a:spcPts val="0"/>
+                </a:spcAft>
+                <a:buClrTx/>
+                <a:buSzTx/>
+                <a:buFontTx/>
+                <a:buNone/>
+                <a:tabLst/>
+              </a:pPr>
+              <a:endParaRPr kumimoji="0" lang="da-DK" sz="1600" b="0" i="0" u="none" strike="noStrike" cap="none" spc="0" normalizeH="0" baseline="0" dirty="0">
+                <a:ln>
+                  <a:noFill/>
+                </a:ln>
+                <a:solidFill>
+                  <a:srgbClr val="000000"/>
+                </a:solidFill>
+                <a:effectLst/>
+                <a:uFillTx/>
+                <a:latin typeface="+mn-lt"/>
+                <a:ea typeface="+mn-ea"/>
+                <a:cs typeface="+mn-cs"/>
+                <a:sym typeface="Arial"/>
+              </a:endParaRPr>
+            </a:p>
+          </p:txBody>
+        </p:sp>
+        <p:cxnSp>
+          <p:nvCxnSpPr>
+            <p:cNvPr id="5" name="Straight Connector 4">
+              <a:extLst>
+                <a:ext uri="{FF2B5EF4-FFF2-40B4-BE49-F238E27FC236}">
+                  <a16:creationId xmlns:a16="http://schemas.microsoft.com/office/drawing/2014/main" id="{0DC1CA7B-2E70-0849-BCDF-F061739E9135}"/>
+                </a:ext>
+              </a:extLst>
+            </p:cNvPr>
+            <p:cNvCxnSpPr>
+              <a:cxnSpLocks/>
+              <a:stCxn id="2" idx="1"/>
+              <a:endCxn id="3" idx="1"/>
+            </p:cNvCxnSpPr>
+            <p:nvPr/>
+          </p:nvCxnSpPr>
+          <p:spPr>
+            <a:xfrm>
+              <a:off x="5261113" y="3858082"/>
+              <a:ext cx="4598504" cy="543338"/>
+            </a:xfrm>
+            <a:prstGeom prst="line">
+              <a:avLst/>
+            </a:prstGeom>
+            <a:noFill/>
+            <a:ln w="25400" cap="flat">
+              <a:solidFill>
+                <a:schemeClr val="accent1"/>
+              </a:solidFill>
+              <a:prstDash val="solid"/>
+              <a:round/>
+            </a:ln>
+            <a:effectLst/>
+            <a:sp3d/>
+          </p:spPr>
+          <p:style>
+            <a:lnRef idx="0">
+              <a:scrgbClr r="0" g="0" b="0"/>
+            </a:lnRef>
+            <a:fillRef idx="0">
+              <a:scrgbClr r="0" g="0" b="0"/>
+            </a:fillRef>
+            <a:effectRef idx="0">
+              <a:scrgbClr r="0" g="0" b="0"/>
+            </a:effectRef>
+            <a:fontRef idx="none"/>
+          </p:style>
+        </p:cxnSp>
+        <p:cxnSp>
+          <p:nvCxnSpPr>
+            <p:cNvPr id="10" name="Straight Connector 9">
+              <a:extLst>
+                <a:ext uri="{FF2B5EF4-FFF2-40B4-BE49-F238E27FC236}">
+                  <a16:creationId xmlns:a16="http://schemas.microsoft.com/office/drawing/2014/main" id="{35976679-9A21-124D-A2C0-7DA9BFF0F5B9}"/>
+                </a:ext>
+              </a:extLst>
+            </p:cNvPr>
+            <p:cNvCxnSpPr>
+              <a:cxnSpLocks/>
+              <a:stCxn id="2" idx="0"/>
+              <a:endCxn id="3" idx="0"/>
+            </p:cNvCxnSpPr>
+            <p:nvPr/>
+          </p:nvCxnSpPr>
+          <p:spPr>
+            <a:xfrm>
+              <a:off x="4744278" y="3606290"/>
+              <a:ext cx="3644348" cy="331304"/>
+            </a:xfrm>
+            <a:prstGeom prst="line">
+              <a:avLst/>
+            </a:prstGeom>
+            <a:noFill/>
+            <a:ln w="25400" cap="flat">
+              <a:solidFill>
+                <a:schemeClr val="accent1"/>
+              </a:solidFill>
+              <a:prstDash val="solid"/>
+              <a:round/>
+            </a:ln>
+            <a:effectLst/>
+            <a:sp3d/>
+          </p:spPr>
+          <p:style>
+            <a:lnRef idx="0">
+              <a:scrgbClr r="0" g="0" b="0"/>
+            </a:lnRef>
+            <a:fillRef idx="0">
+              <a:scrgbClr r="0" g="0" b="0"/>
+            </a:fillRef>
+            <a:effectRef idx="0">
+              <a:scrgbClr r="0" g="0" b="0"/>
+            </a:effectRef>
+            <a:fontRef idx="none"/>
+          </p:style>
+        </p:cxnSp>
+        <p:cxnSp>
+          <p:nvCxnSpPr>
+            <p:cNvPr id="11" name="Straight Connector 10">
+              <a:extLst>
+                <a:ext uri="{FF2B5EF4-FFF2-40B4-BE49-F238E27FC236}">
+                  <a16:creationId xmlns:a16="http://schemas.microsoft.com/office/drawing/2014/main" id="{5D43642E-55DE-C84C-828F-34BBD1D7A871}"/>
+                </a:ext>
+              </a:extLst>
+            </p:cNvPr>
+            <p:cNvCxnSpPr>
+              <a:cxnSpLocks/>
+              <a:stCxn id="2" idx="3"/>
+              <a:endCxn id="3" idx="3"/>
+            </p:cNvCxnSpPr>
+            <p:nvPr/>
+          </p:nvCxnSpPr>
+          <p:spPr>
+            <a:xfrm flipV="1">
+              <a:off x="4691269" y="4984515"/>
+              <a:ext cx="3697358" cy="901149"/>
+            </a:xfrm>
+            <a:prstGeom prst="line">
+              <a:avLst/>
+            </a:prstGeom>
+            <a:noFill/>
+            <a:ln w="25400" cap="flat">
+              <a:solidFill>
+                <a:schemeClr val="accent1"/>
+              </a:solidFill>
+              <a:prstDash val="solid"/>
+              <a:round/>
+            </a:ln>
+            <a:effectLst/>
+            <a:sp3d/>
+          </p:spPr>
+          <p:style>
+            <a:lnRef idx="0">
+              <a:scrgbClr r="0" g="0" b="0"/>
+            </a:lnRef>
+            <a:fillRef idx="0">
+              <a:scrgbClr r="0" g="0" b="0"/>
+            </a:fillRef>
+            <a:effectRef idx="0">
+              <a:scrgbClr r="0" g="0" b="0"/>
+            </a:effectRef>
+            <a:fontRef idx="none"/>
+          </p:style>
+        </p:cxnSp>
+        <p:cxnSp>
+          <p:nvCxnSpPr>
+            <p:cNvPr id="12" name="Straight Connector 11">
+              <a:extLst>
+                <a:ext uri="{FF2B5EF4-FFF2-40B4-BE49-F238E27FC236}">
+                  <a16:creationId xmlns:a16="http://schemas.microsoft.com/office/drawing/2014/main" id="{D1D95CA1-2836-9941-99E2-1A64908D70D0}"/>
+                </a:ext>
+              </a:extLst>
+            </p:cNvPr>
+            <p:cNvCxnSpPr>
+              <a:cxnSpLocks/>
+              <a:stCxn id="2" idx="2"/>
+              <a:endCxn id="3" idx="2"/>
+            </p:cNvCxnSpPr>
+            <p:nvPr/>
+          </p:nvCxnSpPr>
+          <p:spPr>
+            <a:xfrm flipV="1">
+              <a:off x="5221356" y="5541107"/>
+              <a:ext cx="4611757" cy="675862"/>
+            </a:xfrm>
+            <a:prstGeom prst="line">
+              <a:avLst/>
+            </a:prstGeom>
+            <a:noFill/>
+            <a:ln w="25400" cap="flat">
+              <a:solidFill>
+                <a:schemeClr val="accent1"/>
+              </a:solidFill>
+              <a:prstDash val="solid"/>
+              <a:round/>
+            </a:ln>
+            <a:effectLst/>
+            <a:sp3d/>
+          </p:spPr>
+          <p:style>
+            <a:lnRef idx="0">
+              <a:scrgbClr r="0" g="0" b="0"/>
+            </a:lnRef>
+            <a:fillRef idx="0">
+              <a:scrgbClr r="0" g="0" b="0"/>
+            </a:fillRef>
+            <a:effectRef idx="0">
+              <a:scrgbClr r="0" g="0" b="0"/>
+            </a:effectRef>
+            <a:fontRef idx="none"/>
+          </p:style>
+        </p:cxnSp>
+        <p:sp>
+          <p:nvSpPr>
+            <p:cNvPr id="16" name="TextBox 15">
+              <a:extLst>
+                <a:ext uri="{FF2B5EF4-FFF2-40B4-BE49-F238E27FC236}">
+                  <a16:creationId xmlns:a16="http://schemas.microsoft.com/office/drawing/2014/main" id="{6189C81A-0464-5441-859F-6E7CE4F098E7}"/>
+                </a:ext>
+              </a:extLst>
+            </p:cNvPr>
+            <p:cNvSpPr txBox="1"/>
+            <p:nvPr/>
+          </p:nvSpPr>
+          <p:spPr>
+            <a:xfrm>
+              <a:off x="5466522" y="2835966"/>
+              <a:ext cx="1219200" cy="453970"/>
+            </a:xfrm>
+            <a:prstGeom prst="rect">
+              <a:avLst/>
+            </a:prstGeom>
+            <a:noFill/>
+            <a:ln w="12700" cap="flat">
+              <a:noFill/>
+              <a:miter lim="400000"/>
+            </a:ln>
+            <a:effectLst/>
+            <a:sp3d/>
+          </p:spPr>
+          <p:style>
+            <a:lnRef idx="0">
+              <a:scrgbClr r="0" g="0" b="0"/>
+            </a:lnRef>
+            <a:fillRef idx="0">
+              <a:scrgbClr r="0" g="0" b="0"/>
+            </a:fillRef>
+            <a:effectRef idx="0">
+              <a:scrgbClr r="0" g="0" b="0"/>
+            </a:effectRef>
+            <a:fontRef idx="none"/>
+          </p:style>
+          <p:txBody>
+            <a:bodyPr rot="0" spcFirstLastPara="1" vertOverflow="overflow" horzOverflow="overflow" vert="horz" wrap="square" lIns="0" tIns="0" rIns="0" bIns="0" numCol="1" spcCol="38100" rtlCol="0" anchor="t">
+              <a:spAutoFit/>
+            </a:bodyPr>
+            <a:lstStyle/>
+            <a:p>
+              <a:pPr marL="0" marR="0" indent="0" algn="l" defTabSz="914400" rtl="0" fontAlgn="auto" latinLnBrk="0" hangingPunct="0">
+                <a:lnSpc>
+                  <a:spcPct val="100000"/>
+                </a:lnSpc>
+                <a:spcBef>
+                  <a:spcPts val="900"/>
+                </a:spcBef>
+                <a:spcAft>
+                  <a:spcPts val="0"/>
+                </a:spcAft>
+                <a:buClrTx/>
+                <a:buSzTx/>
+                <a:buFontTx/>
+                <a:buNone/>
+                <a:tabLst/>
+              </a:pPr>
+              <a:r>
+                <a:rPr kumimoji="0" lang="da-DK" sz="2200" b="0" i="0" u="none" strike="noStrike" cap="none" spc="0" normalizeH="0" baseline="0" dirty="0">
+                  <a:ln>
+                    <a:noFill/>
+                  </a:ln>
+                  <a:solidFill>
+                    <a:srgbClr val="000000"/>
+                  </a:solidFill>
+                  <a:effectLst/>
+                  <a:uFillTx/>
+                  <a:latin typeface="+mn-lt"/>
+                  <a:ea typeface="+mn-ea"/>
+                  <a:cs typeface="+mn-cs"/>
+                  <a:sym typeface="Arial"/>
+                </a:rPr>
+                <a:t>w1</a:t>
+              </a:r>
+            </a:p>
+          </p:txBody>
+        </p:sp>
+        <p:sp>
+          <p:nvSpPr>
+            <p:cNvPr id="21" name="TextBox 20">
+              <a:extLst>
+                <a:ext uri="{FF2B5EF4-FFF2-40B4-BE49-F238E27FC236}">
+                  <a16:creationId xmlns:a16="http://schemas.microsoft.com/office/drawing/2014/main" id="{4F46DD33-473C-4C49-9C61-D23C6D02481B}"/>
+                </a:ext>
+              </a:extLst>
+            </p:cNvPr>
+            <p:cNvSpPr txBox="1"/>
+            <p:nvPr/>
+          </p:nvSpPr>
+          <p:spPr>
+            <a:xfrm>
+              <a:off x="3783496" y="4454427"/>
+              <a:ext cx="1219200" cy="453970"/>
+            </a:xfrm>
+            <a:prstGeom prst="rect">
+              <a:avLst/>
+            </a:prstGeom>
+            <a:noFill/>
+            <a:ln w="12700" cap="flat">
+              <a:noFill/>
+              <a:miter lim="400000"/>
+            </a:ln>
+            <a:effectLst/>
+            <a:sp3d/>
+          </p:spPr>
+          <p:style>
+            <a:lnRef idx="0">
+              <a:scrgbClr r="0" g="0" b="0"/>
+            </a:lnRef>
+            <a:fillRef idx="0">
+              <a:scrgbClr r="0" g="0" b="0"/>
+            </a:fillRef>
+            <a:effectRef idx="0">
+              <a:scrgbClr r="0" g="0" b="0"/>
+            </a:effectRef>
+            <a:fontRef idx="none"/>
+          </p:style>
+          <p:txBody>
+            <a:bodyPr rot="0" spcFirstLastPara="1" vertOverflow="overflow" horzOverflow="overflow" vert="horz" wrap="square" lIns="0" tIns="0" rIns="0" bIns="0" numCol="1" spcCol="38100" rtlCol="0" anchor="t">
+              <a:spAutoFit/>
+            </a:bodyPr>
+            <a:lstStyle/>
+            <a:p>
+              <a:pPr marL="0" marR="0" indent="0" algn="l" defTabSz="914400" rtl="0" fontAlgn="auto" latinLnBrk="0" hangingPunct="0">
+                <a:lnSpc>
+                  <a:spcPct val="100000"/>
+                </a:lnSpc>
+                <a:spcBef>
+                  <a:spcPts val="900"/>
+                </a:spcBef>
+                <a:spcAft>
+                  <a:spcPts val="0"/>
+                </a:spcAft>
+                <a:buClrTx/>
+                <a:buSzTx/>
+                <a:buFontTx/>
+                <a:buNone/>
+                <a:tabLst/>
+              </a:pPr>
+              <a:r>
+                <a:rPr lang="da-DK" sz="2200" dirty="0"/>
+                <a:t>h1</a:t>
+              </a:r>
+              <a:endParaRPr kumimoji="0" lang="da-DK" sz="2200" b="0" i="0" u="none" strike="noStrike" cap="none" spc="0" normalizeH="0" baseline="0" dirty="0">
+                <a:ln>
+                  <a:noFill/>
+                </a:ln>
+                <a:solidFill>
+                  <a:srgbClr val="000000"/>
+                </a:solidFill>
+                <a:effectLst/>
+                <a:uFillTx/>
+                <a:latin typeface="+mn-lt"/>
+                <a:ea typeface="+mn-ea"/>
+                <a:cs typeface="+mn-cs"/>
+                <a:sym typeface="Arial"/>
+              </a:endParaRPr>
+            </a:p>
+          </p:txBody>
+        </p:sp>
+        <p:sp>
+          <p:nvSpPr>
+            <p:cNvPr id="23" name="TextBox 22">
+              <a:extLst>
+                <a:ext uri="{FF2B5EF4-FFF2-40B4-BE49-F238E27FC236}">
+                  <a16:creationId xmlns:a16="http://schemas.microsoft.com/office/drawing/2014/main" id="{4F3B6652-0BA9-1B45-8283-3B14E96789FD}"/>
+                </a:ext>
+              </a:extLst>
+            </p:cNvPr>
+            <p:cNvSpPr txBox="1"/>
+            <p:nvPr/>
+          </p:nvSpPr>
+          <p:spPr>
+            <a:xfrm>
+              <a:off x="9301494" y="3127515"/>
+              <a:ext cx="1219200" cy="453970"/>
+            </a:xfrm>
+            <a:prstGeom prst="rect">
+              <a:avLst/>
+            </a:prstGeom>
+            <a:noFill/>
+            <a:ln w="12700" cap="flat">
+              <a:noFill/>
+              <a:miter lim="400000"/>
+            </a:ln>
+            <a:effectLst/>
+            <a:sp3d/>
+          </p:spPr>
+          <p:style>
+            <a:lnRef idx="0">
+              <a:scrgbClr r="0" g="0" b="0"/>
+            </a:lnRef>
+            <a:fillRef idx="0">
+              <a:scrgbClr r="0" g="0" b="0"/>
+            </a:fillRef>
+            <a:effectRef idx="0">
+              <a:scrgbClr r="0" g="0" b="0"/>
+            </a:effectRef>
+            <a:fontRef idx="none"/>
+          </p:style>
+          <p:txBody>
+            <a:bodyPr rot="0" spcFirstLastPara="1" vertOverflow="overflow" horzOverflow="overflow" vert="horz" wrap="square" lIns="0" tIns="0" rIns="0" bIns="0" numCol="1" spcCol="38100" rtlCol="0" anchor="t">
+              <a:spAutoFit/>
+            </a:bodyPr>
+            <a:lstStyle/>
+            <a:p>
+              <a:pPr marL="0" marR="0" indent="0" algn="l" defTabSz="914400" rtl="0" fontAlgn="auto" latinLnBrk="0" hangingPunct="0">
+                <a:lnSpc>
+                  <a:spcPct val="100000"/>
+                </a:lnSpc>
+                <a:spcBef>
+                  <a:spcPts val="900"/>
+                </a:spcBef>
+                <a:spcAft>
+                  <a:spcPts val="0"/>
+                </a:spcAft>
+                <a:buClrTx/>
+                <a:buSzTx/>
+                <a:buFontTx/>
+                <a:buNone/>
+                <a:tabLst/>
+              </a:pPr>
+              <a:r>
+                <a:rPr kumimoji="0" lang="da-DK" sz="2200" b="0" i="0" u="none" strike="noStrike" cap="none" spc="0" normalizeH="0" baseline="0" dirty="0">
+                  <a:ln>
+                    <a:noFill/>
+                  </a:ln>
+                  <a:solidFill>
+                    <a:srgbClr val="000000"/>
+                  </a:solidFill>
+                  <a:effectLst/>
+                  <a:uFillTx/>
+                  <a:latin typeface="+mn-lt"/>
+                  <a:ea typeface="+mn-ea"/>
+                  <a:cs typeface="+mn-cs"/>
+                  <a:sym typeface="Arial"/>
+                </a:rPr>
+                <a:t>w2</a:t>
+              </a:r>
+            </a:p>
+          </p:txBody>
+        </p:sp>
+        <p:sp>
+          <p:nvSpPr>
+            <p:cNvPr id="18" name="Left Brace 17">
+              <a:extLst>
+                <a:ext uri="{FF2B5EF4-FFF2-40B4-BE49-F238E27FC236}">
+                  <a16:creationId xmlns:a16="http://schemas.microsoft.com/office/drawing/2014/main" id="{A8702A5D-9976-CA4B-85F9-5D7E12544451}"/>
+                </a:ext>
+              </a:extLst>
+            </p:cNvPr>
+            <p:cNvSpPr/>
+            <p:nvPr/>
+          </p:nvSpPr>
+          <p:spPr>
+            <a:xfrm rot="10800000">
+              <a:off x="9911095" y="4414673"/>
+              <a:ext cx="483704" cy="1113182"/>
+            </a:xfrm>
+            <a:prstGeom prst="leftBrace">
+              <a:avLst/>
+            </a:prstGeom>
+            <a:noFill/>
+            <a:ln w="38100" cap="flat">
+              <a:solidFill>
+                <a:schemeClr val="bg2">
+                  <a:lumMod val="60000"/>
+                  <a:lumOff val="40000"/>
+                </a:schemeClr>
+              </a:solidFill>
+              <a:prstDash val="solid"/>
+              <a:round/>
+            </a:ln>
+            <a:effectLst/>
+            <a:sp3d/>
+          </p:spPr>
+          <p:style>
+            <a:lnRef idx="0">
+              <a:scrgbClr r="0" g="0" b="0"/>
+            </a:lnRef>
+            <a:fillRef idx="0">
+              <a:scrgbClr r="0" g="0" b="0"/>
+            </a:fillRef>
+            <a:effectRef idx="0">
+              <a:scrgbClr r="0" g="0" b="0"/>
+            </a:effectRef>
+            <a:fontRef idx="none"/>
+          </p:style>
+          <p:txBody>
+            <a:bodyPr rot="0" spcFirstLastPara="1" vertOverflow="overflow" horzOverflow="overflow" vert="horz" wrap="square" lIns="91439" tIns="45719" rIns="91439" bIns="45719" numCol="1" spcCol="38100" rtlCol="0" anchor="t">
+              <a:noAutofit/>
+            </a:bodyPr>
+            <a:lstStyle/>
+            <a:p>
+              <a:pPr marL="0" marR="0" indent="0" algn="l" defTabSz="914400" rtl="0" fontAlgn="auto" latinLnBrk="1" hangingPunct="0">
+                <a:lnSpc>
+                  <a:spcPct val="100000"/>
+                </a:lnSpc>
+                <a:spcBef>
+                  <a:spcPts val="0"/>
+                </a:spcBef>
+                <a:spcAft>
+                  <a:spcPts val="0"/>
+                </a:spcAft>
+                <a:buClrTx/>
+                <a:buSzTx/>
+                <a:buFontTx/>
+                <a:buNone/>
+                <a:tabLst/>
+              </a:pPr>
+              <a:endParaRPr kumimoji="0" lang="da-DK" sz="1800" b="0" i="0" u="none" strike="noStrike" cap="none" spc="0" normalizeH="0" baseline="0">
+                <a:ln>
+                  <a:noFill/>
+                </a:ln>
+                <a:solidFill>
+                  <a:srgbClr val="000000"/>
+                </a:solidFill>
+                <a:effectLst/>
+                <a:uFillTx/>
+              </a:endParaRPr>
+            </a:p>
+          </p:txBody>
+        </p:sp>
+        <p:sp>
+          <p:nvSpPr>
+            <p:cNvPr id="25" name="Left Brace 24">
+              <a:extLst>
+                <a:ext uri="{FF2B5EF4-FFF2-40B4-BE49-F238E27FC236}">
+                  <a16:creationId xmlns:a16="http://schemas.microsoft.com/office/drawing/2014/main" id="{8B9EE725-ED7E-BA49-B451-94E4292A793F}"/>
+                </a:ext>
+              </a:extLst>
+            </p:cNvPr>
+            <p:cNvSpPr/>
+            <p:nvPr/>
+          </p:nvSpPr>
+          <p:spPr>
+            <a:xfrm rot="7045631">
+              <a:off x="4935162" y="3186204"/>
+              <a:ext cx="483704" cy="544891"/>
+            </a:xfrm>
+            <a:prstGeom prst="leftBrace">
+              <a:avLst>
+                <a:gd name="adj1" fmla="val 8333"/>
+                <a:gd name="adj2" fmla="val 33687"/>
+              </a:avLst>
+            </a:prstGeom>
+            <a:noFill/>
+            <a:ln w="38100" cap="flat">
+              <a:solidFill>
+                <a:schemeClr val="bg2">
+                  <a:lumMod val="60000"/>
+                  <a:lumOff val="40000"/>
+                </a:schemeClr>
+              </a:solidFill>
+              <a:prstDash val="solid"/>
+              <a:round/>
+            </a:ln>
+            <a:effectLst/>
+            <a:sp3d/>
+          </p:spPr>
+          <p:style>
+            <a:lnRef idx="0">
+              <a:scrgbClr r="0" g="0" b="0"/>
+            </a:lnRef>
+            <a:fillRef idx="0">
+              <a:scrgbClr r="0" g="0" b="0"/>
+            </a:fillRef>
+            <a:effectRef idx="0">
+              <a:scrgbClr r="0" g="0" b="0"/>
+            </a:effectRef>
+            <a:fontRef idx="none"/>
+          </p:style>
+          <p:txBody>
+            <a:bodyPr rot="0" spcFirstLastPara="1" vertOverflow="overflow" horzOverflow="overflow" vert="horz" wrap="square" lIns="91439" tIns="45719" rIns="91439" bIns="45719" numCol="1" spcCol="38100" rtlCol="0" anchor="t">
+              <a:noAutofit/>
+            </a:bodyPr>
+            <a:lstStyle/>
+            <a:p>
+              <a:pPr marL="0" marR="0" indent="0" algn="l" defTabSz="914400" rtl="0" fontAlgn="auto" latinLnBrk="1" hangingPunct="0">
+                <a:lnSpc>
+                  <a:spcPct val="100000"/>
+                </a:lnSpc>
+                <a:spcBef>
+                  <a:spcPts val="0"/>
+                </a:spcBef>
+                <a:spcAft>
+                  <a:spcPts val="0"/>
+                </a:spcAft>
+                <a:buClrTx/>
+                <a:buSzTx/>
+                <a:buFontTx/>
+                <a:buNone/>
+                <a:tabLst/>
+              </a:pPr>
+              <a:endParaRPr kumimoji="0" lang="da-DK" sz="1800" b="0" i="0" u="none" strike="noStrike" cap="none" spc="0" normalizeH="0" baseline="0">
+                <a:ln>
+                  <a:noFill/>
+                </a:ln>
+                <a:solidFill>
+                  <a:srgbClr val="000000"/>
+                </a:solidFill>
+                <a:effectLst/>
+                <a:uFillTx/>
+              </a:endParaRPr>
+            </a:p>
+          </p:txBody>
+        </p:sp>
+        <p:sp>
+          <p:nvSpPr>
+            <p:cNvPr id="30" name="Left Brace 29">
+              <a:extLst>
+                <a:ext uri="{FF2B5EF4-FFF2-40B4-BE49-F238E27FC236}">
+                  <a16:creationId xmlns:a16="http://schemas.microsoft.com/office/drawing/2014/main" id="{3098F2A2-41A7-0045-ABAD-11347DE7FEBE}"/>
+                </a:ext>
+              </a:extLst>
+            </p:cNvPr>
+            <p:cNvSpPr/>
+            <p:nvPr/>
+          </p:nvSpPr>
+          <p:spPr>
+            <a:xfrm rot="6541481">
+              <a:off x="8990948" y="3118463"/>
+              <a:ext cx="483704" cy="1530571"/>
+            </a:xfrm>
+            <a:prstGeom prst="leftBrace">
+              <a:avLst/>
+            </a:prstGeom>
+            <a:noFill/>
+            <a:ln w="38100" cap="flat">
+              <a:solidFill>
+                <a:schemeClr val="bg2">
+                  <a:lumMod val="60000"/>
+                  <a:lumOff val="40000"/>
+                </a:schemeClr>
+              </a:solidFill>
+              <a:prstDash val="solid"/>
+              <a:round/>
+            </a:ln>
+            <a:effectLst/>
+            <a:sp3d/>
+          </p:spPr>
+          <p:style>
+            <a:lnRef idx="0">
+              <a:scrgbClr r="0" g="0" b="0"/>
+            </a:lnRef>
+            <a:fillRef idx="0">
+              <a:scrgbClr r="0" g="0" b="0"/>
+            </a:fillRef>
+            <a:effectRef idx="0">
+              <a:scrgbClr r="0" g="0" b="0"/>
+            </a:effectRef>
+            <a:fontRef idx="none"/>
+          </p:style>
+          <p:txBody>
+            <a:bodyPr rot="0" spcFirstLastPara="1" vertOverflow="overflow" horzOverflow="overflow" vert="horz" wrap="square" lIns="91439" tIns="45719" rIns="91439" bIns="45719" numCol="1" spcCol="38100" rtlCol="0" anchor="t">
+              <a:noAutofit/>
+            </a:bodyPr>
+            <a:lstStyle/>
+            <a:p>
+              <a:pPr marL="0" marR="0" indent="0" algn="l" defTabSz="914400" rtl="0" fontAlgn="auto" latinLnBrk="1" hangingPunct="0">
+                <a:lnSpc>
+                  <a:spcPct val="100000"/>
+                </a:lnSpc>
+                <a:spcBef>
+                  <a:spcPts val="0"/>
+                </a:spcBef>
+                <a:spcAft>
+                  <a:spcPts val="0"/>
+                </a:spcAft>
+                <a:buClrTx/>
+                <a:buSzTx/>
+                <a:buFontTx/>
+                <a:buNone/>
+                <a:tabLst/>
+              </a:pPr>
+              <a:endParaRPr kumimoji="0" lang="da-DK" sz="1800" b="0" i="0" u="none" strike="noStrike" cap="none" spc="0" normalizeH="0" baseline="0">
+                <a:ln>
+                  <a:noFill/>
+                </a:ln>
+                <a:solidFill>
+                  <a:srgbClr val="000000"/>
+                </a:solidFill>
+                <a:effectLst/>
+                <a:uFillTx/>
+              </a:endParaRPr>
+            </a:p>
+          </p:txBody>
+        </p:sp>
+        <p:sp>
+          <p:nvSpPr>
+            <p:cNvPr id="31" name="Left Brace 30">
+              <a:extLst>
+                <a:ext uri="{FF2B5EF4-FFF2-40B4-BE49-F238E27FC236}">
+                  <a16:creationId xmlns:a16="http://schemas.microsoft.com/office/drawing/2014/main" id="{7F470BB0-F54B-8F4F-8CE5-C650A93CD3C2}"/>
+                </a:ext>
+              </a:extLst>
+            </p:cNvPr>
+            <p:cNvSpPr/>
+            <p:nvPr/>
+          </p:nvSpPr>
+          <p:spPr>
+            <a:xfrm rot="60000">
+              <a:off x="4177747" y="3619543"/>
+              <a:ext cx="483704" cy="2252868"/>
+            </a:xfrm>
+            <a:prstGeom prst="leftBrace">
+              <a:avLst/>
+            </a:prstGeom>
+            <a:noFill/>
+            <a:ln w="38100" cap="flat">
+              <a:solidFill>
+                <a:schemeClr val="bg2">
+                  <a:lumMod val="60000"/>
+                  <a:lumOff val="40000"/>
+                </a:schemeClr>
+              </a:solidFill>
+              <a:prstDash val="solid"/>
+              <a:round/>
+            </a:ln>
+            <a:effectLst/>
+            <a:sp3d/>
+          </p:spPr>
+          <p:style>
+            <a:lnRef idx="0">
+              <a:scrgbClr r="0" g="0" b="0"/>
+            </a:lnRef>
+            <a:fillRef idx="0">
+              <a:scrgbClr r="0" g="0" b="0"/>
+            </a:fillRef>
+            <a:effectRef idx="0">
+              <a:scrgbClr r="0" g="0" b="0"/>
+            </a:effectRef>
+            <a:fontRef idx="none"/>
+          </p:style>
+          <p:txBody>
+            <a:bodyPr rot="0" spcFirstLastPara="1" vertOverflow="overflow" horzOverflow="overflow" vert="horz" wrap="square" lIns="91439" tIns="45719" rIns="91439" bIns="45719" numCol="1" spcCol="38100" rtlCol="0" anchor="t">
+              <a:noAutofit/>
+            </a:bodyPr>
+            <a:lstStyle/>
+            <a:p>
+              <a:pPr marL="0" marR="0" indent="0" algn="l" defTabSz="914400" rtl="0" fontAlgn="auto" latinLnBrk="1" hangingPunct="0">
+                <a:lnSpc>
+                  <a:spcPct val="100000"/>
+                </a:lnSpc>
+                <a:spcBef>
+                  <a:spcPts val="0"/>
+                </a:spcBef>
+                <a:spcAft>
+                  <a:spcPts val="0"/>
+                </a:spcAft>
+                <a:buClrTx/>
+                <a:buSzTx/>
+                <a:buFontTx/>
+                <a:buNone/>
+                <a:tabLst/>
+              </a:pPr>
+              <a:endParaRPr kumimoji="0" lang="da-DK" sz="1800" b="0" i="0" u="none" strike="noStrike" cap="none" spc="0" normalizeH="0" baseline="0">
+                <a:ln>
+                  <a:noFill/>
+                </a:ln>
+                <a:solidFill>
+                  <a:srgbClr val="000000"/>
+                </a:solidFill>
+                <a:effectLst/>
+                <a:uFillTx/>
+              </a:endParaRPr>
+            </a:p>
+          </p:txBody>
+        </p:sp>
+        <p:cxnSp>
+          <p:nvCxnSpPr>
+            <p:cNvPr id="29" name="Straight Connector 28">
+              <a:extLst>
+                <a:ext uri="{FF2B5EF4-FFF2-40B4-BE49-F238E27FC236}">
+                  <a16:creationId xmlns:a16="http://schemas.microsoft.com/office/drawing/2014/main" id="{8825BDB1-4F2C-3049-AC8B-680589711CDE}"/>
+                </a:ext>
+              </a:extLst>
+            </p:cNvPr>
+            <p:cNvCxnSpPr>
+              <a:cxnSpLocks/>
+            </p:cNvCxnSpPr>
+            <p:nvPr/>
+          </p:nvCxnSpPr>
+          <p:spPr>
+            <a:xfrm flipV="1">
+              <a:off x="4982818" y="4707917"/>
+              <a:ext cx="4108173" cy="130825"/>
+            </a:xfrm>
+            <a:prstGeom prst="line">
+              <a:avLst/>
+            </a:prstGeom>
+            <a:noFill/>
+            <a:ln w="25400" cap="flat">
+              <a:solidFill>
+                <a:schemeClr val="tx1">
+                  <a:lumMod val="95000"/>
+                  <a:lumOff val="5000"/>
+                </a:schemeClr>
+              </a:solidFill>
+              <a:prstDash val="solid"/>
+              <a:round/>
+            </a:ln>
+            <a:effectLst/>
+            <a:sp3d/>
+          </p:spPr>
+          <p:style>
+            <a:lnRef idx="0">
+              <a:scrgbClr r="0" g="0" b="0"/>
+            </a:lnRef>
+            <a:fillRef idx="0">
+              <a:scrgbClr r="0" g="0" b="0"/>
+            </a:fillRef>
+            <a:effectRef idx="0">
+              <a:scrgbClr r="0" g="0" b="0"/>
+            </a:effectRef>
+            <a:fontRef idx="none"/>
+          </p:style>
+        </p:cxnSp>
+        <p:sp>
+          <p:nvSpPr>
+            <p:cNvPr id="37" name="Left Brace 36">
+              <a:extLst>
+                <a:ext uri="{FF2B5EF4-FFF2-40B4-BE49-F238E27FC236}">
+                  <a16:creationId xmlns:a16="http://schemas.microsoft.com/office/drawing/2014/main" id="{3D537D14-6FFC-AC43-B5B3-680C65E19CC6}"/>
+                </a:ext>
+              </a:extLst>
+            </p:cNvPr>
+            <p:cNvSpPr/>
+            <p:nvPr/>
+          </p:nvSpPr>
+          <p:spPr>
+            <a:xfrm rot="16080000">
+              <a:off x="6888974" y="2952941"/>
+              <a:ext cx="335707" cy="4088298"/>
+            </a:xfrm>
+            <a:prstGeom prst="leftBrace">
+              <a:avLst>
+                <a:gd name="adj1" fmla="val 8333"/>
+                <a:gd name="adj2" fmla="val 78536"/>
+              </a:avLst>
+            </a:prstGeom>
+            <a:noFill/>
+            <a:ln w="38100" cap="flat">
+              <a:solidFill>
+                <a:schemeClr val="bg2">
+                  <a:lumMod val="60000"/>
+                  <a:lumOff val="40000"/>
+                </a:schemeClr>
+              </a:solidFill>
+              <a:prstDash val="solid"/>
+              <a:round/>
+            </a:ln>
+            <a:effectLst/>
+            <a:sp3d/>
+          </p:spPr>
+          <p:style>
+            <a:lnRef idx="0">
+              <a:scrgbClr r="0" g="0" b="0"/>
+            </a:lnRef>
+            <a:fillRef idx="0">
+              <a:scrgbClr r="0" g="0" b="0"/>
+            </a:fillRef>
+            <a:effectRef idx="0">
+              <a:scrgbClr r="0" g="0" b="0"/>
+            </a:effectRef>
+            <a:fontRef idx="none"/>
+          </p:style>
+          <p:txBody>
+            <a:bodyPr rot="0" spcFirstLastPara="1" vertOverflow="overflow" horzOverflow="overflow" vert="horz" wrap="square" lIns="91439" tIns="45719" rIns="91439" bIns="45719" numCol="1" spcCol="38100" rtlCol="0" anchor="t">
+              <a:noAutofit/>
+            </a:bodyPr>
+            <a:lstStyle/>
+            <a:p>
+              <a:pPr marL="0" marR="0" indent="0" algn="l" defTabSz="914400" rtl="0" fontAlgn="auto" latinLnBrk="1" hangingPunct="0">
+                <a:lnSpc>
+                  <a:spcPct val="100000"/>
+                </a:lnSpc>
+                <a:spcBef>
+                  <a:spcPts val="0"/>
+                </a:spcBef>
+                <a:spcAft>
+                  <a:spcPts val="0"/>
+                </a:spcAft>
+                <a:buClrTx/>
+                <a:buSzTx/>
+                <a:buFontTx/>
+                <a:buNone/>
+                <a:tabLst/>
+              </a:pPr>
+              <a:endParaRPr kumimoji="0" lang="da-DK" sz="1800" b="0" i="0" u="none" strike="noStrike" cap="none" spc="0" normalizeH="0" baseline="0">
+                <a:ln>
+                  <a:noFill/>
+                </a:ln>
+                <a:solidFill>
+                  <a:srgbClr val="000000"/>
+                </a:solidFill>
+                <a:effectLst/>
+                <a:uFillTx/>
+              </a:endParaRPr>
+            </a:p>
+          </p:txBody>
+        </p:sp>
+        <p:sp>
+          <p:nvSpPr>
+            <p:cNvPr id="38" name="TextBox 37">
+              <a:extLst>
+                <a:ext uri="{FF2B5EF4-FFF2-40B4-BE49-F238E27FC236}">
+                  <a16:creationId xmlns:a16="http://schemas.microsoft.com/office/drawing/2014/main" id="{4BD409AD-9F9E-2843-B11B-358450B06997}"/>
+                </a:ext>
+              </a:extLst>
+            </p:cNvPr>
+            <p:cNvSpPr txBox="1"/>
+            <p:nvPr/>
+          </p:nvSpPr>
+          <p:spPr>
+            <a:xfrm>
+              <a:off x="8212521" y="5058523"/>
+              <a:ext cx="1219200" cy="453970"/>
+            </a:xfrm>
+            <a:prstGeom prst="rect">
+              <a:avLst/>
+            </a:prstGeom>
+            <a:noFill/>
+            <a:ln w="12700" cap="flat">
+              <a:noFill/>
+              <a:miter lim="400000"/>
+            </a:ln>
+            <a:effectLst/>
+            <a:sp3d/>
+          </p:spPr>
+          <p:style>
+            <a:lnRef idx="0">
+              <a:scrgbClr r="0" g="0" b="0"/>
+            </a:lnRef>
+            <a:fillRef idx="0">
+              <a:scrgbClr r="0" g="0" b="0"/>
+            </a:fillRef>
+            <a:effectRef idx="0">
+              <a:scrgbClr r="0" g="0" b="0"/>
+            </a:effectRef>
+            <a:fontRef idx="none"/>
+          </p:style>
+          <p:txBody>
+            <a:bodyPr rot="0" spcFirstLastPara="1" vertOverflow="overflow" horzOverflow="overflow" vert="horz" wrap="square" lIns="0" tIns="0" rIns="0" bIns="0" numCol="1" spcCol="38100" rtlCol="0" anchor="t">
+              <a:spAutoFit/>
+            </a:bodyPr>
+            <a:lstStyle/>
+            <a:p>
+              <a:pPr marL="0" marR="0" indent="0" algn="l" defTabSz="914400" rtl="0" fontAlgn="auto" latinLnBrk="0" hangingPunct="0">
+                <a:lnSpc>
+                  <a:spcPct val="100000"/>
+                </a:lnSpc>
+                <a:spcBef>
+                  <a:spcPts val="900"/>
+                </a:spcBef>
+                <a:spcAft>
+                  <a:spcPts val="0"/>
+                </a:spcAft>
+                <a:buClrTx/>
+                <a:buSzTx/>
+                <a:buFontTx/>
+                <a:buNone/>
+                <a:tabLst/>
+              </a:pPr>
+              <a:r>
+                <a:rPr lang="da-DK" sz="2200" dirty="0"/>
+                <a:t>l</a:t>
+              </a:r>
+              <a:endParaRPr kumimoji="0" lang="da-DK" sz="2200" b="0" i="0" u="none" strike="noStrike" cap="none" spc="0" normalizeH="0" baseline="0" dirty="0">
+                <a:ln>
+                  <a:noFill/>
+                </a:ln>
+                <a:solidFill>
+                  <a:srgbClr val="000000"/>
+                </a:solidFill>
+                <a:effectLst/>
+                <a:uFillTx/>
+                <a:latin typeface="+mn-lt"/>
+                <a:ea typeface="+mn-ea"/>
+                <a:cs typeface="+mn-cs"/>
+                <a:sym typeface="Arial"/>
+              </a:endParaRPr>
+            </a:p>
+          </p:txBody>
+        </p:sp>
+      </p:grpSp>
+    </p:spTree>
+    <p:extLst>
+      <p:ext uri="{BB962C8B-B14F-4D97-AF65-F5344CB8AC3E}">
+        <p14:creationId xmlns:p14="http://schemas.microsoft.com/office/powerpoint/2010/main" val="3662474958"/>
+      </p:ext>
+    </p:extLst>
+  </p:cSld>
+  <p:clrMapOvr>
+    <a:masterClrMapping/>
+  </p:clrMapOvr>
+  <p:transition spd="med"/>
+</p:sld>
+</file>
+
+<file path=ppt/slides/slide12.xml><?xml version="1.0" encoding="utf-8"?>
+<p:sld xmlns:a="http://schemas.openxmlformats.org/drawingml/2006/main" xmlns:r="http://schemas.openxmlformats.org/officeDocument/2006/relationships" xmlns:p="http://schemas.openxmlformats.org/presentationml/2006/main">
+  <p:cSld>
+    <p:spTree>
+      <p:nvGrpSpPr>
+        <p:cNvPr id="1" name=""/>
+        <p:cNvGrpSpPr/>
+        <p:nvPr/>
+      </p:nvGrpSpPr>
+      <p:grpSpPr>
+        <a:xfrm>
+          <a:off x="0" y="0"/>
+          <a:ext cx="0" cy="0"/>
+          <a:chOff x="0" y="0"/>
+          <a:chExt cx="0" cy="0"/>
+        </a:xfrm>
+      </p:grpSpPr>
+      <p:sp>
+        <p:nvSpPr>
+          <p:cNvPr id="250" name="Title 4"/>
+          <p:cNvSpPr txBox="1">
+            <a:spLocks noGrp="1"/>
+          </p:cNvSpPr>
+          <p:nvPr>
+            <p:ph type="title"/>
+          </p:nvPr>
+        </p:nvSpPr>
+        <p:spPr>
+          <a:xfrm>
+            <a:off x="1774725" y="426126"/>
+            <a:ext cx="9312376" cy="972718"/>
+          </a:xfrm>
+          <a:prstGeom prst="rect">
+            <a:avLst/>
+          </a:prstGeom>
+        </p:spPr>
+        <p:txBody>
+          <a:bodyPr/>
+          <a:lstStyle/>
+          <a:p>
+            <a:r>
+              <a:rPr lang="da-DK" dirty="0" err="1"/>
+              <a:t>Popular</a:t>
+            </a:r>
+            <a:r>
+              <a:rPr lang="da-DK" dirty="0"/>
+              <a:t> guide components: </a:t>
+            </a:r>
+            <a:r>
+              <a:rPr lang="da-DK" dirty="0" err="1"/>
+              <a:t>Guide_gravity</a:t>
+            </a:r>
+            <a:endParaRPr lang="da-DK" dirty="0"/>
+          </a:p>
+        </p:txBody>
+      </p:sp>
+      <p:sp>
+        <p:nvSpPr>
+          <p:cNvPr id="251" name="Content Placeholder 5"/>
+          <p:cNvSpPr txBox="1">
+            <a:spLocks noGrp="1"/>
+          </p:cNvSpPr>
+          <p:nvPr>
+            <p:ph type="body" idx="1"/>
+          </p:nvPr>
+        </p:nvSpPr>
+        <p:spPr>
+          <a:xfrm>
+            <a:off x="1774799" y="1706400"/>
+            <a:ext cx="9312376" cy="1129566"/>
+          </a:xfrm>
+          <a:prstGeom prst="rect">
+            <a:avLst/>
+          </a:prstGeom>
+        </p:spPr>
+        <p:txBody>
+          <a:bodyPr/>
+          <a:lstStyle/>
+          <a:p>
+            <a:r>
+              <a:rPr lang="da-DK" dirty="0" err="1"/>
+              <a:t>Typical</a:t>
+            </a:r>
+            <a:r>
+              <a:rPr lang="da-DK" dirty="0"/>
+              <a:t> guide component with </a:t>
+            </a:r>
+            <a:r>
+              <a:rPr lang="da-DK" dirty="0" err="1"/>
+              <a:t>gravity</a:t>
+            </a:r>
+            <a:endParaRPr lang="da-DK" dirty="0"/>
+          </a:p>
+        </p:txBody>
+      </p:sp>
+      <p:sp>
+        <p:nvSpPr>
+          <p:cNvPr id="252" name="Slide Number Placeholder 3"/>
+          <p:cNvSpPr txBox="1">
+            <a:spLocks noGrp="1"/>
+          </p:cNvSpPr>
+          <p:nvPr>
+            <p:ph type="sldNum" sz="quarter" idx="2"/>
+          </p:nvPr>
+        </p:nvSpPr>
+        <p:spPr>
+          <a:xfrm>
+            <a:off x="11506450" y="6636099"/>
+            <a:ext cx="127001" cy="127001"/>
+          </a:xfrm>
+          <a:prstGeom prst="rect">
+            <a:avLst/>
+          </a:prstGeom>
+          <a:extLst>
+            <a:ext uri="{C572A759-6A51-4108-AA02-DFA0A04FC94B}">
+              <ma14:wrappingTextBoxFlag xmlns="" xmlns:m="http://schemas.openxmlformats.org/officeDocument/2006/math" xmlns:a14="http://schemas.microsoft.com/office/drawing/2010/main" xmlns:ma14="http://schemas.microsoft.com/office/mac/drawingml/2011/main" val="1"/>
+            </a:ext>
+          </a:extLst>
+        </p:spPr>
+        <p:txBody>
+          <a:bodyPr/>
+          <a:lstStyle/>
+          <a:p>
+            <a:fld id="{86CB4B4D-7CA3-9044-876B-883B54F8677D}" type="slidenum">
+              <a:t>12</a:t>
+            </a:fld>
+            <a:endParaRPr/>
+          </a:p>
+        </p:txBody>
+      </p:sp>
+      <p:pic>
+        <p:nvPicPr>
+          <p:cNvPr id="7" name="Picture 6">
+            <a:extLst>
+              <a:ext uri="{FF2B5EF4-FFF2-40B4-BE49-F238E27FC236}">
+                <a16:creationId xmlns:a16="http://schemas.microsoft.com/office/drawing/2014/main" id="{228B1C58-B69C-5247-93FD-742C236AB821}"/>
+              </a:ext>
+            </a:extLst>
+          </p:cNvPr>
+          <p:cNvPicPr>
+            <a:picLocks noChangeAspect="1"/>
+          </p:cNvPicPr>
+          <p:nvPr/>
+        </p:nvPicPr>
+        <p:blipFill>
+          <a:blip r:embed="rId3">
+            <a:extLst>
+              <a:ext uri="{28A0092B-C50C-407E-A947-70E740481C1C}">
+                <a14:useLocalDpi xmlns:a14="http://schemas.microsoft.com/office/drawing/2010/main" val="0"/>
+              </a:ext>
+            </a:extLst>
+          </a:blip>
+          <a:stretch>
+            <a:fillRect/>
+          </a:stretch>
+        </p:blipFill>
+        <p:spPr>
+          <a:xfrm>
+            <a:off x="5810492" y="2068417"/>
+            <a:ext cx="6233930" cy="4364730"/>
+          </a:xfrm>
+          <a:prstGeom prst="rect">
+            <a:avLst/>
+          </a:prstGeom>
+        </p:spPr>
+      </p:pic>
+      <p:sp>
+        <p:nvSpPr>
+          <p:cNvPr id="26" name="TextBox 25">
+            <a:extLst>
+              <a:ext uri="{FF2B5EF4-FFF2-40B4-BE49-F238E27FC236}">
+                <a16:creationId xmlns:a16="http://schemas.microsoft.com/office/drawing/2014/main" id="{1F4F2F87-4170-8348-9DB1-1A315B5907FB}"/>
+              </a:ext>
+            </a:extLst>
+          </p:cNvPr>
+          <p:cNvSpPr txBox="1"/>
+          <p:nvPr/>
+        </p:nvSpPr>
+        <p:spPr>
+          <a:xfrm>
+            <a:off x="6829068" y="2037144"/>
+            <a:ext cx="1863524" cy="361637"/>
+          </a:xfrm>
+          <a:prstGeom prst="rect">
+            <a:avLst/>
+          </a:prstGeom>
+          <a:noFill/>
+          <a:ln w="12700" cap="flat">
+            <a:noFill/>
+            <a:miter lim="400000"/>
+          </a:ln>
+          <a:effectLst/>
+          <a:sp3d/>
+        </p:spPr>
+        <p:style>
+          <a:lnRef idx="0">
+            <a:scrgbClr r="0" g="0" b="0"/>
+          </a:lnRef>
+          <a:fillRef idx="0">
+            <a:scrgbClr r="0" g="0" b="0"/>
+          </a:fillRef>
+          <a:effectRef idx="0">
+            <a:scrgbClr r="0" g="0" b="0"/>
+          </a:effectRef>
+          <a:fontRef idx="none"/>
+        </p:style>
+        <p:txBody>
+          <a:bodyPr rot="0" spcFirstLastPara="1" vertOverflow="overflow" horzOverflow="overflow" vert="horz" wrap="square" lIns="0" tIns="0" rIns="0" bIns="0" numCol="1" spcCol="38100" rtlCol="0" anchor="t">
+            <a:spAutoFit/>
+          </a:bodyPr>
+          <a:lstStyle/>
+          <a:p>
+            <a:pPr marL="0" marR="0" indent="0" algn="l" defTabSz="914400" rtl="0" fontAlgn="auto" latinLnBrk="0" hangingPunct="0">
+              <a:lnSpc>
+                <a:spcPct val="100000"/>
+              </a:lnSpc>
+              <a:spcBef>
+                <a:spcPts val="900"/>
+              </a:spcBef>
+              <a:spcAft>
+                <a:spcPts val="0"/>
+              </a:spcAft>
+              <a:buClrTx/>
+              <a:buSzTx/>
+              <a:buFontTx/>
+              <a:buNone/>
+              <a:tabLst/>
+            </a:pPr>
+            <a:r>
+              <a:rPr kumimoji="0" lang="da-DK" sz="1600" b="0" i="0" u="none" strike="noStrike" cap="none" spc="0" normalizeH="0" baseline="0" dirty="0">
+                <a:ln>
+                  <a:noFill/>
+                </a:ln>
+                <a:solidFill>
+                  <a:schemeClr val="bg1"/>
+                </a:solidFill>
+                <a:effectLst/>
+                <a:uFillTx/>
+                <a:latin typeface="+mn-lt"/>
+                <a:ea typeface="+mn-ea"/>
+                <a:cs typeface="+mn-cs"/>
+                <a:sym typeface="Arial"/>
+              </a:rPr>
+              <a:t>Position</a:t>
+            </a:r>
+          </a:p>
+        </p:txBody>
+      </p:sp>
+      <p:sp>
+        <p:nvSpPr>
+          <p:cNvPr id="27" name="TextBox 26">
+            <a:extLst>
+              <a:ext uri="{FF2B5EF4-FFF2-40B4-BE49-F238E27FC236}">
+                <a16:creationId xmlns:a16="http://schemas.microsoft.com/office/drawing/2014/main" id="{052A5E8A-ED71-B443-851D-A8A8487FF5FD}"/>
+              </a:ext>
+            </a:extLst>
+          </p:cNvPr>
+          <p:cNvSpPr txBox="1"/>
+          <p:nvPr/>
+        </p:nvSpPr>
+        <p:spPr>
+          <a:xfrm>
+            <a:off x="6746486" y="4230672"/>
+            <a:ext cx="1863524" cy="361637"/>
+          </a:xfrm>
+          <a:prstGeom prst="rect">
+            <a:avLst/>
+          </a:prstGeom>
+          <a:noFill/>
+          <a:ln w="12700" cap="flat">
+            <a:noFill/>
+            <a:miter lim="400000"/>
+          </a:ln>
+          <a:effectLst/>
+          <a:sp3d/>
+        </p:spPr>
+        <p:style>
+          <a:lnRef idx="0">
+            <a:scrgbClr r="0" g="0" b="0"/>
+          </a:lnRef>
+          <a:fillRef idx="0">
+            <a:scrgbClr r="0" g="0" b="0"/>
+          </a:fillRef>
+          <a:effectRef idx="0">
+            <a:scrgbClr r="0" g="0" b="0"/>
+          </a:effectRef>
+          <a:fontRef idx="none"/>
+        </p:style>
+        <p:txBody>
+          <a:bodyPr rot="0" spcFirstLastPara="1" vertOverflow="overflow" horzOverflow="overflow" vert="horz" wrap="square" lIns="0" tIns="0" rIns="0" bIns="0" numCol="1" spcCol="38100" rtlCol="0" anchor="t">
+            <a:spAutoFit/>
+          </a:bodyPr>
+          <a:lstStyle/>
+          <a:p>
+            <a:pPr marL="0" marR="0" indent="0" algn="l" defTabSz="914400" rtl="0" fontAlgn="auto" latinLnBrk="0" hangingPunct="0">
+              <a:lnSpc>
+                <a:spcPct val="100000"/>
+              </a:lnSpc>
+              <a:spcBef>
+                <a:spcPts val="900"/>
+              </a:spcBef>
+              <a:spcAft>
+                <a:spcPts val="0"/>
+              </a:spcAft>
+              <a:buClrTx/>
+              <a:buSzTx/>
+              <a:buFontTx/>
+              <a:buNone/>
+              <a:tabLst/>
+            </a:pPr>
+            <a:r>
+              <a:rPr kumimoji="0" lang="da-DK" sz="1600" b="0" i="0" u="none" strike="noStrike" cap="none" spc="0" normalizeH="0" baseline="0" dirty="0" err="1">
+                <a:ln>
+                  <a:noFill/>
+                </a:ln>
+                <a:solidFill>
+                  <a:schemeClr val="bg1"/>
+                </a:solidFill>
+                <a:effectLst/>
+                <a:uFillTx/>
+                <a:latin typeface="+mn-lt"/>
+                <a:ea typeface="+mn-ea"/>
+                <a:cs typeface="+mn-cs"/>
+                <a:sym typeface="Arial"/>
+              </a:rPr>
+              <a:t>Wavelength</a:t>
+            </a:r>
+            <a:endParaRPr kumimoji="0" lang="da-DK" sz="1600" b="0" i="0" u="none" strike="noStrike" cap="none" spc="0" normalizeH="0" baseline="0" dirty="0">
+              <a:ln>
+                <a:noFill/>
+              </a:ln>
+              <a:solidFill>
+                <a:schemeClr val="bg1"/>
+              </a:solidFill>
+              <a:effectLst/>
+              <a:uFillTx/>
+              <a:latin typeface="+mn-lt"/>
+              <a:ea typeface="+mn-ea"/>
+              <a:cs typeface="+mn-cs"/>
+              <a:sym typeface="Arial"/>
+            </a:endParaRPr>
+          </a:p>
+        </p:txBody>
+      </p:sp>
+      <p:sp>
+        <p:nvSpPr>
+          <p:cNvPr id="28" name="TextBox 27">
+            <a:extLst>
+              <a:ext uri="{FF2B5EF4-FFF2-40B4-BE49-F238E27FC236}">
+                <a16:creationId xmlns:a16="http://schemas.microsoft.com/office/drawing/2014/main" id="{EC08CED6-82A7-AF47-971A-C156D2E0F171}"/>
+              </a:ext>
+            </a:extLst>
+          </p:cNvPr>
+          <p:cNvSpPr txBox="1"/>
+          <p:nvPr/>
+        </p:nvSpPr>
+        <p:spPr>
+          <a:xfrm>
+            <a:off x="9920405" y="2024324"/>
+            <a:ext cx="2187935" cy="361637"/>
+          </a:xfrm>
+          <a:prstGeom prst="rect">
+            <a:avLst/>
+          </a:prstGeom>
+          <a:noFill/>
+          <a:ln w="12700" cap="flat">
+            <a:noFill/>
+            <a:miter lim="400000"/>
+          </a:ln>
+          <a:effectLst/>
+          <a:sp3d/>
+        </p:spPr>
+        <p:style>
+          <a:lnRef idx="0">
+            <a:scrgbClr r="0" g="0" b="0"/>
+          </a:lnRef>
+          <a:fillRef idx="0">
+            <a:scrgbClr r="0" g="0" b="0"/>
+          </a:fillRef>
+          <a:effectRef idx="0">
+            <a:scrgbClr r="0" g="0" b="0"/>
+          </a:effectRef>
+          <a:fontRef idx="none"/>
+        </p:style>
+        <p:txBody>
+          <a:bodyPr rot="0" spcFirstLastPara="1" vertOverflow="overflow" horzOverflow="overflow" vert="horz" wrap="square" lIns="0" tIns="0" rIns="0" bIns="0" numCol="1" spcCol="38100" rtlCol="0" anchor="t">
+            <a:spAutoFit/>
+          </a:bodyPr>
+          <a:lstStyle/>
+          <a:p>
+            <a:pPr marL="0" marR="0" indent="0" algn="l" defTabSz="914400" rtl="0" fontAlgn="auto" latinLnBrk="0" hangingPunct="0">
+              <a:lnSpc>
+                <a:spcPct val="100000"/>
+              </a:lnSpc>
+              <a:spcBef>
+                <a:spcPts val="900"/>
+              </a:spcBef>
+              <a:spcAft>
+                <a:spcPts val="0"/>
+              </a:spcAft>
+              <a:buClrTx/>
+              <a:buSzTx/>
+              <a:buFontTx/>
+              <a:buNone/>
+              <a:tabLst/>
+            </a:pPr>
+            <a:r>
+              <a:rPr kumimoji="0" lang="da-DK" sz="1600" b="0" i="0" u="none" strike="noStrike" cap="none" spc="0" normalizeH="0" baseline="0" dirty="0" err="1">
+                <a:ln>
+                  <a:noFill/>
+                </a:ln>
+                <a:solidFill>
+                  <a:schemeClr val="bg1"/>
+                </a:solidFill>
+                <a:effectLst/>
+                <a:uFillTx/>
+                <a:latin typeface="+mn-lt"/>
+                <a:ea typeface="+mn-ea"/>
+                <a:cs typeface="+mn-cs"/>
+                <a:sym typeface="Arial"/>
+              </a:rPr>
+              <a:t>Divergence</a:t>
+            </a:r>
+            <a:endParaRPr kumimoji="0" lang="da-DK" sz="1600" b="0" i="0" u="none" strike="noStrike" cap="none" spc="0" normalizeH="0" baseline="0" dirty="0">
+              <a:ln>
+                <a:noFill/>
+              </a:ln>
+              <a:solidFill>
+                <a:schemeClr val="bg1"/>
+              </a:solidFill>
+              <a:effectLst/>
+              <a:uFillTx/>
+              <a:latin typeface="+mn-lt"/>
+              <a:ea typeface="+mn-ea"/>
+              <a:cs typeface="+mn-cs"/>
+              <a:sym typeface="Arial"/>
+            </a:endParaRPr>
+          </a:p>
+        </p:txBody>
+      </p:sp>
+      <p:sp>
+        <p:nvSpPr>
+          <p:cNvPr id="32" name="TextBox 31">
+            <a:extLst>
+              <a:ext uri="{FF2B5EF4-FFF2-40B4-BE49-F238E27FC236}">
+                <a16:creationId xmlns:a16="http://schemas.microsoft.com/office/drawing/2014/main" id="{ED7CC2E1-D87B-5344-98D6-287C8B51959E}"/>
+              </a:ext>
+            </a:extLst>
+          </p:cNvPr>
+          <p:cNvSpPr txBox="1"/>
+          <p:nvPr/>
+        </p:nvSpPr>
+        <p:spPr>
+          <a:xfrm>
+            <a:off x="9481968" y="4222955"/>
+            <a:ext cx="2187935" cy="361637"/>
+          </a:xfrm>
+          <a:prstGeom prst="rect">
+            <a:avLst/>
+          </a:prstGeom>
+          <a:noFill/>
+          <a:ln w="12700" cap="flat">
+            <a:noFill/>
+            <a:miter lim="400000"/>
+          </a:ln>
+          <a:effectLst/>
+          <a:sp3d/>
+        </p:spPr>
+        <p:style>
+          <a:lnRef idx="0">
+            <a:scrgbClr r="0" g="0" b="0"/>
+          </a:lnRef>
+          <a:fillRef idx="0">
+            <a:scrgbClr r="0" g="0" b="0"/>
+          </a:fillRef>
+          <a:effectRef idx="0">
+            <a:scrgbClr r="0" g="0" b="0"/>
+          </a:effectRef>
+          <a:fontRef idx="none"/>
+        </p:style>
+        <p:txBody>
+          <a:bodyPr rot="0" spcFirstLastPara="1" vertOverflow="overflow" horzOverflow="overflow" vert="horz" wrap="square" lIns="0" tIns="0" rIns="0" bIns="0" numCol="1" spcCol="38100" rtlCol="0" anchor="t">
+            <a:spAutoFit/>
+          </a:bodyPr>
+          <a:lstStyle/>
+          <a:p>
+            <a:pPr marL="0" marR="0" indent="0" algn="l" defTabSz="914400" rtl="0" fontAlgn="auto" latinLnBrk="0" hangingPunct="0">
+              <a:lnSpc>
+                <a:spcPct val="100000"/>
+              </a:lnSpc>
+              <a:spcBef>
+                <a:spcPts val="900"/>
+              </a:spcBef>
+              <a:spcAft>
+                <a:spcPts val="0"/>
+              </a:spcAft>
+              <a:buClrTx/>
+              <a:buSzTx/>
+              <a:buFontTx/>
+              <a:buNone/>
+              <a:tabLst/>
+            </a:pPr>
+            <a:r>
+              <a:rPr lang="da-DK" dirty="0">
+                <a:solidFill>
+                  <a:schemeClr val="bg1"/>
+                </a:solidFill>
+              </a:rPr>
+              <a:t>Position - </a:t>
+            </a:r>
+            <a:r>
+              <a:rPr lang="da-DK" dirty="0" err="1">
+                <a:solidFill>
+                  <a:schemeClr val="bg1"/>
+                </a:solidFill>
+              </a:rPr>
+              <a:t>Divergence</a:t>
+            </a:r>
+            <a:endParaRPr kumimoji="0" lang="da-DK" sz="1600" b="0" i="0" u="none" strike="noStrike" cap="none" spc="0" normalizeH="0" baseline="0" dirty="0">
+              <a:ln>
+                <a:noFill/>
+              </a:ln>
+              <a:solidFill>
+                <a:schemeClr val="bg1"/>
+              </a:solidFill>
+              <a:effectLst/>
+              <a:uFillTx/>
+              <a:latin typeface="+mn-lt"/>
+              <a:ea typeface="+mn-ea"/>
+              <a:cs typeface="+mn-cs"/>
+              <a:sym typeface="Arial"/>
+            </a:endParaRPr>
+          </a:p>
+        </p:txBody>
+      </p:sp>
+    </p:spTree>
+    <p:extLst>
+      <p:ext uri="{BB962C8B-B14F-4D97-AF65-F5344CB8AC3E}">
+        <p14:creationId xmlns:p14="http://schemas.microsoft.com/office/powerpoint/2010/main" val="3846845237"/>
+      </p:ext>
+    </p:extLst>
+  </p:cSld>
+  <p:clrMapOvr>
+    <a:masterClrMapping/>
+  </p:clrMapOvr>
+  <p:transition spd="med"/>
+</p:sld>
+</file>
+
+<file path=ppt/slides/slide13.xml><?xml version="1.0" encoding="utf-8"?>
+<p:sld xmlns:a="http://schemas.openxmlformats.org/drawingml/2006/main" xmlns:r="http://schemas.openxmlformats.org/officeDocument/2006/relationships" xmlns:p="http://schemas.openxmlformats.org/presentationml/2006/main">
+  <p:cSld>
+    <p:spTree>
+      <p:nvGrpSpPr>
+        <p:cNvPr id="1" name=""/>
+        <p:cNvGrpSpPr/>
+        <p:nvPr/>
+      </p:nvGrpSpPr>
+      <p:grpSpPr>
+        <a:xfrm>
+          <a:off x="0" y="0"/>
+          <a:ext cx="0" cy="0"/>
+          <a:chOff x="0" y="0"/>
+          <a:chExt cx="0" cy="0"/>
+        </a:xfrm>
+      </p:grpSpPr>
+      <p:sp>
+        <p:nvSpPr>
+          <p:cNvPr id="250" name="Title 4"/>
+          <p:cNvSpPr txBox="1">
+            <a:spLocks noGrp="1"/>
+          </p:cNvSpPr>
+          <p:nvPr>
+            <p:ph type="title"/>
+          </p:nvPr>
+        </p:nvSpPr>
+        <p:spPr>
+          <a:xfrm>
+            <a:off x="1774725" y="426126"/>
             <a:ext cx="9858726" cy="972718"/>
           </a:xfrm>
           <a:prstGeom prst="rect">
@@ -8410,7 +10900,7 @@
           </a:prstGeom>
           <a:extLst>
             <a:ext uri="{C572A759-6A51-4108-AA02-DFA0A04FC94B}">
-              <ma14:wrappingTextBoxFlag xmlns:ma14="http://schemas.microsoft.com/office/mac/drawingml/2011/main" xmlns:a14="http://schemas.microsoft.com/office/drawing/2010/main" xmlns:m="http://schemas.openxmlformats.org/officeDocument/2006/math" xmlns="" val="1"/>
+              <ma14:wrappingTextBoxFlag xmlns="" xmlns:m="http://schemas.openxmlformats.org/officeDocument/2006/math" xmlns:a14="http://schemas.microsoft.com/office/drawing/2010/main" xmlns:ma14="http://schemas.microsoft.com/office/mac/drawingml/2011/main" val="1"/>
             </a:ext>
           </a:extLst>
         </p:spPr>
@@ -8419,7 +10909,7 @@
           <a:lstStyle/>
           <a:p>
             <a:fld id="{86CB4B4D-7CA3-9044-876B-883B54F8677D}" type="slidenum">
-              <a:t>11</a:t>
+              <a:t>13</a:t>
             </a:fld>
             <a:endParaRPr/>
           </a:p>
@@ -11573,7 +14063,7 @@
 </p:sld>
 </file>
 
-<file path=ppt/slides/slide12.xml><?xml version="1.0" encoding="utf-8"?>
+<file path=ppt/slides/slide14.xml><?xml version="1.0" encoding="utf-8"?>
 <p:sld xmlns:a="http://schemas.openxmlformats.org/drawingml/2006/main" xmlns:r="http://schemas.openxmlformats.org/officeDocument/2006/relationships" xmlns:p="http://schemas.openxmlformats.org/presentationml/2006/main">
   <p:cSld>
     <p:spTree>
@@ -11615,15 +14105,15 @@
           <a:p>
             <a:r>
               <a:rPr lang="da-DK" dirty="0" err="1"/>
-              <a:t>Breaking</a:t>
+              <a:t>Popular</a:t>
             </a:r>
             <a:r>
               <a:rPr lang="da-DK" dirty="0"/>
-              <a:t> line of </a:t>
+              <a:t> guide components: </a:t>
             </a:r>
             <a:r>
               <a:rPr lang="da-DK" dirty="0" err="1"/>
-              <a:t>sight</a:t>
+              <a:t>Elliptical_guide_gravity</a:t>
             </a:r>
             <a:endParaRPr lang="da-DK" dirty="0"/>
           </a:p>
@@ -11641,8 +14131,8 @@
         </p:nvSpPr>
         <p:spPr>
           <a:xfrm>
-            <a:off x="1774799" y="1706399"/>
-            <a:ext cx="9312376" cy="4545579"/>
+            <a:off x="1774798" y="1706399"/>
+            <a:ext cx="9560263" cy="4545579"/>
           </a:xfrm>
           <a:prstGeom prst="rect">
             <a:avLst/>
@@ -11654,23 +14144,31 @@
           <a:p>
             <a:r>
               <a:rPr lang="da-DK" dirty="0" err="1"/>
-              <a:t>Importance</a:t>
+              <a:t>Useful</a:t>
             </a:r>
             <a:r>
               <a:rPr lang="da-DK" dirty="0"/>
-              <a:t> of </a:t>
+              <a:t> for </a:t>
             </a:r>
             <a:r>
               <a:rPr lang="da-DK" dirty="0" err="1"/>
-              <a:t>breaking</a:t>
+              <a:t>elliptic</a:t>
             </a:r>
             <a:r>
               <a:rPr lang="da-DK" dirty="0"/>
-              <a:t> line of </a:t>
+              <a:t> and </a:t>
             </a:r>
             <a:r>
               <a:rPr lang="da-DK" dirty="0" err="1"/>
-              <a:t>sight</a:t>
+              <a:t>parabolic</a:t>
+            </a:r>
+            <a:r>
+              <a:rPr lang="da-DK" dirty="0"/>
+              <a:t> guide </a:t>
+            </a:r>
+            <a:r>
+              <a:rPr lang="da-DK" dirty="0" err="1"/>
+              <a:t>geometries</a:t>
             </a:r>
             <a:r>
               <a:rPr lang="da-DK" dirty="0"/>
@@ -11678,19 +14176,19 @@
             </a:r>
             <a:r>
               <a:rPr lang="da-DK" dirty="0" err="1"/>
-              <a:t>ways</a:t>
+              <a:t>focusing</a:t>
             </a:r>
             <a:r>
               <a:rPr lang="da-DK" dirty="0"/>
-              <a:t> of </a:t>
+              <a:t>, </a:t>
             </a:r>
             <a:r>
               <a:rPr lang="da-DK" dirty="0" err="1"/>
-              <a:t>doing</a:t>
+              <a:t>ballistic</a:t>
             </a:r>
             <a:r>
               <a:rPr lang="da-DK" dirty="0"/>
-              <a:t> so, …</a:t>
+              <a:t>, coating distribution, … </a:t>
             </a:r>
           </a:p>
           <a:p>
@@ -11718,7 +14216,7 @@
           </a:prstGeom>
           <a:extLst>
             <a:ext uri="{C572A759-6A51-4108-AA02-DFA0A04FC94B}">
-              <ma14:wrappingTextBoxFlag xmlns:ma14="http://schemas.microsoft.com/office/mac/drawingml/2011/main" xmlns:a14="http://schemas.microsoft.com/office/drawing/2010/main" xmlns:m="http://schemas.openxmlformats.org/officeDocument/2006/math" xmlns="" val="1"/>
+              <ma14:wrappingTextBoxFlag xmlns="" xmlns:m="http://schemas.openxmlformats.org/officeDocument/2006/math" xmlns:a14="http://schemas.microsoft.com/office/drawing/2010/main" xmlns:ma14="http://schemas.microsoft.com/office/mac/drawingml/2011/main" val="1"/>
             </a:ext>
           </a:extLst>
         </p:spPr>
@@ -11727,18 +14225,104 @@
           <a:lstStyle/>
           <a:p>
             <a:fld id="{86CB4B4D-7CA3-9044-876B-883B54F8677D}" type="slidenum">
-              <a:t>12</a:t>
+              <a:t>14</a:t>
             </a:fld>
             <a:endParaRPr/>
           </a:p>
         </p:txBody>
       </p:sp>
+      <p:sp>
+        <p:nvSpPr>
+          <p:cNvPr id="4" name="Rectangle 3">
+            <a:extLst>
+              <a:ext uri="{FF2B5EF4-FFF2-40B4-BE49-F238E27FC236}">
+                <a16:creationId xmlns:a16="http://schemas.microsoft.com/office/drawing/2014/main" id="{200D0F0E-D392-EF41-B5FB-BD22406F8F27}"/>
+              </a:ext>
+            </a:extLst>
+          </p:cNvPr>
+          <p:cNvSpPr/>
+          <p:nvPr/>
+        </p:nvSpPr>
+        <p:spPr>
+          <a:xfrm>
+            <a:off x="8908188" y="2668986"/>
+            <a:ext cx="3432313" cy="2478157"/>
+          </a:xfrm>
+          <a:prstGeom prst="rect">
+            <a:avLst/>
+          </a:prstGeom>
+          <a:solidFill>
+            <a:srgbClr val="FFFFFF">
+              <a:alpha val="85000"/>
+            </a:srgbClr>
+          </a:solidFill>
+          <a:ln w="25400" cap="flat">
+            <a:solidFill>
+              <a:schemeClr val="bg1"/>
+            </a:solidFill>
+            <a:prstDash val="solid"/>
+            <a:round/>
+          </a:ln>
+          <a:effectLst/>
+          <a:sp3d/>
+        </p:spPr>
+        <p:style>
+          <a:lnRef idx="0">
+            <a:scrgbClr r="0" g="0" b="0"/>
+          </a:lnRef>
+          <a:fillRef idx="0">
+            <a:scrgbClr r="0" g="0" b="0"/>
+          </a:fillRef>
+          <a:effectRef idx="0">
+            <a:scrgbClr r="0" g="0" b="0"/>
+          </a:effectRef>
+          <a:fontRef idx="none"/>
+        </p:style>
+        <p:txBody>
+          <a:bodyPr rot="0" spcFirstLastPara="1" vertOverflow="overflow" horzOverflow="overflow" vert="horz" wrap="square" lIns="46799" tIns="46799" rIns="46799" bIns="46799" numCol="1" spcCol="38100" rtlCol="0" anchor="ctr">
+            <a:spAutoFit/>
+          </a:bodyPr>
+          <a:lstStyle/>
+          <a:p>
+            <a:pPr marL="0" marR="0" indent="0" algn="l" defTabSz="914400" rtl="0" fontAlgn="auto" latinLnBrk="0" hangingPunct="0">
+              <a:lnSpc>
+                <a:spcPct val="100000"/>
+              </a:lnSpc>
+              <a:spcBef>
+                <a:spcPts val="900"/>
+              </a:spcBef>
+              <a:spcAft>
+                <a:spcPts val="0"/>
+              </a:spcAft>
+              <a:buClrTx/>
+              <a:buSzTx/>
+              <a:buFontTx/>
+              <a:buNone/>
+              <a:tabLst/>
+            </a:pPr>
+            <a:endParaRPr kumimoji="0" lang="da-DK" sz="1600" b="0" i="0" u="none" strike="noStrike" cap="none" spc="0" normalizeH="0" baseline="0">
+              <a:ln>
+                <a:noFill/>
+              </a:ln>
+              <a:solidFill>
+                <a:srgbClr val="000000"/>
+              </a:solidFill>
+              <a:effectLst/>
+              <a:uFillTx/>
+              <a:latin typeface="+mn-lt"/>
+              <a:ea typeface="+mn-ea"/>
+              <a:cs typeface="+mn-cs"/>
+              <a:sym typeface="Arial"/>
+            </a:endParaRPr>
+          </a:p>
+        </p:txBody>
+      </p:sp>
       <p:pic>
         <p:nvPicPr>
-          <p:cNvPr id="3" name="Picture 2">
+          <p:cNvPr id="7" name="Picture 6">
             <a:extLst>
               <a:ext uri="{FF2B5EF4-FFF2-40B4-BE49-F238E27FC236}">
-                <a16:creationId xmlns:a16="http://schemas.microsoft.com/office/drawing/2014/main" id="{619D07AE-BCBC-2643-9293-DC2B675396ED}"/>
+                <a16:creationId xmlns:a16="http://schemas.microsoft.com/office/drawing/2014/main" id="{CB3E7670-ADBE-7E4A-9B38-2AAD8E75519C}"/>
               </a:ext>
             </a:extLst>
           </p:cNvPr>
@@ -11761,18 +14345,387 @@
         </p:blipFill>
         <p:spPr>
           <a:xfrm>
-            <a:off x="1888567" y="2990980"/>
-            <a:ext cx="9401195" cy="2514273"/>
+            <a:off x="5474825" y="2111010"/>
+            <a:ext cx="6362956" cy="4308773"/>
           </a:xfrm>
           <a:prstGeom prst="rect">
             <a:avLst/>
           </a:prstGeom>
         </p:spPr>
       </p:pic>
+      <p:sp>
+        <p:nvSpPr>
+          <p:cNvPr id="8" name="TextBox 7">
+            <a:extLst>
+              <a:ext uri="{FF2B5EF4-FFF2-40B4-BE49-F238E27FC236}">
+                <a16:creationId xmlns:a16="http://schemas.microsoft.com/office/drawing/2014/main" id="{E94DDF6A-4D37-CE4B-BCA0-6948C3D9ADF2}"/>
+              </a:ext>
+            </a:extLst>
+          </p:cNvPr>
+          <p:cNvSpPr txBox="1"/>
+          <p:nvPr/>
+        </p:nvSpPr>
+        <p:spPr>
+          <a:xfrm>
+            <a:off x="6609143" y="2037144"/>
+            <a:ext cx="1863524" cy="361637"/>
+          </a:xfrm>
+          <a:prstGeom prst="rect">
+            <a:avLst/>
+          </a:prstGeom>
+          <a:noFill/>
+          <a:ln w="12700" cap="flat">
+            <a:noFill/>
+            <a:miter lim="400000"/>
+          </a:ln>
+          <a:effectLst/>
+          <a:sp3d/>
+        </p:spPr>
+        <p:style>
+          <a:lnRef idx="0">
+            <a:scrgbClr r="0" g="0" b="0"/>
+          </a:lnRef>
+          <a:fillRef idx="0">
+            <a:scrgbClr r="0" g="0" b="0"/>
+          </a:fillRef>
+          <a:effectRef idx="0">
+            <a:scrgbClr r="0" g="0" b="0"/>
+          </a:effectRef>
+          <a:fontRef idx="none"/>
+        </p:style>
+        <p:txBody>
+          <a:bodyPr rot="0" spcFirstLastPara="1" vertOverflow="overflow" horzOverflow="overflow" vert="horz" wrap="square" lIns="0" tIns="0" rIns="0" bIns="0" numCol="1" spcCol="38100" rtlCol="0" anchor="t">
+            <a:spAutoFit/>
+          </a:bodyPr>
+          <a:lstStyle/>
+          <a:p>
+            <a:pPr marL="0" marR="0" indent="0" algn="l" defTabSz="914400" rtl="0" fontAlgn="auto" latinLnBrk="0" hangingPunct="0">
+              <a:lnSpc>
+                <a:spcPct val="100000"/>
+              </a:lnSpc>
+              <a:spcBef>
+                <a:spcPts val="900"/>
+              </a:spcBef>
+              <a:spcAft>
+                <a:spcPts val="0"/>
+              </a:spcAft>
+              <a:buClrTx/>
+              <a:buSzTx/>
+              <a:buFontTx/>
+              <a:buNone/>
+              <a:tabLst/>
+            </a:pPr>
+            <a:r>
+              <a:rPr kumimoji="0" lang="da-DK" sz="1600" b="0" i="0" u="none" strike="noStrike" cap="none" spc="0" normalizeH="0" baseline="0" dirty="0">
+                <a:ln>
+                  <a:noFill/>
+                </a:ln>
+                <a:solidFill>
+                  <a:schemeClr val="bg1"/>
+                </a:solidFill>
+                <a:effectLst/>
+                <a:uFillTx/>
+                <a:latin typeface="+mn-lt"/>
+                <a:ea typeface="+mn-ea"/>
+                <a:cs typeface="+mn-cs"/>
+                <a:sym typeface="Arial"/>
+              </a:rPr>
+              <a:t>Position</a:t>
+            </a:r>
+          </a:p>
+        </p:txBody>
+      </p:sp>
+      <p:sp>
+        <p:nvSpPr>
+          <p:cNvPr id="33" name="TextBox 32">
+            <a:extLst>
+              <a:ext uri="{FF2B5EF4-FFF2-40B4-BE49-F238E27FC236}">
+                <a16:creationId xmlns:a16="http://schemas.microsoft.com/office/drawing/2014/main" id="{9E995287-C4C4-7340-AC89-34E71AB9D617}"/>
+              </a:ext>
+            </a:extLst>
+          </p:cNvPr>
+          <p:cNvSpPr txBox="1"/>
+          <p:nvPr/>
+        </p:nvSpPr>
+        <p:spPr>
+          <a:xfrm>
+            <a:off x="6526561" y="4230672"/>
+            <a:ext cx="1863524" cy="361637"/>
+          </a:xfrm>
+          <a:prstGeom prst="rect">
+            <a:avLst/>
+          </a:prstGeom>
+          <a:noFill/>
+          <a:ln w="12700" cap="flat">
+            <a:noFill/>
+            <a:miter lim="400000"/>
+          </a:ln>
+          <a:effectLst/>
+          <a:sp3d/>
+        </p:spPr>
+        <p:style>
+          <a:lnRef idx="0">
+            <a:scrgbClr r="0" g="0" b="0"/>
+          </a:lnRef>
+          <a:fillRef idx="0">
+            <a:scrgbClr r="0" g="0" b="0"/>
+          </a:fillRef>
+          <a:effectRef idx="0">
+            <a:scrgbClr r="0" g="0" b="0"/>
+          </a:effectRef>
+          <a:fontRef idx="none"/>
+        </p:style>
+        <p:txBody>
+          <a:bodyPr rot="0" spcFirstLastPara="1" vertOverflow="overflow" horzOverflow="overflow" vert="horz" wrap="square" lIns="0" tIns="0" rIns="0" bIns="0" numCol="1" spcCol="38100" rtlCol="0" anchor="t">
+            <a:spAutoFit/>
+          </a:bodyPr>
+          <a:lstStyle/>
+          <a:p>
+            <a:pPr marL="0" marR="0" indent="0" algn="l" defTabSz="914400" rtl="0" fontAlgn="auto" latinLnBrk="0" hangingPunct="0">
+              <a:lnSpc>
+                <a:spcPct val="100000"/>
+              </a:lnSpc>
+              <a:spcBef>
+                <a:spcPts val="900"/>
+              </a:spcBef>
+              <a:spcAft>
+                <a:spcPts val="0"/>
+              </a:spcAft>
+              <a:buClrTx/>
+              <a:buSzTx/>
+              <a:buFontTx/>
+              <a:buNone/>
+              <a:tabLst/>
+            </a:pPr>
+            <a:r>
+              <a:rPr kumimoji="0" lang="da-DK" sz="1600" b="0" i="0" u="none" strike="noStrike" cap="none" spc="0" normalizeH="0" baseline="0" dirty="0" err="1">
+                <a:ln>
+                  <a:noFill/>
+                </a:ln>
+                <a:solidFill>
+                  <a:schemeClr val="bg1"/>
+                </a:solidFill>
+                <a:effectLst/>
+                <a:uFillTx/>
+                <a:latin typeface="+mn-lt"/>
+                <a:ea typeface="+mn-ea"/>
+                <a:cs typeface="+mn-cs"/>
+                <a:sym typeface="Arial"/>
+              </a:rPr>
+              <a:t>Wavelength</a:t>
+            </a:r>
+            <a:endParaRPr kumimoji="0" lang="da-DK" sz="1600" b="0" i="0" u="none" strike="noStrike" cap="none" spc="0" normalizeH="0" baseline="0" dirty="0">
+              <a:ln>
+                <a:noFill/>
+              </a:ln>
+              <a:solidFill>
+                <a:schemeClr val="bg1"/>
+              </a:solidFill>
+              <a:effectLst/>
+              <a:uFillTx/>
+              <a:latin typeface="+mn-lt"/>
+              <a:ea typeface="+mn-ea"/>
+              <a:cs typeface="+mn-cs"/>
+              <a:sym typeface="Arial"/>
+            </a:endParaRPr>
+          </a:p>
+        </p:txBody>
+      </p:sp>
+      <p:sp>
+        <p:nvSpPr>
+          <p:cNvPr id="34" name="TextBox 33">
+            <a:extLst>
+              <a:ext uri="{FF2B5EF4-FFF2-40B4-BE49-F238E27FC236}">
+                <a16:creationId xmlns:a16="http://schemas.microsoft.com/office/drawing/2014/main" id="{3A5AD564-8807-5B49-B4A7-1B9112E863EE}"/>
+              </a:ext>
+            </a:extLst>
+          </p:cNvPr>
+          <p:cNvSpPr txBox="1"/>
+          <p:nvPr/>
+        </p:nvSpPr>
+        <p:spPr>
+          <a:xfrm>
+            <a:off x="9700480" y="2024324"/>
+            <a:ext cx="2187935" cy="361637"/>
+          </a:xfrm>
+          <a:prstGeom prst="rect">
+            <a:avLst/>
+          </a:prstGeom>
+          <a:noFill/>
+          <a:ln w="12700" cap="flat">
+            <a:noFill/>
+            <a:miter lim="400000"/>
+          </a:ln>
+          <a:effectLst/>
+          <a:sp3d/>
+        </p:spPr>
+        <p:style>
+          <a:lnRef idx="0">
+            <a:scrgbClr r="0" g="0" b="0"/>
+          </a:lnRef>
+          <a:fillRef idx="0">
+            <a:scrgbClr r="0" g="0" b="0"/>
+          </a:fillRef>
+          <a:effectRef idx="0">
+            <a:scrgbClr r="0" g="0" b="0"/>
+          </a:effectRef>
+          <a:fontRef idx="none"/>
+        </p:style>
+        <p:txBody>
+          <a:bodyPr rot="0" spcFirstLastPara="1" vertOverflow="overflow" horzOverflow="overflow" vert="horz" wrap="square" lIns="0" tIns="0" rIns="0" bIns="0" numCol="1" spcCol="38100" rtlCol="0" anchor="t">
+            <a:spAutoFit/>
+          </a:bodyPr>
+          <a:lstStyle/>
+          <a:p>
+            <a:pPr marL="0" marR="0" indent="0" algn="l" defTabSz="914400" rtl="0" fontAlgn="auto" latinLnBrk="0" hangingPunct="0">
+              <a:lnSpc>
+                <a:spcPct val="100000"/>
+              </a:lnSpc>
+              <a:spcBef>
+                <a:spcPts val="900"/>
+              </a:spcBef>
+              <a:spcAft>
+                <a:spcPts val="0"/>
+              </a:spcAft>
+              <a:buClrTx/>
+              <a:buSzTx/>
+              <a:buFontTx/>
+              <a:buNone/>
+              <a:tabLst/>
+            </a:pPr>
+            <a:r>
+              <a:rPr kumimoji="0" lang="da-DK" sz="1600" b="0" i="0" u="none" strike="noStrike" cap="none" spc="0" normalizeH="0" baseline="0" dirty="0" err="1">
+                <a:ln>
+                  <a:noFill/>
+                </a:ln>
+                <a:solidFill>
+                  <a:schemeClr val="bg1"/>
+                </a:solidFill>
+                <a:effectLst/>
+                <a:uFillTx/>
+                <a:latin typeface="+mn-lt"/>
+                <a:ea typeface="+mn-ea"/>
+                <a:cs typeface="+mn-cs"/>
+                <a:sym typeface="Arial"/>
+              </a:rPr>
+              <a:t>Divergence</a:t>
+            </a:r>
+            <a:endParaRPr kumimoji="0" lang="da-DK" sz="1600" b="0" i="0" u="none" strike="noStrike" cap="none" spc="0" normalizeH="0" baseline="0" dirty="0">
+              <a:ln>
+                <a:noFill/>
+              </a:ln>
+              <a:solidFill>
+                <a:schemeClr val="bg1"/>
+              </a:solidFill>
+              <a:effectLst/>
+              <a:uFillTx/>
+              <a:latin typeface="+mn-lt"/>
+              <a:ea typeface="+mn-ea"/>
+              <a:cs typeface="+mn-cs"/>
+              <a:sym typeface="Arial"/>
+            </a:endParaRPr>
+          </a:p>
+        </p:txBody>
+      </p:sp>
+      <p:sp>
+        <p:nvSpPr>
+          <p:cNvPr id="35" name="TextBox 34">
+            <a:extLst>
+              <a:ext uri="{FF2B5EF4-FFF2-40B4-BE49-F238E27FC236}">
+                <a16:creationId xmlns:a16="http://schemas.microsoft.com/office/drawing/2014/main" id="{4C6AF80E-59D7-244A-9A2C-F81BA93C4C12}"/>
+              </a:ext>
+            </a:extLst>
+          </p:cNvPr>
+          <p:cNvSpPr txBox="1"/>
+          <p:nvPr/>
+        </p:nvSpPr>
+        <p:spPr>
+          <a:xfrm>
+            <a:off x="9262043" y="4222955"/>
+            <a:ext cx="2187935" cy="361637"/>
+          </a:xfrm>
+          <a:prstGeom prst="rect">
+            <a:avLst/>
+          </a:prstGeom>
+          <a:noFill/>
+          <a:ln w="12700" cap="flat">
+            <a:noFill/>
+            <a:miter lim="400000"/>
+          </a:ln>
+          <a:effectLst/>
+          <a:sp3d/>
+        </p:spPr>
+        <p:style>
+          <a:lnRef idx="0">
+            <a:scrgbClr r="0" g="0" b="0"/>
+          </a:lnRef>
+          <a:fillRef idx="0">
+            <a:scrgbClr r="0" g="0" b="0"/>
+          </a:fillRef>
+          <a:effectRef idx="0">
+            <a:scrgbClr r="0" g="0" b="0"/>
+          </a:effectRef>
+          <a:fontRef idx="none"/>
+        </p:style>
+        <p:txBody>
+          <a:bodyPr rot="0" spcFirstLastPara="1" vertOverflow="overflow" horzOverflow="overflow" vert="horz" wrap="square" lIns="0" tIns="0" rIns="0" bIns="0" numCol="1" spcCol="38100" rtlCol="0" anchor="t">
+            <a:spAutoFit/>
+          </a:bodyPr>
+          <a:lstStyle/>
+          <a:p>
+            <a:pPr marL="0" marR="0" indent="0" algn="l" defTabSz="914400" rtl="0" fontAlgn="auto" latinLnBrk="0" hangingPunct="0">
+              <a:lnSpc>
+                <a:spcPct val="100000"/>
+              </a:lnSpc>
+              <a:spcBef>
+                <a:spcPts val="900"/>
+              </a:spcBef>
+              <a:spcAft>
+                <a:spcPts val="0"/>
+              </a:spcAft>
+              <a:buClrTx/>
+              <a:buSzTx/>
+              <a:buFontTx/>
+              <a:buNone/>
+              <a:tabLst/>
+            </a:pPr>
+            <a:r>
+              <a:rPr lang="da-DK" dirty="0">
+                <a:solidFill>
+                  <a:schemeClr val="bg1"/>
+                </a:solidFill>
+              </a:rPr>
+              <a:t>Position - </a:t>
+            </a:r>
+            <a:r>
+              <a:rPr lang="da-DK" dirty="0" err="1">
+                <a:solidFill>
+                  <a:schemeClr val="bg1"/>
+                </a:solidFill>
+              </a:rPr>
+              <a:t>Divergence</a:t>
+            </a:r>
+            <a:endParaRPr kumimoji="0" lang="da-DK" sz="1600" b="0" i="0" u="none" strike="noStrike" cap="none" spc="0" normalizeH="0" baseline="0" dirty="0">
+              <a:ln>
+                <a:noFill/>
+              </a:ln>
+              <a:solidFill>
+                <a:schemeClr val="bg1"/>
+              </a:solidFill>
+              <a:effectLst/>
+              <a:uFillTx/>
+              <a:latin typeface="+mn-lt"/>
+              <a:ea typeface="+mn-ea"/>
+              <a:cs typeface="+mn-cs"/>
+              <a:sym typeface="Arial"/>
+            </a:endParaRPr>
+          </a:p>
+        </p:txBody>
+      </p:sp>
     </p:spTree>
     <p:extLst>
       <p:ext uri="{BB962C8B-B14F-4D97-AF65-F5344CB8AC3E}">
-        <p14:creationId xmlns:p14="http://schemas.microsoft.com/office/powerpoint/2010/main" val="3379401465"/>
+        <p14:creationId xmlns:p14="http://schemas.microsoft.com/office/powerpoint/2010/main" val="1529100227"/>
       </p:ext>
     </p:extLst>
   </p:cSld>
@@ -11783,7 +14736,7 @@
 </p:sld>
 </file>
 
-<file path=ppt/slides/slide13.xml><?xml version="1.0" encoding="utf-8"?>
+<file path=ppt/slides/slide15.xml><?xml version="1.0" encoding="utf-8"?>
 <p:sld xmlns:a="http://schemas.openxmlformats.org/drawingml/2006/main" xmlns:r="http://schemas.openxmlformats.org/officeDocument/2006/relationships" xmlns:p="http://schemas.openxmlformats.org/presentationml/2006/main">
   <p:cSld>
     <p:spTree>
@@ -11825,6 +14778,1121 @@
           <a:p>
             <a:r>
               <a:rPr lang="da-DK" dirty="0" err="1"/>
+              <a:t>Comparison</a:t>
+            </a:r>
+            <a:r>
+              <a:rPr lang="da-DK" dirty="0"/>
+              <a:t>: </a:t>
+            </a:r>
+            <a:r>
+              <a:rPr lang="da-DK" dirty="0" err="1"/>
+              <a:t>Guide_gravity</a:t>
+            </a:r>
+            <a:r>
+              <a:rPr lang="da-DK" dirty="0"/>
+              <a:t> and </a:t>
+            </a:r>
+            <a:r>
+              <a:rPr lang="da-DK" dirty="0" err="1"/>
+              <a:t>Elliptic_guide_gravity</a:t>
+            </a:r>
+            <a:endParaRPr lang="da-DK" dirty="0"/>
+          </a:p>
+        </p:txBody>
+      </p:sp>
+      <p:sp>
+        <p:nvSpPr>
+          <p:cNvPr id="252" name="Slide Number Placeholder 3"/>
+          <p:cNvSpPr txBox="1">
+            <a:spLocks noGrp="1"/>
+          </p:cNvSpPr>
+          <p:nvPr>
+            <p:ph type="sldNum" sz="quarter" idx="2"/>
+          </p:nvPr>
+        </p:nvSpPr>
+        <p:spPr>
+          <a:xfrm>
+            <a:off x="11506450" y="6636099"/>
+            <a:ext cx="127001" cy="127001"/>
+          </a:xfrm>
+          <a:prstGeom prst="rect">
+            <a:avLst/>
+          </a:prstGeom>
+          <a:extLst>
+            <a:ext uri="{C572A759-6A51-4108-AA02-DFA0A04FC94B}">
+              <ma14:wrappingTextBoxFlag xmlns="" xmlns:m="http://schemas.openxmlformats.org/officeDocument/2006/math" xmlns:a14="http://schemas.microsoft.com/office/drawing/2010/main" xmlns:ma14="http://schemas.microsoft.com/office/mac/drawingml/2011/main" val="1"/>
+            </a:ext>
+          </a:extLst>
+        </p:spPr>
+        <p:txBody>
+          <a:bodyPr/>
+          <a:lstStyle/>
+          <a:p>
+            <a:fld id="{86CB4B4D-7CA3-9044-876B-883B54F8677D}" type="slidenum">
+              <a:t>15</a:t>
+            </a:fld>
+            <a:endParaRPr/>
+          </a:p>
+        </p:txBody>
+      </p:sp>
+      <p:pic>
+        <p:nvPicPr>
+          <p:cNvPr id="7" name="Picture 6">
+            <a:extLst>
+              <a:ext uri="{FF2B5EF4-FFF2-40B4-BE49-F238E27FC236}">
+                <a16:creationId xmlns:a16="http://schemas.microsoft.com/office/drawing/2014/main" id="{CB3E7670-ADBE-7E4A-9B38-2AAD8E75519C}"/>
+              </a:ext>
+            </a:extLst>
+          </p:cNvPr>
+          <p:cNvPicPr>
+            <a:picLocks noChangeAspect="1"/>
+          </p:cNvPicPr>
+          <p:nvPr/>
+        </p:nvPicPr>
+        <p:blipFill>
+          <a:blip r:embed="rId3">
+            <a:extLst>
+              <a:ext uri="{28A0092B-C50C-407E-A947-70E740481C1C}">
+                <a14:useLocalDpi xmlns:a14="http://schemas.microsoft.com/office/drawing/2010/main" val="0"/>
+              </a:ext>
+            </a:extLst>
+          </a:blip>
+          <a:stretch>
+            <a:fillRect/>
+          </a:stretch>
+        </p:blipFill>
+        <p:spPr>
+          <a:xfrm>
+            <a:off x="6704087" y="2407533"/>
+            <a:ext cx="5314689" cy="3598923"/>
+          </a:xfrm>
+          <a:prstGeom prst="rect">
+            <a:avLst/>
+          </a:prstGeom>
+        </p:spPr>
+      </p:pic>
+      <p:pic>
+        <p:nvPicPr>
+          <p:cNvPr id="6" name="Picture 5">
+            <a:extLst>
+              <a:ext uri="{FF2B5EF4-FFF2-40B4-BE49-F238E27FC236}">
+                <a16:creationId xmlns:a16="http://schemas.microsoft.com/office/drawing/2014/main" id="{B6830061-94A3-8A40-9695-716AB693E4AD}"/>
+              </a:ext>
+            </a:extLst>
+          </p:cNvPr>
+          <p:cNvPicPr>
+            <a:picLocks noChangeAspect="1"/>
+          </p:cNvPicPr>
+          <p:nvPr/>
+        </p:nvPicPr>
+        <p:blipFill>
+          <a:blip r:embed="rId4">
+            <a:extLst>
+              <a:ext uri="{28A0092B-C50C-407E-A947-70E740481C1C}">
+                <a14:useLocalDpi xmlns:a14="http://schemas.microsoft.com/office/drawing/2010/main" val="0"/>
+              </a:ext>
+            </a:extLst>
+          </a:blip>
+          <a:stretch>
+            <a:fillRect/>
+          </a:stretch>
+        </p:blipFill>
+        <p:spPr>
+          <a:xfrm>
+            <a:off x="1512266" y="2407533"/>
+            <a:ext cx="5140166" cy="3598923"/>
+          </a:xfrm>
+          <a:prstGeom prst="rect">
+            <a:avLst/>
+          </a:prstGeom>
+        </p:spPr>
+      </p:pic>
+      <p:sp>
+        <p:nvSpPr>
+          <p:cNvPr id="8" name="TextBox 7">
+            <a:extLst>
+              <a:ext uri="{FF2B5EF4-FFF2-40B4-BE49-F238E27FC236}">
+                <a16:creationId xmlns:a16="http://schemas.microsoft.com/office/drawing/2014/main" id="{12A5199F-E3A8-0E47-88F6-E6E409970381}"/>
+              </a:ext>
+            </a:extLst>
+          </p:cNvPr>
+          <p:cNvSpPr txBox="1"/>
+          <p:nvPr/>
+        </p:nvSpPr>
+        <p:spPr>
+          <a:xfrm>
+            <a:off x="2314937" y="1828800"/>
+            <a:ext cx="3565002" cy="453970"/>
+          </a:xfrm>
+          <a:prstGeom prst="rect">
+            <a:avLst/>
+          </a:prstGeom>
+          <a:noFill/>
+          <a:ln w="12700" cap="flat">
+            <a:noFill/>
+            <a:miter lim="400000"/>
+          </a:ln>
+          <a:effectLst/>
+          <a:sp3d/>
+        </p:spPr>
+        <p:style>
+          <a:lnRef idx="0">
+            <a:scrgbClr r="0" g="0" b="0"/>
+          </a:lnRef>
+          <a:fillRef idx="0">
+            <a:scrgbClr r="0" g="0" b="0"/>
+          </a:fillRef>
+          <a:effectRef idx="0">
+            <a:scrgbClr r="0" g="0" b="0"/>
+          </a:effectRef>
+          <a:fontRef idx="none"/>
+        </p:style>
+        <p:txBody>
+          <a:bodyPr rot="0" spcFirstLastPara="1" vertOverflow="overflow" horzOverflow="overflow" vert="horz" wrap="square" lIns="0" tIns="0" rIns="0" bIns="0" numCol="1" spcCol="38100" rtlCol="0" anchor="t">
+            <a:spAutoFit/>
+          </a:bodyPr>
+          <a:lstStyle/>
+          <a:p>
+            <a:pPr marL="0" marR="0" indent="0" algn="ctr" defTabSz="914400" rtl="0" fontAlgn="auto" latinLnBrk="0" hangingPunct="0">
+              <a:lnSpc>
+                <a:spcPct val="100000"/>
+              </a:lnSpc>
+              <a:spcBef>
+                <a:spcPts val="900"/>
+              </a:spcBef>
+              <a:spcAft>
+                <a:spcPts val="0"/>
+              </a:spcAft>
+              <a:buClrTx/>
+              <a:buSzTx/>
+              <a:buFontTx/>
+              <a:buNone/>
+              <a:tabLst/>
+            </a:pPr>
+            <a:r>
+              <a:rPr kumimoji="0" lang="da-DK" sz="2200" b="0" i="0" u="none" strike="noStrike" cap="none" spc="0" normalizeH="0" baseline="0" dirty="0" err="1">
+                <a:ln>
+                  <a:noFill/>
+                </a:ln>
+                <a:solidFill>
+                  <a:srgbClr val="000000"/>
+                </a:solidFill>
+                <a:effectLst/>
+                <a:uFillTx/>
+                <a:latin typeface="+mn-lt"/>
+                <a:ea typeface="+mn-ea"/>
+                <a:cs typeface="+mn-cs"/>
+                <a:sym typeface="Arial"/>
+              </a:rPr>
+              <a:t>Guide_gravity</a:t>
+            </a:r>
+            <a:endParaRPr kumimoji="0" lang="da-DK" sz="2200" b="0" i="0" u="none" strike="noStrike" cap="none" spc="0" normalizeH="0" baseline="0" dirty="0">
+              <a:ln>
+                <a:noFill/>
+              </a:ln>
+              <a:solidFill>
+                <a:srgbClr val="000000"/>
+              </a:solidFill>
+              <a:effectLst/>
+              <a:uFillTx/>
+              <a:latin typeface="+mn-lt"/>
+              <a:ea typeface="+mn-ea"/>
+              <a:cs typeface="+mn-cs"/>
+              <a:sym typeface="Arial"/>
+            </a:endParaRPr>
+          </a:p>
+        </p:txBody>
+      </p:sp>
+      <p:sp>
+        <p:nvSpPr>
+          <p:cNvPr id="12" name="TextBox 11">
+            <a:extLst>
+              <a:ext uri="{FF2B5EF4-FFF2-40B4-BE49-F238E27FC236}">
+                <a16:creationId xmlns:a16="http://schemas.microsoft.com/office/drawing/2014/main" id="{413843FC-F812-1B46-8CEB-1A70687A0E2F}"/>
+              </a:ext>
+            </a:extLst>
+          </p:cNvPr>
+          <p:cNvSpPr txBox="1"/>
+          <p:nvPr/>
+        </p:nvSpPr>
+        <p:spPr>
+          <a:xfrm>
+            <a:off x="7578930" y="1828800"/>
+            <a:ext cx="3565002" cy="453970"/>
+          </a:xfrm>
+          <a:prstGeom prst="rect">
+            <a:avLst/>
+          </a:prstGeom>
+          <a:noFill/>
+          <a:ln w="12700" cap="flat">
+            <a:noFill/>
+            <a:miter lim="400000"/>
+          </a:ln>
+          <a:effectLst/>
+          <a:sp3d/>
+        </p:spPr>
+        <p:style>
+          <a:lnRef idx="0">
+            <a:scrgbClr r="0" g="0" b="0"/>
+          </a:lnRef>
+          <a:fillRef idx="0">
+            <a:scrgbClr r="0" g="0" b="0"/>
+          </a:fillRef>
+          <a:effectRef idx="0">
+            <a:scrgbClr r="0" g="0" b="0"/>
+          </a:effectRef>
+          <a:fontRef idx="none"/>
+        </p:style>
+        <p:txBody>
+          <a:bodyPr rot="0" spcFirstLastPara="1" vertOverflow="overflow" horzOverflow="overflow" vert="horz" wrap="square" lIns="0" tIns="0" rIns="0" bIns="0" numCol="1" spcCol="38100" rtlCol="0" anchor="t">
+            <a:spAutoFit/>
+          </a:bodyPr>
+          <a:lstStyle/>
+          <a:p>
+            <a:pPr marL="0" marR="0" indent="0" algn="ctr" defTabSz="914400" rtl="0" fontAlgn="auto" latinLnBrk="0" hangingPunct="0">
+              <a:lnSpc>
+                <a:spcPct val="100000"/>
+              </a:lnSpc>
+              <a:spcBef>
+                <a:spcPts val="900"/>
+              </a:spcBef>
+              <a:spcAft>
+                <a:spcPts val="0"/>
+              </a:spcAft>
+              <a:buClrTx/>
+              <a:buSzTx/>
+              <a:buFontTx/>
+              <a:buNone/>
+              <a:tabLst/>
+            </a:pPr>
+            <a:r>
+              <a:rPr kumimoji="0" lang="da-DK" sz="2200" b="0" i="0" u="none" strike="noStrike" cap="none" spc="0" normalizeH="0" baseline="0" dirty="0" err="1">
+                <a:ln>
+                  <a:noFill/>
+                </a:ln>
+                <a:solidFill>
+                  <a:srgbClr val="000000"/>
+                </a:solidFill>
+                <a:effectLst/>
+                <a:uFillTx/>
+                <a:latin typeface="+mn-lt"/>
+                <a:ea typeface="+mn-ea"/>
+                <a:cs typeface="+mn-cs"/>
+                <a:sym typeface="Arial"/>
+              </a:rPr>
+              <a:t>Elliptic_guide_gravity</a:t>
+            </a:r>
+            <a:endParaRPr kumimoji="0" lang="da-DK" sz="2200" b="0" i="0" u="none" strike="noStrike" cap="none" spc="0" normalizeH="0" baseline="0" dirty="0">
+              <a:ln>
+                <a:noFill/>
+              </a:ln>
+              <a:solidFill>
+                <a:srgbClr val="000000"/>
+              </a:solidFill>
+              <a:effectLst/>
+              <a:uFillTx/>
+              <a:latin typeface="+mn-lt"/>
+              <a:ea typeface="+mn-ea"/>
+              <a:cs typeface="+mn-cs"/>
+              <a:sym typeface="Arial"/>
+            </a:endParaRPr>
+          </a:p>
+        </p:txBody>
+      </p:sp>
+      <p:sp>
+        <p:nvSpPr>
+          <p:cNvPr id="17" name="TextBox 16">
+            <a:extLst>
+              <a:ext uri="{FF2B5EF4-FFF2-40B4-BE49-F238E27FC236}">
+                <a16:creationId xmlns:a16="http://schemas.microsoft.com/office/drawing/2014/main" id="{85BFF7E2-FD8B-EF48-9B6B-E1B490BB3117}"/>
+              </a:ext>
+            </a:extLst>
+          </p:cNvPr>
+          <p:cNvSpPr txBox="1"/>
+          <p:nvPr/>
+        </p:nvSpPr>
+        <p:spPr>
+          <a:xfrm>
+            <a:off x="7581416" y="2327272"/>
+            <a:ext cx="1863524" cy="361637"/>
+          </a:xfrm>
+          <a:prstGeom prst="rect">
+            <a:avLst/>
+          </a:prstGeom>
+          <a:noFill/>
+          <a:ln w="12700" cap="flat">
+            <a:noFill/>
+            <a:miter lim="400000"/>
+          </a:ln>
+          <a:effectLst/>
+          <a:sp3d/>
+        </p:spPr>
+        <p:style>
+          <a:lnRef idx="0">
+            <a:scrgbClr r="0" g="0" b="0"/>
+          </a:lnRef>
+          <a:fillRef idx="0">
+            <a:scrgbClr r="0" g="0" b="0"/>
+          </a:fillRef>
+          <a:effectRef idx="0">
+            <a:scrgbClr r="0" g="0" b="0"/>
+          </a:effectRef>
+          <a:fontRef idx="none"/>
+        </p:style>
+        <p:txBody>
+          <a:bodyPr rot="0" spcFirstLastPara="1" vertOverflow="overflow" horzOverflow="overflow" vert="horz" wrap="square" lIns="0" tIns="0" rIns="0" bIns="0" numCol="1" spcCol="38100" rtlCol="0" anchor="t">
+            <a:spAutoFit/>
+          </a:bodyPr>
+          <a:lstStyle/>
+          <a:p>
+            <a:pPr marL="0" marR="0" indent="0" algn="l" defTabSz="914400" rtl="0" fontAlgn="auto" latinLnBrk="0" hangingPunct="0">
+              <a:lnSpc>
+                <a:spcPct val="100000"/>
+              </a:lnSpc>
+              <a:spcBef>
+                <a:spcPts val="900"/>
+              </a:spcBef>
+              <a:spcAft>
+                <a:spcPts val="0"/>
+              </a:spcAft>
+              <a:buClrTx/>
+              <a:buSzTx/>
+              <a:buFontTx/>
+              <a:buNone/>
+              <a:tabLst/>
+            </a:pPr>
+            <a:r>
+              <a:rPr kumimoji="0" lang="da-DK" sz="1600" b="0" i="0" u="none" strike="noStrike" cap="none" spc="0" normalizeH="0" baseline="0" dirty="0">
+                <a:ln>
+                  <a:noFill/>
+                </a:ln>
+                <a:solidFill>
+                  <a:schemeClr val="bg1"/>
+                </a:solidFill>
+                <a:effectLst/>
+                <a:uFillTx/>
+                <a:latin typeface="+mn-lt"/>
+                <a:ea typeface="+mn-ea"/>
+                <a:cs typeface="+mn-cs"/>
+                <a:sym typeface="Arial"/>
+              </a:rPr>
+              <a:t>Position</a:t>
+            </a:r>
+          </a:p>
+        </p:txBody>
+      </p:sp>
+      <p:sp>
+        <p:nvSpPr>
+          <p:cNvPr id="18" name="TextBox 17">
+            <a:extLst>
+              <a:ext uri="{FF2B5EF4-FFF2-40B4-BE49-F238E27FC236}">
+                <a16:creationId xmlns:a16="http://schemas.microsoft.com/office/drawing/2014/main" id="{4F1CEEAA-DF86-FD44-9AFF-91E3075E2EAD}"/>
+              </a:ext>
+            </a:extLst>
+          </p:cNvPr>
+          <p:cNvSpPr txBox="1"/>
+          <p:nvPr/>
+        </p:nvSpPr>
+        <p:spPr>
+          <a:xfrm>
+            <a:off x="7497907" y="4136502"/>
+            <a:ext cx="1863524" cy="361637"/>
+          </a:xfrm>
+          <a:prstGeom prst="rect">
+            <a:avLst/>
+          </a:prstGeom>
+          <a:noFill/>
+          <a:ln w="12700" cap="flat">
+            <a:noFill/>
+            <a:miter lim="400000"/>
+          </a:ln>
+          <a:effectLst/>
+          <a:sp3d/>
+        </p:spPr>
+        <p:style>
+          <a:lnRef idx="0">
+            <a:scrgbClr r="0" g="0" b="0"/>
+          </a:lnRef>
+          <a:fillRef idx="0">
+            <a:scrgbClr r="0" g="0" b="0"/>
+          </a:fillRef>
+          <a:effectRef idx="0">
+            <a:scrgbClr r="0" g="0" b="0"/>
+          </a:effectRef>
+          <a:fontRef idx="none"/>
+        </p:style>
+        <p:txBody>
+          <a:bodyPr rot="0" spcFirstLastPara="1" vertOverflow="overflow" horzOverflow="overflow" vert="horz" wrap="square" lIns="0" tIns="0" rIns="0" bIns="0" numCol="1" spcCol="38100" rtlCol="0" anchor="t">
+            <a:spAutoFit/>
+          </a:bodyPr>
+          <a:lstStyle/>
+          <a:p>
+            <a:pPr marL="0" marR="0" indent="0" algn="l" defTabSz="914400" rtl="0" fontAlgn="auto" latinLnBrk="0" hangingPunct="0">
+              <a:lnSpc>
+                <a:spcPct val="100000"/>
+              </a:lnSpc>
+              <a:spcBef>
+                <a:spcPts val="900"/>
+              </a:spcBef>
+              <a:spcAft>
+                <a:spcPts val="0"/>
+              </a:spcAft>
+              <a:buClrTx/>
+              <a:buSzTx/>
+              <a:buFontTx/>
+              <a:buNone/>
+              <a:tabLst/>
+            </a:pPr>
+            <a:r>
+              <a:rPr kumimoji="0" lang="da-DK" sz="1600" b="0" i="0" u="none" strike="noStrike" cap="none" spc="0" normalizeH="0" baseline="0" dirty="0" err="1">
+                <a:ln>
+                  <a:noFill/>
+                </a:ln>
+                <a:solidFill>
+                  <a:schemeClr val="bg1"/>
+                </a:solidFill>
+                <a:effectLst/>
+                <a:uFillTx/>
+                <a:latin typeface="+mn-lt"/>
+                <a:ea typeface="+mn-ea"/>
+                <a:cs typeface="+mn-cs"/>
+                <a:sym typeface="Arial"/>
+              </a:rPr>
+              <a:t>Wavelength</a:t>
+            </a:r>
+            <a:endParaRPr kumimoji="0" lang="da-DK" sz="1600" b="0" i="0" u="none" strike="noStrike" cap="none" spc="0" normalizeH="0" baseline="0" dirty="0">
+              <a:ln>
+                <a:noFill/>
+              </a:ln>
+              <a:solidFill>
+                <a:schemeClr val="bg1"/>
+              </a:solidFill>
+              <a:effectLst/>
+              <a:uFillTx/>
+              <a:latin typeface="+mn-lt"/>
+              <a:ea typeface="+mn-ea"/>
+              <a:cs typeface="+mn-cs"/>
+              <a:sym typeface="Arial"/>
+            </a:endParaRPr>
+          </a:p>
+        </p:txBody>
+      </p:sp>
+      <p:sp>
+        <p:nvSpPr>
+          <p:cNvPr id="19" name="TextBox 18">
+            <a:extLst>
+              <a:ext uri="{FF2B5EF4-FFF2-40B4-BE49-F238E27FC236}">
+                <a16:creationId xmlns:a16="http://schemas.microsoft.com/office/drawing/2014/main" id="{53E25272-956A-2B40-9661-381EA7D6E1F1}"/>
+              </a:ext>
+            </a:extLst>
+          </p:cNvPr>
+          <p:cNvSpPr txBox="1"/>
+          <p:nvPr/>
+        </p:nvSpPr>
+        <p:spPr>
+          <a:xfrm>
+            <a:off x="10105595" y="2314452"/>
+            <a:ext cx="2187935" cy="361637"/>
+          </a:xfrm>
+          <a:prstGeom prst="rect">
+            <a:avLst/>
+          </a:prstGeom>
+          <a:noFill/>
+          <a:ln w="12700" cap="flat">
+            <a:noFill/>
+            <a:miter lim="400000"/>
+          </a:ln>
+          <a:effectLst/>
+          <a:sp3d/>
+        </p:spPr>
+        <p:style>
+          <a:lnRef idx="0">
+            <a:scrgbClr r="0" g="0" b="0"/>
+          </a:lnRef>
+          <a:fillRef idx="0">
+            <a:scrgbClr r="0" g="0" b="0"/>
+          </a:fillRef>
+          <a:effectRef idx="0">
+            <a:scrgbClr r="0" g="0" b="0"/>
+          </a:effectRef>
+          <a:fontRef idx="none"/>
+        </p:style>
+        <p:txBody>
+          <a:bodyPr rot="0" spcFirstLastPara="1" vertOverflow="overflow" horzOverflow="overflow" vert="horz" wrap="square" lIns="0" tIns="0" rIns="0" bIns="0" numCol="1" spcCol="38100" rtlCol="0" anchor="t">
+            <a:spAutoFit/>
+          </a:bodyPr>
+          <a:lstStyle/>
+          <a:p>
+            <a:pPr marL="0" marR="0" indent="0" algn="l" defTabSz="914400" rtl="0" fontAlgn="auto" latinLnBrk="0" hangingPunct="0">
+              <a:lnSpc>
+                <a:spcPct val="100000"/>
+              </a:lnSpc>
+              <a:spcBef>
+                <a:spcPts val="900"/>
+              </a:spcBef>
+              <a:spcAft>
+                <a:spcPts val="0"/>
+              </a:spcAft>
+              <a:buClrTx/>
+              <a:buSzTx/>
+              <a:buFontTx/>
+              <a:buNone/>
+              <a:tabLst/>
+            </a:pPr>
+            <a:r>
+              <a:rPr kumimoji="0" lang="da-DK" sz="1600" b="0" i="0" u="none" strike="noStrike" cap="none" spc="0" normalizeH="0" baseline="0" dirty="0" err="1">
+                <a:ln>
+                  <a:noFill/>
+                </a:ln>
+                <a:solidFill>
+                  <a:schemeClr val="bg1"/>
+                </a:solidFill>
+                <a:effectLst/>
+                <a:uFillTx/>
+                <a:latin typeface="+mn-lt"/>
+                <a:ea typeface="+mn-ea"/>
+                <a:cs typeface="+mn-cs"/>
+                <a:sym typeface="Arial"/>
+              </a:rPr>
+              <a:t>Divergence</a:t>
+            </a:r>
+            <a:endParaRPr kumimoji="0" lang="da-DK" sz="1600" b="0" i="0" u="none" strike="noStrike" cap="none" spc="0" normalizeH="0" baseline="0" dirty="0">
+              <a:ln>
+                <a:noFill/>
+              </a:ln>
+              <a:solidFill>
+                <a:schemeClr val="bg1"/>
+              </a:solidFill>
+              <a:effectLst/>
+              <a:uFillTx/>
+              <a:latin typeface="+mn-lt"/>
+              <a:ea typeface="+mn-ea"/>
+              <a:cs typeface="+mn-cs"/>
+              <a:sym typeface="Arial"/>
+            </a:endParaRPr>
+          </a:p>
+        </p:txBody>
+      </p:sp>
+      <p:sp>
+        <p:nvSpPr>
+          <p:cNvPr id="20" name="TextBox 19">
+            <a:extLst>
+              <a:ext uri="{FF2B5EF4-FFF2-40B4-BE49-F238E27FC236}">
+                <a16:creationId xmlns:a16="http://schemas.microsoft.com/office/drawing/2014/main" id="{C20394F0-E9AB-B34A-9729-2FDD31D1B794}"/>
+              </a:ext>
+            </a:extLst>
+          </p:cNvPr>
+          <p:cNvSpPr txBox="1"/>
+          <p:nvPr/>
+        </p:nvSpPr>
+        <p:spPr>
+          <a:xfrm>
+            <a:off x="9690307" y="4147468"/>
+            <a:ext cx="2187935" cy="361637"/>
+          </a:xfrm>
+          <a:prstGeom prst="rect">
+            <a:avLst/>
+          </a:prstGeom>
+          <a:noFill/>
+          <a:ln w="12700" cap="flat">
+            <a:noFill/>
+            <a:miter lim="400000"/>
+          </a:ln>
+          <a:effectLst/>
+          <a:sp3d/>
+        </p:spPr>
+        <p:style>
+          <a:lnRef idx="0">
+            <a:scrgbClr r="0" g="0" b="0"/>
+          </a:lnRef>
+          <a:fillRef idx="0">
+            <a:scrgbClr r="0" g="0" b="0"/>
+          </a:fillRef>
+          <a:effectRef idx="0">
+            <a:scrgbClr r="0" g="0" b="0"/>
+          </a:effectRef>
+          <a:fontRef idx="none"/>
+        </p:style>
+        <p:txBody>
+          <a:bodyPr rot="0" spcFirstLastPara="1" vertOverflow="overflow" horzOverflow="overflow" vert="horz" wrap="square" lIns="0" tIns="0" rIns="0" bIns="0" numCol="1" spcCol="38100" rtlCol="0" anchor="t">
+            <a:spAutoFit/>
+          </a:bodyPr>
+          <a:lstStyle/>
+          <a:p>
+            <a:pPr marL="0" marR="0" indent="0" algn="l" defTabSz="914400" rtl="0" fontAlgn="auto" latinLnBrk="0" hangingPunct="0">
+              <a:lnSpc>
+                <a:spcPct val="100000"/>
+              </a:lnSpc>
+              <a:spcBef>
+                <a:spcPts val="900"/>
+              </a:spcBef>
+              <a:spcAft>
+                <a:spcPts val="0"/>
+              </a:spcAft>
+              <a:buClrTx/>
+              <a:buSzTx/>
+              <a:buFontTx/>
+              <a:buNone/>
+              <a:tabLst/>
+            </a:pPr>
+            <a:r>
+              <a:rPr lang="da-DK" dirty="0">
+                <a:solidFill>
+                  <a:schemeClr val="bg1"/>
+                </a:solidFill>
+              </a:rPr>
+              <a:t>Position - </a:t>
+            </a:r>
+            <a:r>
+              <a:rPr lang="da-DK" dirty="0" err="1">
+                <a:solidFill>
+                  <a:schemeClr val="bg1"/>
+                </a:solidFill>
+              </a:rPr>
+              <a:t>Divergence</a:t>
+            </a:r>
+            <a:endParaRPr kumimoji="0" lang="da-DK" sz="1600" b="0" i="0" u="none" strike="noStrike" cap="none" spc="0" normalizeH="0" baseline="0" dirty="0">
+              <a:ln>
+                <a:noFill/>
+              </a:ln>
+              <a:solidFill>
+                <a:schemeClr val="bg1"/>
+              </a:solidFill>
+              <a:effectLst/>
+              <a:uFillTx/>
+              <a:latin typeface="+mn-lt"/>
+              <a:ea typeface="+mn-ea"/>
+              <a:cs typeface="+mn-cs"/>
+              <a:sym typeface="Arial"/>
+            </a:endParaRPr>
+          </a:p>
+        </p:txBody>
+      </p:sp>
+      <p:sp>
+        <p:nvSpPr>
+          <p:cNvPr id="21" name="TextBox 20">
+            <a:extLst>
+              <a:ext uri="{FF2B5EF4-FFF2-40B4-BE49-F238E27FC236}">
+                <a16:creationId xmlns:a16="http://schemas.microsoft.com/office/drawing/2014/main" id="{88CF93DE-7843-D748-A63F-0E1F74D031CA}"/>
+              </a:ext>
+            </a:extLst>
+          </p:cNvPr>
+          <p:cNvSpPr txBox="1"/>
+          <p:nvPr/>
+        </p:nvSpPr>
+        <p:spPr>
+          <a:xfrm>
+            <a:off x="2314937" y="2327272"/>
+            <a:ext cx="1863524" cy="361637"/>
+          </a:xfrm>
+          <a:prstGeom prst="rect">
+            <a:avLst/>
+          </a:prstGeom>
+          <a:noFill/>
+          <a:ln w="12700" cap="flat">
+            <a:noFill/>
+            <a:miter lim="400000"/>
+          </a:ln>
+          <a:effectLst/>
+          <a:sp3d/>
+        </p:spPr>
+        <p:style>
+          <a:lnRef idx="0">
+            <a:scrgbClr r="0" g="0" b="0"/>
+          </a:lnRef>
+          <a:fillRef idx="0">
+            <a:scrgbClr r="0" g="0" b="0"/>
+          </a:fillRef>
+          <a:effectRef idx="0">
+            <a:scrgbClr r="0" g="0" b="0"/>
+          </a:effectRef>
+          <a:fontRef idx="none"/>
+        </p:style>
+        <p:txBody>
+          <a:bodyPr rot="0" spcFirstLastPara="1" vertOverflow="overflow" horzOverflow="overflow" vert="horz" wrap="square" lIns="0" tIns="0" rIns="0" bIns="0" numCol="1" spcCol="38100" rtlCol="0" anchor="t">
+            <a:spAutoFit/>
+          </a:bodyPr>
+          <a:lstStyle/>
+          <a:p>
+            <a:pPr marL="0" marR="0" indent="0" algn="l" defTabSz="914400" rtl="0" fontAlgn="auto" latinLnBrk="0" hangingPunct="0">
+              <a:lnSpc>
+                <a:spcPct val="100000"/>
+              </a:lnSpc>
+              <a:spcBef>
+                <a:spcPts val="900"/>
+              </a:spcBef>
+              <a:spcAft>
+                <a:spcPts val="0"/>
+              </a:spcAft>
+              <a:buClrTx/>
+              <a:buSzTx/>
+              <a:buFontTx/>
+              <a:buNone/>
+              <a:tabLst/>
+            </a:pPr>
+            <a:r>
+              <a:rPr kumimoji="0" lang="da-DK" sz="1600" b="0" i="0" u="none" strike="noStrike" cap="none" spc="0" normalizeH="0" baseline="0" dirty="0">
+                <a:ln>
+                  <a:noFill/>
+                </a:ln>
+                <a:solidFill>
+                  <a:schemeClr val="bg1"/>
+                </a:solidFill>
+                <a:effectLst/>
+                <a:uFillTx/>
+                <a:latin typeface="+mn-lt"/>
+                <a:ea typeface="+mn-ea"/>
+                <a:cs typeface="+mn-cs"/>
+                <a:sym typeface="Arial"/>
+              </a:rPr>
+              <a:t>Position</a:t>
+            </a:r>
+          </a:p>
+        </p:txBody>
+      </p:sp>
+      <p:sp>
+        <p:nvSpPr>
+          <p:cNvPr id="22" name="TextBox 21">
+            <a:extLst>
+              <a:ext uri="{FF2B5EF4-FFF2-40B4-BE49-F238E27FC236}">
+                <a16:creationId xmlns:a16="http://schemas.microsoft.com/office/drawing/2014/main" id="{A2049BCB-16EB-C543-B64F-A115D20AC66A}"/>
+              </a:ext>
+            </a:extLst>
+          </p:cNvPr>
+          <p:cNvSpPr txBox="1"/>
+          <p:nvPr/>
+        </p:nvSpPr>
+        <p:spPr>
+          <a:xfrm>
+            <a:off x="2231428" y="4136502"/>
+            <a:ext cx="1863524" cy="361637"/>
+          </a:xfrm>
+          <a:prstGeom prst="rect">
+            <a:avLst/>
+          </a:prstGeom>
+          <a:noFill/>
+          <a:ln w="12700" cap="flat">
+            <a:noFill/>
+            <a:miter lim="400000"/>
+          </a:ln>
+          <a:effectLst/>
+          <a:sp3d/>
+        </p:spPr>
+        <p:style>
+          <a:lnRef idx="0">
+            <a:scrgbClr r="0" g="0" b="0"/>
+          </a:lnRef>
+          <a:fillRef idx="0">
+            <a:scrgbClr r="0" g="0" b="0"/>
+          </a:fillRef>
+          <a:effectRef idx="0">
+            <a:scrgbClr r="0" g="0" b="0"/>
+          </a:effectRef>
+          <a:fontRef idx="none"/>
+        </p:style>
+        <p:txBody>
+          <a:bodyPr rot="0" spcFirstLastPara="1" vertOverflow="overflow" horzOverflow="overflow" vert="horz" wrap="square" lIns="0" tIns="0" rIns="0" bIns="0" numCol="1" spcCol="38100" rtlCol="0" anchor="t">
+            <a:spAutoFit/>
+          </a:bodyPr>
+          <a:lstStyle/>
+          <a:p>
+            <a:pPr marL="0" marR="0" indent="0" algn="l" defTabSz="914400" rtl="0" fontAlgn="auto" latinLnBrk="0" hangingPunct="0">
+              <a:lnSpc>
+                <a:spcPct val="100000"/>
+              </a:lnSpc>
+              <a:spcBef>
+                <a:spcPts val="900"/>
+              </a:spcBef>
+              <a:spcAft>
+                <a:spcPts val="0"/>
+              </a:spcAft>
+              <a:buClrTx/>
+              <a:buSzTx/>
+              <a:buFontTx/>
+              <a:buNone/>
+              <a:tabLst/>
+            </a:pPr>
+            <a:r>
+              <a:rPr kumimoji="0" lang="da-DK" sz="1600" b="0" i="0" u="none" strike="noStrike" cap="none" spc="0" normalizeH="0" baseline="0" dirty="0" err="1">
+                <a:ln>
+                  <a:noFill/>
+                </a:ln>
+                <a:solidFill>
+                  <a:schemeClr val="bg1"/>
+                </a:solidFill>
+                <a:effectLst/>
+                <a:uFillTx/>
+                <a:latin typeface="+mn-lt"/>
+                <a:ea typeface="+mn-ea"/>
+                <a:cs typeface="+mn-cs"/>
+                <a:sym typeface="Arial"/>
+              </a:rPr>
+              <a:t>Wavelength</a:t>
+            </a:r>
+            <a:endParaRPr kumimoji="0" lang="da-DK" sz="1600" b="0" i="0" u="none" strike="noStrike" cap="none" spc="0" normalizeH="0" baseline="0" dirty="0">
+              <a:ln>
+                <a:noFill/>
+              </a:ln>
+              <a:solidFill>
+                <a:schemeClr val="bg1"/>
+              </a:solidFill>
+              <a:effectLst/>
+              <a:uFillTx/>
+              <a:latin typeface="+mn-lt"/>
+              <a:ea typeface="+mn-ea"/>
+              <a:cs typeface="+mn-cs"/>
+              <a:sym typeface="Arial"/>
+            </a:endParaRPr>
+          </a:p>
+        </p:txBody>
+      </p:sp>
+      <p:sp>
+        <p:nvSpPr>
+          <p:cNvPr id="23" name="TextBox 22">
+            <a:extLst>
+              <a:ext uri="{FF2B5EF4-FFF2-40B4-BE49-F238E27FC236}">
+                <a16:creationId xmlns:a16="http://schemas.microsoft.com/office/drawing/2014/main" id="{FA9023D3-1550-1B4F-9F2E-3E06541746B6}"/>
+              </a:ext>
+            </a:extLst>
+          </p:cNvPr>
+          <p:cNvSpPr txBox="1"/>
+          <p:nvPr/>
+        </p:nvSpPr>
+        <p:spPr>
+          <a:xfrm>
+            <a:off x="4839116" y="2314452"/>
+            <a:ext cx="2187935" cy="361637"/>
+          </a:xfrm>
+          <a:prstGeom prst="rect">
+            <a:avLst/>
+          </a:prstGeom>
+          <a:noFill/>
+          <a:ln w="12700" cap="flat">
+            <a:noFill/>
+            <a:miter lim="400000"/>
+          </a:ln>
+          <a:effectLst/>
+          <a:sp3d/>
+        </p:spPr>
+        <p:style>
+          <a:lnRef idx="0">
+            <a:scrgbClr r="0" g="0" b="0"/>
+          </a:lnRef>
+          <a:fillRef idx="0">
+            <a:scrgbClr r="0" g="0" b="0"/>
+          </a:fillRef>
+          <a:effectRef idx="0">
+            <a:scrgbClr r="0" g="0" b="0"/>
+          </a:effectRef>
+          <a:fontRef idx="none"/>
+        </p:style>
+        <p:txBody>
+          <a:bodyPr rot="0" spcFirstLastPara="1" vertOverflow="overflow" horzOverflow="overflow" vert="horz" wrap="square" lIns="0" tIns="0" rIns="0" bIns="0" numCol="1" spcCol="38100" rtlCol="0" anchor="t">
+            <a:spAutoFit/>
+          </a:bodyPr>
+          <a:lstStyle/>
+          <a:p>
+            <a:pPr marL="0" marR="0" indent="0" algn="l" defTabSz="914400" rtl="0" fontAlgn="auto" latinLnBrk="0" hangingPunct="0">
+              <a:lnSpc>
+                <a:spcPct val="100000"/>
+              </a:lnSpc>
+              <a:spcBef>
+                <a:spcPts val="900"/>
+              </a:spcBef>
+              <a:spcAft>
+                <a:spcPts val="0"/>
+              </a:spcAft>
+              <a:buClrTx/>
+              <a:buSzTx/>
+              <a:buFontTx/>
+              <a:buNone/>
+              <a:tabLst/>
+            </a:pPr>
+            <a:r>
+              <a:rPr kumimoji="0" lang="da-DK" sz="1600" b="0" i="0" u="none" strike="noStrike" cap="none" spc="0" normalizeH="0" baseline="0" dirty="0" err="1">
+                <a:ln>
+                  <a:noFill/>
+                </a:ln>
+                <a:solidFill>
+                  <a:schemeClr val="bg1"/>
+                </a:solidFill>
+                <a:effectLst/>
+                <a:uFillTx/>
+                <a:latin typeface="+mn-lt"/>
+                <a:ea typeface="+mn-ea"/>
+                <a:cs typeface="+mn-cs"/>
+                <a:sym typeface="Arial"/>
+              </a:rPr>
+              <a:t>Divergence</a:t>
+            </a:r>
+            <a:endParaRPr kumimoji="0" lang="da-DK" sz="1600" b="0" i="0" u="none" strike="noStrike" cap="none" spc="0" normalizeH="0" baseline="0" dirty="0">
+              <a:ln>
+                <a:noFill/>
+              </a:ln>
+              <a:solidFill>
+                <a:schemeClr val="bg1"/>
+              </a:solidFill>
+              <a:effectLst/>
+              <a:uFillTx/>
+              <a:latin typeface="+mn-lt"/>
+              <a:ea typeface="+mn-ea"/>
+              <a:cs typeface="+mn-cs"/>
+              <a:sym typeface="Arial"/>
+            </a:endParaRPr>
+          </a:p>
+        </p:txBody>
+      </p:sp>
+      <p:sp>
+        <p:nvSpPr>
+          <p:cNvPr id="24" name="TextBox 23">
+            <a:extLst>
+              <a:ext uri="{FF2B5EF4-FFF2-40B4-BE49-F238E27FC236}">
+                <a16:creationId xmlns:a16="http://schemas.microsoft.com/office/drawing/2014/main" id="{B0B5230F-EF58-D747-837A-A460B23F29C1}"/>
+              </a:ext>
+            </a:extLst>
+          </p:cNvPr>
+          <p:cNvSpPr txBox="1"/>
+          <p:nvPr/>
+        </p:nvSpPr>
+        <p:spPr>
+          <a:xfrm>
+            <a:off x="4423828" y="4147468"/>
+            <a:ext cx="2187935" cy="361637"/>
+          </a:xfrm>
+          <a:prstGeom prst="rect">
+            <a:avLst/>
+          </a:prstGeom>
+          <a:noFill/>
+          <a:ln w="12700" cap="flat">
+            <a:noFill/>
+            <a:miter lim="400000"/>
+          </a:ln>
+          <a:effectLst/>
+          <a:sp3d/>
+        </p:spPr>
+        <p:style>
+          <a:lnRef idx="0">
+            <a:scrgbClr r="0" g="0" b="0"/>
+          </a:lnRef>
+          <a:fillRef idx="0">
+            <a:scrgbClr r="0" g="0" b="0"/>
+          </a:fillRef>
+          <a:effectRef idx="0">
+            <a:scrgbClr r="0" g="0" b="0"/>
+          </a:effectRef>
+          <a:fontRef idx="none"/>
+        </p:style>
+        <p:txBody>
+          <a:bodyPr rot="0" spcFirstLastPara="1" vertOverflow="overflow" horzOverflow="overflow" vert="horz" wrap="square" lIns="0" tIns="0" rIns="0" bIns="0" numCol="1" spcCol="38100" rtlCol="0" anchor="t">
+            <a:spAutoFit/>
+          </a:bodyPr>
+          <a:lstStyle/>
+          <a:p>
+            <a:pPr marL="0" marR="0" indent="0" algn="l" defTabSz="914400" rtl="0" fontAlgn="auto" latinLnBrk="0" hangingPunct="0">
+              <a:lnSpc>
+                <a:spcPct val="100000"/>
+              </a:lnSpc>
+              <a:spcBef>
+                <a:spcPts val="900"/>
+              </a:spcBef>
+              <a:spcAft>
+                <a:spcPts val="0"/>
+              </a:spcAft>
+              <a:buClrTx/>
+              <a:buSzTx/>
+              <a:buFontTx/>
+              <a:buNone/>
+              <a:tabLst/>
+            </a:pPr>
+            <a:r>
+              <a:rPr lang="da-DK" dirty="0">
+                <a:solidFill>
+                  <a:schemeClr val="bg1"/>
+                </a:solidFill>
+              </a:rPr>
+              <a:t>Position - </a:t>
+            </a:r>
+            <a:r>
+              <a:rPr lang="da-DK" dirty="0" err="1">
+                <a:solidFill>
+                  <a:schemeClr val="bg1"/>
+                </a:solidFill>
+              </a:rPr>
+              <a:t>Divergence</a:t>
+            </a:r>
+            <a:endParaRPr kumimoji="0" lang="da-DK" sz="1600" b="0" i="0" u="none" strike="noStrike" cap="none" spc="0" normalizeH="0" baseline="0" dirty="0">
+              <a:ln>
+                <a:noFill/>
+              </a:ln>
+              <a:solidFill>
+                <a:schemeClr val="bg1"/>
+              </a:solidFill>
+              <a:effectLst/>
+              <a:uFillTx/>
+              <a:latin typeface="+mn-lt"/>
+              <a:ea typeface="+mn-ea"/>
+              <a:cs typeface="+mn-cs"/>
+              <a:sym typeface="Arial"/>
+            </a:endParaRPr>
+          </a:p>
+        </p:txBody>
+      </p:sp>
+    </p:spTree>
+    <p:extLst>
+      <p:ext uri="{BB962C8B-B14F-4D97-AF65-F5344CB8AC3E}">
+        <p14:creationId xmlns:p14="http://schemas.microsoft.com/office/powerpoint/2010/main" val="1522609823"/>
+      </p:ext>
+    </p:extLst>
+  </p:cSld>
+  <p:clrMapOvr>
+    <a:masterClrMapping/>
+  </p:clrMapOvr>
+  <p:transition spd="med"/>
+</p:sld>
+</file>
+
+<file path=ppt/slides/slide16.xml><?xml version="1.0" encoding="utf-8"?>
+<p:sld xmlns:a="http://schemas.openxmlformats.org/drawingml/2006/main" xmlns:r="http://schemas.openxmlformats.org/officeDocument/2006/relationships" xmlns:p="http://schemas.openxmlformats.org/presentationml/2006/main">
+  <p:cSld>
+    <p:spTree>
+      <p:nvGrpSpPr>
+        <p:cNvPr id="1" name=""/>
+        <p:cNvGrpSpPr/>
+        <p:nvPr/>
+      </p:nvGrpSpPr>
+      <p:grpSpPr>
+        <a:xfrm>
+          <a:off x="0" y="0"/>
+          <a:ext cx="0" cy="0"/>
+          <a:chOff x="0" y="0"/>
+          <a:chExt cx="0" cy="0"/>
+        </a:xfrm>
+      </p:grpSpPr>
+      <p:sp>
+        <p:nvSpPr>
+          <p:cNvPr id="250" name="Title 4"/>
+          <p:cNvSpPr txBox="1">
+            <a:spLocks noGrp="1"/>
+          </p:cNvSpPr>
+          <p:nvPr>
+            <p:ph type="title"/>
+          </p:nvPr>
+        </p:nvSpPr>
+        <p:spPr>
+          <a:xfrm>
+            <a:off x="1774725" y="426126"/>
+            <a:ext cx="9858726" cy="972718"/>
+          </a:xfrm>
+          <a:prstGeom prst="rect">
+            <a:avLst/>
+          </a:prstGeom>
+        </p:spPr>
+        <p:txBody>
+          <a:bodyPr/>
+          <a:lstStyle/>
+          <a:p>
+            <a:r>
+              <a:rPr lang="da-DK" dirty="0" err="1"/>
               <a:t>Breaking</a:t>
             </a:r>
             <a:r>
@@ -11863,8 +15931,226 @@
           <a:lstStyle/>
           <a:p>
             <a:r>
+              <a:rPr lang="da-DK" dirty="0" err="1"/>
+              <a:t>Importance</a:t>
+            </a:r>
+            <a:r>
               <a:rPr lang="da-DK" dirty="0"/>
-              <a:t>Bender or </a:t>
+              <a:t> of </a:t>
+            </a:r>
+            <a:r>
+              <a:rPr lang="da-DK" dirty="0" err="1"/>
+              <a:t>breaking</a:t>
+            </a:r>
+            <a:r>
+              <a:rPr lang="da-DK" dirty="0"/>
+              <a:t> line of </a:t>
+            </a:r>
+            <a:r>
+              <a:rPr lang="da-DK" dirty="0" err="1"/>
+              <a:t>sight</a:t>
+            </a:r>
+            <a:r>
+              <a:rPr lang="da-DK" dirty="0"/>
+              <a:t>, </a:t>
+            </a:r>
+            <a:r>
+              <a:rPr lang="da-DK" dirty="0" err="1"/>
+              <a:t>ways</a:t>
+            </a:r>
+            <a:r>
+              <a:rPr lang="da-DK" dirty="0"/>
+              <a:t> of </a:t>
+            </a:r>
+            <a:r>
+              <a:rPr lang="da-DK" dirty="0" err="1"/>
+              <a:t>doing</a:t>
+            </a:r>
+            <a:r>
+              <a:rPr lang="da-DK" dirty="0"/>
+              <a:t> so, …</a:t>
+            </a:r>
+          </a:p>
+          <a:p>
+            <a:endParaRPr lang="da-DK" dirty="0"/>
+          </a:p>
+        </p:txBody>
+      </p:sp>
+      <p:sp>
+        <p:nvSpPr>
+          <p:cNvPr id="252" name="Slide Number Placeholder 3"/>
+          <p:cNvSpPr txBox="1">
+            <a:spLocks noGrp="1"/>
+          </p:cNvSpPr>
+          <p:nvPr>
+            <p:ph type="sldNum" sz="quarter" idx="2"/>
+          </p:nvPr>
+        </p:nvSpPr>
+        <p:spPr>
+          <a:xfrm>
+            <a:off x="11506450" y="6636099"/>
+            <a:ext cx="127001" cy="127001"/>
+          </a:xfrm>
+          <a:prstGeom prst="rect">
+            <a:avLst/>
+          </a:prstGeom>
+          <a:extLst>
+            <a:ext uri="{C572A759-6A51-4108-AA02-DFA0A04FC94B}">
+              <ma14:wrappingTextBoxFlag xmlns="" xmlns:m="http://schemas.openxmlformats.org/officeDocument/2006/math" xmlns:a14="http://schemas.microsoft.com/office/drawing/2010/main" xmlns:ma14="http://schemas.microsoft.com/office/mac/drawingml/2011/main" val="1"/>
+            </a:ext>
+          </a:extLst>
+        </p:spPr>
+        <p:txBody>
+          <a:bodyPr/>
+          <a:lstStyle/>
+          <a:p>
+            <a:fld id="{86CB4B4D-7CA3-9044-876B-883B54F8677D}" type="slidenum">
+              <a:t>16</a:t>
+            </a:fld>
+            <a:endParaRPr/>
+          </a:p>
+        </p:txBody>
+      </p:sp>
+      <p:pic>
+        <p:nvPicPr>
+          <p:cNvPr id="3" name="Picture 2">
+            <a:extLst>
+              <a:ext uri="{FF2B5EF4-FFF2-40B4-BE49-F238E27FC236}">
+                <a16:creationId xmlns:a16="http://schemas.microsoft.com/office/drawing/2014/main" id="{619D07AE-BCBC-2643-9293-DC2B675396ED}"/>
+              </a:ext>
+            </a:extLst>
+          </p:cNvPr>
+          <p:cNvPicPr>
+            <a:picLocks noChangeAspect="1"/>
+          </p:cNvPicPr>
+          <p:nvPr/>
+        </p:nvPicPr>
+        <p:blipFill>
+          <a:blip r:embed="rId3">
+            <a:extLst>
+              <a:ext uri="{28A0092B-C50C-407E-A947-70E740481C1C}">
+                <a14:useLocalDpi xmlns:a14="http://schemas.microsoft.com/office/drawing/2010/main" val="0"/>
+              </a:ext>
+            </a:extLst>
+          </a:blip>
+          <a:stretch>
+            <a:fillRect/>
+          </a:stretch>
+        </p:blipFill>
+        <p:spPr>
+          <a:xfrm>
+            <a:off x="1774725" y="2134454"/>
+            <a:ext cx="9401195" cy="2514273"/>
+          </a:xfrm>
+          <a:prstGeom prst="rect">
+            <a:avLst/>
+          </a:prstGeom>
+        </p:spPr>
+      </p:pic>
+    </p:spTree>
+    <p:extLst>
+      <p:ext uri="{BB962C8B-B14F-4D97-AF65-F5344CB8AC3E}">
+        <p14:creationId xmlns:p14="http://schemas.microsoft.com/office/powerpoint/2010/main" val="3379401465"/>
+      </p:ext>
+    </p:extLst>
+  </p:cSld>
+  <p:clrMapOvr>
+    <a:masterClrMapping/>
+  </p:clrMapOvr>
+  <p:transition spd="med"/>
+</p:sld>
+</file>
+
+<file path=ppt/slides/slide17.xml><?xml version="1.0" encoding="utf-8"?>
+<p:sld xmlns:a="http://schemas.openxmlformats.org/drawingml/2006/main" xmlns:r="http://schemas.openxmlformats.org/officeDocument/2006/relationships" xmlns:p="http://schemas.openxmlformats.org/presentationml/2006/main">
+  <p:cSld>
+    <p:spTree>
+      <p:nvGrpSpPr>
+        <p:cNvPr id="1" name=""/>
+        <p:cNvGrpSpPr/>
+        <p:nvPr/>
+      </p:nvGrpSpPr>
+      <p:grpSpPr>
+        <a:xfrm>
+          <a:off x="0" y="0"/>
+          <a:ext cx="0" cy="0"/>
+          <a:chOff x="0" y="0"/>
+          <a:chExt cx="0" cy="0"/>
+        </a:xfrm>
+      </p:grpSpPr>
+      <p:sp>
+        <p:nvSpPr>
+          <p:cNvPr id="250" name="Title 4"/>
+          <p:cNvSpPr txBox="1">
+            <a:spLocks noGrp="1"/>
+          </p:cNvSpPr>
+          <p:nvPr>
+            <p:ph type="title"/>
+          </p:nvPr>
+        </p:nvSpPr>
+        <p:spPr>
+          <a:xfrm>
+            <a:off x="1774725" y="426126"/>
+            <a:ext cx="9858726" cy="972718"/>
+          </a:xfrm>
+          <a:prstGeom prst="rect">
+            <a:avLst/>
+          </a:prstGeom>
+        </p:spPr>
+        <p:txBody>
+          <a:bodyPr/>
+          <a:lstStyle/>
+          <a:p>
+            <a:r>
+              <a:rPr lang="da-DK" dirty="0" err="1"/>
+              <a:t>Breaking</a:t>
+            </a:r>
+            <a:r>
+              <a:rPr lang="da-DK" dirty="0"/>
+              <a:t> line of </a:t>
+            </a:r>
+            <a:r>
+              <a:rPr lang="da-DK" dirty="0" err="1"/>
+              <a:t>sight</a:t>
+            </a:r>
+            <a:endParaRPr lang="da-DK" dirty="0"/>
+          </a:p>
+        </p:txBody>
+      </p:sp>
+      <p:sp>
+        <p:nvSpPr>
+          <p:cNvPr id="251" name="Content Placeholder 5"/>
+          <p:cNvSpPr txBox="1">
+            <a:spLocks noGrp="1"/>
+          </p:cNvSpPr>
+          <p:nvPr>
+            <p:ph type="body" idx="1"/>
+          </p:nvPr>
+        </p:nvSpPr>
+        <p:spPr>
+          <a:xfrm>
+            <a:off x="1774799" y="1706399"/>
+            <a:ext cx="9312376" cy="4545579"/>
+          </a:xfrm>
+          <a:prstGeom prst="rect">
+            <a:avLst/>
+          </a:prstGeom>
+        </p:spPr>
+        <p:txBody>
+          <a:bodyPr/>
+          <a:lstStyle/>
+          <a:p>
+            <a:r>
+              <a:rPr lang="da-DK" dirty="0"/>
+              <a:t>Bender component or </a:t>
+            </a:r>
+            <a:r>
+              <a:rPr lang="da-DK" dirty="0" err="1"/>
+              <a:t>many</a:t>
+            </a:r>
+            <a:r>
+              <a:rPr lang="da-DK" dirty="0"/>
+              <a:t> </a:t>
             </a:r>
             <a:r>
               <a:rPr lang="da-DK" dirty="0" err="1"/>
@@ -11905,7 +16191,7 @@
           </a:prstGeom>
           <a:extLst>
             <a:ext uri="{C572A759-6A51-4108-AA02-DFA0A04FC94B}">
-              <ma14:wrappingTextBoxFlag xmlns:ma14="http://schemas.microsoft.com/office/mac/drawingml/2011/main" xmlns:a14="http://schemas.microsoft.com/office/drawing/2010/main" xmlns:m="http://schemas.openxmlformats.org/officeDocument/2006/math" xmlns="" val="1"/>
+              <ma14:wrappingTextBoxFlag xmlns="" xmlns:m="http://schemas.openxmlformats.org/officeDocument/2006/math" xmlns:a14="http://schemas.microsoft.com/office/drawing/2010/main" xmlns:ma14="http://schemas.microsoft.com/office/mac/drawingml/2011/main" val="1"/>
             </a:ext>
           </a:extLst>
         </p:spPr>
@@ -11914,7 +16200,7 @@
           <a:lstStyle/>
           <a:p>
             <a:fld id="{86CB4B4D-7CA3-9044-876B-883B54F8677D}" type="slidenum">
-              <a:t>13</a:t>
+              <a:t>17</a:t>
             </a:fld>
             <a:endParaRPr/>
           </a:p>
@@ -12920,7 +17206,7 @@
 </p:sld>
 </file>
 
-<file path=ppt/slides/slide14.xml><?xml version="1.0" encoding="utf-8"?>
+<file path=ppt/slides/slide18.xml><?xml version="1.0" encoding="utf-8"?>
 <p:sld xmlns:a="http://schemas.openxmlformats.org/drawingml/2006/main" xmlns:r="http://schemas.openxmlformats.org/officeDocument/2006/relationships" xmlns:p="http://schemas.openxmlformats.org/presentationml/2006/main">
   <p:cSld>
     <p:spTree>
@@ -12991,20 +17277,32 @@
           <a:lstStyle/>
           <a:p>
             <a:r>
+              <a:rPr lang="da-DK" dirty="0"/>
+              <a:t>To </a:t>
+            </a:r>
+            <a:r>
               <a:rPr lang="da-DK" dirty="0" err="1"/>
-              <a:t>Example</a:t>
+              <a:t>be</a:t>
             </a:r>
             <a:r>
               <a:rPr lang="da-DK" dirty="0"/>
-              <a:t> of </a:t>
+              <a:t> </a:t>
             </a:r>
             <a:r>
               <a:rPr lang="da-DK" dirty="0" err="1"/>
-              <a:t>optimized</a:t>
+              <a:t>continued</a:t>
             </a:r>
             <a:r>
               <a:rPr lang="da-DK" dirty="0"/>
-              <a:t> guide</a:t>
+              <a:t> in guide </a:t>
+            </a:r>
+            <a:r>
+              <a:rPr lang="da-DK" dirty="0" err="1"/>
+              <a:t>optimization</a:t>
+            </a:r>
+            <a:r>
+              <a:rPr lang="da-DK" dirty="0"/>
+              <a:t> talk</a:t>
             </a:r>
           </a:p>
         </p:txBody>
@@ -13029,7 +17327,7 @@
           </a:prstGeom>
           <a:extLst>
             <a:ext uri="{C572A759-6A51-4108-AA02-DFA0A04FC94B}">
-              <ma14:wrappingTextBoxFlag xmlns:ma14="http://schemas.microsoft.com/office/mac/drawingml/2011/main" xmlns:a14="http://schemas.microsoft.com/office/drawing/2010/main" xmlns:m="http://schemas.openxmlformats.org/officeDocument/2006/math" xmlns="" val="1"/>
+              <ma14:wrappingTextBoxFlag xmlns="" xmlns:m="http://schemas.openxmlformats.org/officeDocument/2006/math" xmlns:a14="http://schemas.microsoft.com/office/drawing/2010/main" xmlns:ma14="http://schemas.microsoft.com/office/mac/drawingml/2011/main" val="1"/>
             </a:ext>
           </a:extLst>
         </p:spPr>
@@ -13038,7 +17336,7 @@
           <a:lstStyle/>
           <a:p>
             <a:fld id="{86CB4B4D-7CA3-9044-876B-883B54F8677D}" type="slidenum">
-              <a:t>14</a:t>
+              <a:t>18</a:t>
             </a:fld>
             <a:endParaRPr/>
           </a:p>
@@ -13130,7 +17428,7 @@
 </p:sld>
 </file>
 
-<file path=ppt/slides/slide15.xml><?xml version="1.0" encoding="utf-8"?>
+<file path=ppt/slides/slide19.xml><?xml version="1.0" encoding="utf-8"?>
 <p:sld xmlns:a="http://schemas.openxmlformats.org/drawingml/2006/main" xmlns:r="http://schemas.openxmlformats.org/officeDocument/2006/relationships" xmlns:p="http://schemas.openxmlformats.org/presentationml/2006/main">
   <p:cSld>
     <p:spTree>
@@ -13171,8 +17469,12 @@
           <a:lstStyle/>
           <a:p>
             <a:r>
+              <a:rPr lang="da-DK" dirty="0"/>
+              <a:t>Guide </a:t>
+            </a:r>
+            <a:r>
               <a:rPr lang="da-DK" dirty="0" err="1"/>
-              <a:t>Exercise</a:t>
+              <a:t>exercise</a:t>
             </a:r>
             <a:endParaRPr lang="da-DK" dirty="0"/>
           </a:p>
@@ -13198,209 +17500,211 @@
           </a:prstGeom>
         </p:spPr>
         <p:txBody>
-          <a:bodyPr/>
+          <a:bodyPr>
+            <a:normAutofit/>
+          </a:bodyPr>
           <a:lstStyle/>
           <a:p>
             <a:r>
-              <a:rPr lang="da-DK" dirty="0" err="1"/>
+              <a:rPr lang="da-DK" sz="2000" dirty="0" err="1"/>
               <a:t>Insert</a:t>
             </a:r>
             <a:r>
-              <a:rPr lang="da-DK" dirty="0"/>
+              <a:rPr lang="da-DK" sz="2000" dirty="0"/>
               <a:t> a guide and </a:t>
             </a:r>
             <a:r>
-              <a:rPr lang="da-DK" dirty="0" err="1"/>
+              <a:rPr lang="da-DK" sz="2000" dirty="0" err="1"/>
               <a:t>use</a:t>
             </a:r>
             <a:r>
-              <a:rPr lang="da-DK" dirty="0"/>
+              <a:rPr lang="da-DK" sz="2000" dirty="0"/>
               <a:t> a definition parameter to set the </a:t>
             </a:r>
             <a:r>
-              <a:rPr lang="da-DK" dirty="0" err="1"/>
+              <a:rPr lang="da-DK" sz="2000" dirty="0" err="1"/>
               <a:t>length</a:t>
             </a:r>
-            <a:endParaRPr lang="da-DK" dirty="0"/>
+            <a:endParaRPr lang="da-DK" sz="2000" dirty="0"/>
           </a:p>
           <a:p>
             <a:r>
-              <a:rPr lang="da-DK" dirty="0" err="1"/>
+              <a:rPr lang="da-DK" sz="2000" dirty="0" err="1"/>
               <a:t>Use</a:t>
             </a:r>
             <a:r>
-              <a:rPr lang="da-DK" dirty="0"/>
+              <a:rPr lang="da-DK" sz="2000" dirty="0"/>
               <a:t> monitors to </a:t>
             </a:r>
             <a:r>
-              <a:rPr lang="da-DK" dirty="0" err="1"/>
+              <a:rPr lang="da-DK" sz="2000" dirty="0" err="1"/>
               <a:t>see</a:t>
             </a:r>
             <a:r>
-              <a:rPr lang="da-DK" dirty="0"/>
+              <a:rPr lang="da-DK" sz="2000" dirty="0"/>
               <a:t> the resulting </a:t>
             </a:r>
             <a:r>
-              <a:rPr lang="da-DK" dirty="0" err="1"/>
+              <a:rPr lang="da-DK" sz="2000" dirty="0" err="1"/>
               <a:t>beam</a:t>
             </a:r>
-            <a:endParaRPr lang="da-DK" dirty="0"/>
+            <a:endParaRPr lang="da-DK" sz="2000" dirty="0"/>
           </a:p>
           <a:p>
             <a:pPr lvl="2"/>
             <a:r>
-              <a:rPr lang="da-DK" dirty="0" err="1"/>
+              <a:rPr lang="da-DK" sz="2000" dirty="0" err="1"/>
               <a:t>PSD_monitor</a:t>
             </a:r>
             <a:r>
-              <a:rPr lang="da-DK" dirty="0"/>
+              <a:rPr lang="da-DK" sz="2000" dirty="0"/>
               <a:t> (</a:t>
             </a:r>
             <a:r>
-              <a:rPr lang="da-DK" dirty="0" err="1"/>
+              <a:rPr lang="da-DK" sz="2000" dirty="0" err="1"/>
               <a:t>spatial</a:t>
             </a:r>
             <a:r>
-              <a:rPr lang="da-DK" dirty="0"/>
+              <a:rPr lang="da-DK" sz="2000" dirty="0"/>
               <a:t> distribution)</a:t>
             </a:r>
           </a:p>
           <a:p>
             <a:pPr lvl="2"/>
             <a:r>
-              <a:rPr lang="da-DK" dirty="0" err="1"/>
+              <a:rPr lang="da-DK" sz="2000" dirty="0" err="1"/>
               <a:t>Divergence_monitor</a:t>
             </a:r>
             <a:r>
-              <a:rPr lang="da-DK" dirty="0"/>
+              <a:rPr lang="da-DK" sz="2000" dirty="0"/>
               <a:t> (</a:t>
             </a:r>
             <a:r>
-              <a:rPr lang="da-DK" dirty="0" err="1"/>
+              <a:rPr lang="da-DK" sz="2000" dirty="0" err="1"/>
               <a:t>divergence</a:t>
             </a:r>
             <a:r>
-              <a:rPr lang="da-DK" dirty="0"/>
+              <a:rPr lang="da-DK" sz="2000" dirty="0"/>
               <a:t> </a:t>
             </a:r>
             <a:r>
-              <a:rPr lang="da-DK" dirty="0" err="1"/>
+              <a:rPr lang="da-DK" sz="2000" dirty="0" err="1"/>
               <a:t>distribtuin</a:t>
             </a:r>
             <a:r>
-              <a:rPr lang="da-DK" dirty="0"/>
+              <a:rPr lang="da-DK" sz="2000" dirty="0"/>
               <a:t>)</a:t>
             </a:r>
           </a:p>
           <a:p>
             <a:pPr lvl="2"/>
             <a:r>
-              <a:rPr lang="da-DK" dirty="0" err="1"/>
+              <a:rPr lang="da-DK" sz="2000" dirty="0" err="1"/>
               <a:t>L_monitor</a:t>
             </a:r>
             <a:r>
-              <a:rPr lang="da-DK" dirty="0"/>
+              <a:rPr lang="da-DK" sz="2000" dirty="0"/>
               <a:t> (</a:t>
             </a:r>
             <a:r>
-              <a:rPr lang="da-DK" dirty="0" err="1"/>
+              <a:rPr lang="da-DK" sz="2000" dirty="0" err="1"/>
               <a:t>wavelength</a:t>
             </a:r>
             <a:r>
-              <a:rPr lang="da-DK" dirty="0"/>
+              <a:rPr lang="da-DK" sz="2000" dirty="0"/>
               <a:t> distribution)</a:t>
             </a:r>
           </a:p>
           <a:p>
             <a:pPr lvl="2"/>
             <a:r>
-              <a:rPr lang="da-DK" dirty="0" err="1"/>
+              <a:rPr lang="da-DK" sz="2000" dirty="0" err="1"/>
               <a:t>Posdiv_monitor</a:t>
             </a:r>
             <a:r>
-              <a:rPr lang="da-DK" dirty="0"/>
+              <a:rPr lang="da-DK" sz="2000" dirty="0"/>
               <a:t> (</a:t>
             </a:r>
             <a:r>
-              <a:rPr lang="da-DK" dirty="0" err="1"/>
+              <a:rPr lang="da-DK" sz="2000" dirty="0" err="1"/>
               <a:t>acceptance</a:t>
             </a:r>
             <a:r>
-              <a:rPr lang="da-DK" dirty="0"/>
+              <a:rPr lang="da-DK" sz="2000" dirty="0"/>
               <a:t> diagram)</a:t>
             </a:r>
           </a:p>
           <a:p>
             <a:pPr lvl="2"/>
-            <a:endParaRPr lang="da-DK" dirty="0"/>
+            <a:endParaRPr lang="da-DK" sz="2000" dirty="0"/>
           </a:p>
           <a:p>
             <a:r>
-              <a:rPr lang="da-DK" dirty="0" err="1"/>
+              <a:rPr lang="da-DK" sz="2000" dirty="0" err="1"/>
               <a:t>Extra</a:t>
             </a:r>
             <a:r>
-              <a:rPr lang="da-DK" dirty="0"/>
+              <a:rPr lang="da-DK" sz="2000" dirty="0"/>
               <a:t> </a:t>
             </a:r>
             <a:r>
-              <a:rPr lang="da-DK" dirty="0" err="1"/>
+              <a:rPr lang="da-DK" sz="2000" dirty="0" err="1"/>
               <a:t>tasks</a:t>
             </a:r>
             <a:r>
-              <a:rPr lang="da-DK" dirty="0"/>
+              <a:rPr lang="da-DK" sz="2000" dirty="0"/>
               <a:t>: </a:t>
             </a:r>
           </a:p>
           <a:p>
             <a:pPr lvl="2"/>
             <a:r>
-              <a:rPr lang="da-DK" dirty="0"/>
+              <a:rPr lang="da-DK" sz="2000" dirty="0"/>
               <a:t>Scan guide </a:t>
             </a:r>
             <a:r>
-              <a:rPr lang="da-DK" dirty="0" err="1"/>
+              <a:rPr lang="da-DK" sz="2000" dirty="0" err="1"/>
               <a:t>length</a:t>
             </a:r>
-            <a:endParaRPr lang="da-DK" dirty="0"/>
+            <a:endParaRPr lang="da-DK" sz="2000" dirty="0"/>
           </a:p>
           <a:p>
             <a:pPr lvl="2"/>
             <a:r>
-              <a:rPr lang="da-DK" dirty="0" err="1"/>
+              <a:rPr lang="da-DK" sz="2000" dirty="0" err="1"/>
               <a:t>Introduce</a:t>
             </a:r>
             <a:r>
-              <a:rPr lang="da-DK" dirty="0"/>
+              <a:rPr lang="da-DK" sz="2000" dirty="0"/>
               <a:t> a </a:t>
             </a:r>
             <a:r>
-              <a:rPr lang="da-DK" dirty="0" err="1"/>
+              <a:rPr lang="da-DK" sz="2000" dirty="0" err="1"/>
               <a:t>gap</a:t>
             </a:r>
             <a:r>
-              <a:rPr lang="da-DK" dirty="0"/>
+              <a:rPr lang="da-DK" sz="2000" dirty="0"/>
               <a:t> by </a:t>
             </a:r>
             <a:r>
-              <a:rPr lang="da-DK" dirty="0" err="1"/>
+              <a:rPr lang="da-DK" sz="2000" dirty="0" err="1"/>
               <a:t>using</a:t>
             </a:r>
             <a:r>
-              <a:rPr lang="da-DK" dirty="0"/>
+              <a:rPr lang="da-DK" sz="2000" dirty="0"/>
               <a:t> </a:t>
             </a:r>
             <a:r>
-              <a:rPr lang="da-DK" dirty="0" err="1"/>
+              <a:rPr lang="da-DK" sz="2000" dirty="0" err="1"/>
               <a:t>two</a:t>
             </a:r>
             <a:r>
-              <a:rPr lang="da-DK" dirty="0"/>
+              <a:rPr lang="da-DK" sz="2000" dirty="0"/>
               <a:t> guide components</a:t>
             </a:r>
           </a:p>
           <a:p>
-            <a:endParaRPr lang="da-DK" dirty="0"/>
+            <a:endParaRPr lang="da-DK" sz="2000" dirty="0"/>
           </a:p>
         </p:txBody>
       </p:sp>
@@ -13424,7 +17728,7 @@
           </a:prstGeom>
           <a:extLst>
             <a:ext uri="{C572A759-6A51-4108-AA02-DFA0A04FC94B}">
-              <ma14:wrappingTextBoxFlag xmlns:ma14="http://schemas.microsoft.com/office/mac/drawingml/2011/main" xmlns:a14="http://schemas.microsoft.com/office/drawing/2010/main" xmlns:m="http://schemas.openxmlformats.org/officeDocument/2006/math" xmlns="" val="1"/>
+              <ma14:wrappingTextBoxFlag xmlns="" xmlns:m="http://schemas.openxmlformats.org/officeDocument/2006/math" xmlns:a14="http://schemas.microsoft.com/office/drawing/2010/main" xmlns:ma14="http://schemas.microsoft.com/office/mac/drawingml/2011/main" val="1"/>
             </a:ext>
           </a:extLst>
         </p:spPr>
@@ -13433,9 +17737,131 @@
           <a:lstStyle/>
           <a:p>
             <a:fld id="{86CB4B4D-7CA3-9044-876B-883B54F8677D}" type="slidenum">
-              <a:t>15</a:t>
+              <a:t>19</a:t>
             </a:fld>
             <a:endParaRPr/>
+          </a:p>
+        </p:txBody>
+      </p:sp>
+      <p:sp>
+        <p:nvSpPr>
+          <p:cNvPr id="5" name="TextBox 4">
+            <a:extLst>
+              <a:ext uri="{FF2B5EF4-FFF2-40B4-BE49-F238E27FC236}">
+                <a16:creationId xmlns:a16="http://schemas.microsoft.com/office/drawing/2014/main" id="{707FF41E-7960-7649-A523-3204FF84BC5B}"/>
+              </a:ext>
+            </a:extLst>
+          </p:cNvPr>
+          <p:cNvSpPr txBox="1"/>
+          <p:nvPr/>
+        </p:nvSpPr>
+        <p:spPr>
+          <a:xfrm rot="390092">
+            <a:off x="7084355" y="372978"/>
+            <a:ext cx="4850687" cy="907941"/>
+          </a:xfrm>
+          <a:prstGeom prst="rect">
+            <a:avLst/>
+          </a:prstGeom>
+          <a:noFill/>
+          <a:ln w="12700" cap="flat">
+            <a:noFill/>
+            <a:miter lim="400000"/>
+          </a:ln>
+          <a:effectLst/>
+          <a:sp3d/>
+        </p:spPr>
+        <p:style>
+          <a:lnRef idx="0">
+            <a:scrgbClr r="0" g="0" b="0"/>
+          </a:lnRef>
+          <a:fillRef idx="0">
+            <a:scrgbClr r="0" g="0" b="0"/>
+          </a:fillRef>
+          <a:effectRef idx="0">
+            <a:scrgbClr r="0" g="0" b="0"/>
+          </a:effectRef>
+          <a:fontRef idx="none"/>
+        </p:style>
+        <p:txBody>
+          <a:bodyPr rot="0" spcFirstLastPara="1" vertOverflow="overflow" horzOverflow="overflow" vert="horz" wrap="none" lIns="0" tIns="0" rIns="0" bIns="0" numCol="1" spcCol="38100" rtlCol="0" anchor="t">
+            <a:spAutoFit/>
+          </a:bodyPr>
+          <a:lstStyle/>
+          <a:p>
+            <a:r>
+              <a:rPr lang="da-DK" sz="2200" dirty="0"/>
+              <a:t>Solution on </a:t>
+            </a:r>
+            <a:r>
+              <a:rPr lang="da-DK" sz="2200" dirty="0" err="1"/>
+              <a:t>github</a:t>
+            </a:r>
+            <a:r>
+              <a:rPr lang="da-DK" sz="2200" dirty="0"/>
+              <a:t>, </a:t>
+            </a:r>
+            <a:r>
+              <a:rPr lang="da-DK" sz="2200" dirty="0" err="1"/>
+              <a:t>use</a:t>
+            </a:r>
+            <a:r>
+              <a:rPr lang="da-DK" sz="2200" dirty="0"/>
+              <a:t> if </a:t>
+            </a:r>
+            <a:r>
+              <a:rPr lang="da-DK" sz="2200" dirty="0" err="1"/>
+              <a:t>you</a:t>
+            </a:r>
+            <a:r>
+              <a:rPr lang="da-DK" sz="2200" dirty="0"/>
+              <a:t> </a:t>
+            </a:r>
+            <a:r>
+              <a:rPr lang="da-DK" sz="2200" dirty="0" err="1"/>
+              <a:t>are</a:t>
+            </a:r>
+            <a:r>
+              <a:rPr lang="da-DK" sz="2200" dirty="0"/>
+              <a:t> </a:t>
+            </a:r>
+            <a:r>
+              <a:rPr lang="da-DK" sz="2200" dirty="0" err="1"/>
+              <a:t>stuck</a:t>
+            </a:r>
+            <a:endParaRPr lang="da-DK" sz="2200" dirty="0"/>
+          </a:p>
+          <a:p>
+            <a:pPr marL="0" marR="0" indent="0" algn="l" defTabSz="914400" rtl="0" fontAlgn="auto" latinLnBrk="0" hangingPunct="0">
+              <a:lnSpc>
+                <a:spcPct val="100000"/>
+              </a:lnSpc>
+              <a:spcBef>
+                <a:spcPts val="900"/>
+              </a:spcBef>
+              <a:spcAft>
+                <a:spcPts val="0"/>
+              </a:spcAft>
+              <a:buClrTx/>
+              <a:buSzTx/>
+              <a:buFontTx/>
+              <a:buNone/>
+              <a:tabLst/>
+            </a:pPr>
+            <a:endParaRPr kumimoji="0" lang="da-DK" sz="2200" b="0" i="0" u="none" strike="noStrike" cap="none" spc="0" normalizeH="0" baseline="0" dirty="0">
+              <a:ln>
+                <a:noFill/>
+              </a:ln>
+              <a:solidFill>
+                <a:srgbClr val="000000"/>
+              </a:solidFill>
+              <a:effectLst/>
+              <a:uFillTx/>
+              <a:latin typeface="+mn-lt"/>
+              <a:ea typeface="+mn-ea"/>
+              <a:cs typeface="+mn-cs"/>
+              <a:sym typeface="Arial"/>
+            </a:endParaRPr>
           </a:p>
         </p:txBody>
       </p:sp>
@@ -13648,7 +18074,7 @@
           </a:prstGeom>
           <a:extLst>
             <a:ext uri="{C572A759-6A51-4108-AA02-DFA0A04FC94B}">
-              <ma14:wrappingTextBoxFlag xmlns:ma14="http://schemas.microsoft.com/office/mac/drawingml/2011/main" xmlns:a14="http://schemas.microsoft.com/office/drawing/2010/main" xmlns:m="http://schemas.openxmlformats.org/officeDocument/2006/math" xmlns="" val="1"/>
+              <ma14:wrappingTextBoxFlag xmlns="" xmlns:m="http://schemas.openxmlformats.org/officeDocument/2006/math" xmlns:a14="http://schemas.microsoft.com/office/drawing/2010/main" xmlns:ma14="http://schemas.microsoft.com/office/mac/drawingml/2011/main" val="1"/>
             </a:ext>
           </a:extLst>
         </p:spPr>
@@ -13769,7 +18195,7 @@
           </a:prstGeom>
           <a:extLst>
             <a:ext uri="{C572A759-6A51-4108-AA02-DFA0A04FC94B}">
-              <ma14:wrappingTextBoxFlag xmlns:ma14="http://schemas.microsoft.com/office/mac/drawingml/2011/main" xmlns:a14="http://schemas.microsoft.com/office/drawing/2010/main" xmlns:m="http://schemas.openxmlformats.org/officeDocument/2006/math" xmlns="" val="1"/>
+              <ma14:wrappingTextBoxFlag xmlns="" xmlns:m="http://schemas.openxmlformats.org/officeDocument/2006/math" xmlns:a14="http://schemas.microsoft.com/office/drawing/2010/main" xmlns:ma14="http://schemas.microsoft.com/office/mac/drawingml/2011/main" val="1"/>
             </a:ext>
           </a:extLst>
         </p:spPr>
@@ -14216,7 +18642,7 @@
           </a:ln>
           <a:extLst>
             <a:ext uri="{C572A759-6A51-4108-AA02-DFA0A04FC94B}">
-              <ma14:wrappingTextBoxFlag xmlns="" xmlns:ma14="http://schemas.microsoft.com/office/mac/drawingml/2011/main" val="1"/>
+              <ma14:wrappingTextBoxFlag xmlns:ma14="http://schemas.microsoft.com/office/mac/drawingml/2011/main" xmlns="" val="1"/>
             </a:ext>
           </a:extLst>
         </p:spPr>
@@ -14270,7 +18696,7 @@
           </a:ln>
           <a:extLst>
             <a:ext uri="{C572A759-6A51-4108-AA02-DFA0A04FC94B}">
-              <ma14:wrappingTextBoxFlag xmlns="" xmlns:ma14="http://schemas.microsoft.com/office/mac/drawingml/2011/main" val="1"/>
+              <ma14:wrappingTextBoxFlag xmlns:ma14="http://schemas.microsoft.com/office/mac/drawingml/2011/main" xmlns="" val="1"/>
             </a:ext>
           </a:extLst>
         </p:spPr>
@@ -14324,7 +18750,7 @@
           </a:ln>
           <a:extLst>
             <a:ext uri="{C572A759-6A51-4108-AA02-DFA0A04FC94B}">
-              <ma14:wrappingTextBoxFlag xmlns="" xmlns:ma14="http://schemas.microsoft.com/office/mac/drawingml/2011/main" val="1"/>
+              <ma14:wrappingTextBoxFlag xmlns:ma14="http://schemas.microsoft.com/office/mac/drawingml/2011/main" xmlns="" val="1"/>
             </a:ext>
           </a:extLst>
         </p:spPr>
@@ -14381,7 +18807,7 @@
           </a:ln>
           <a:extLst>
             <a:ext uri="{C572A759-6A51-4108-AA02-DFA0A04FC94B}">
-              <ma14:wrappingTextBoxFlag xmlns="" xmlns:ma14="http://schemas.microsoft.com/office/mac/drawingml/2011/main" val="1"/>
+              <ma14:wrappingTextBoxFlag xmlns:ma14="http://schemas.microsoft.com/office/mac/drawingml/2011/main" xmlns="" val="1"/>
             </a:ext>
           </a:extLst>
         </p:spPr>
@@ -14482,7 +18908,7 @@
           </a:ln>
           <a:extLst>
             <a:ext uri="{C572A759-6A51-4108-AA02-DFA0A04FC94B}">
-              <ma14:wrappingTextBoxFlag xmlns="" xmlns:ma14="http://schemas.microsoft.com/office/mac/drawingml/2011/main" val="1"/>
+              <ma14:wrappingTextBoxFlag xmlns:ma14="http://schemas.microsoft.com/office/mac/drawingml/2011/main" xmlns="" val="1"/>
             </a:ext>
           </a:extLst>
         </p:spPr>
@@ -14686,7 +19112,7 @@
           </a:prstGeom>
           <a:extLst>
             <a:ext uri="{C572A759-6A51-4108-AA02-DFA0A04FC94B}">
-              <ma14:wrappingTextBoxFlag xmlns:ma14="http://schemas.microsoft.com/office/mac/drawingml/2011/main" xmlns:a14="http://schemas.microsoft.com/office/drawing/2010/main" xmlns:m="http://schemas.openxmlformats.org/officeDocument/2006/math" xmlns="" val="1"/>
+              <ma14:wrappingTextBoxFlag xmlns="" xmlns:m="http://schemas.openxmlformats.org/officeDocument/2006/math" xmlns:a14="http://schemas.microsoft.com/office/drawing/2010/main" xmlns:ma14="http://schemas.microsoft.com/office/mac/drawingml/2011/main" val="1"/>
             </a:ext>
           </a:extLst>
         </p:spPr>
@@ -15177,7 +19603,7 @@
           </a:ln>
           <a:extLst>
             <a:ext uri="{C572A759-6A51-4108-AA02-DFA0A04FC94B}">
-              <ma14:wrappingTextBoxFlag xmlns="" xmlns:ma14="http://schemas.microsoft.com/office/mac/drawingml/2011/main" val="1"/>
+              <ma14:wrappingTextBoxFlag xmlns:ma14="http://schemas.microsoft.com/office/mac/drawingml/2011/main" xmlns="" val="1"/>
             </a:ext>
           </a:extLst>
         </p:spPr>
@@ -15231,7 +19657,7 @@
           </a:ln>
           <a:extLst>
             <a:ext uri="{C572A759-6A51-4108-AA02-DFA0A04FC94B}">
-              <ma14:wrappingTextBoxFlag xmlns="" xmlns:ma14="http://schemas.microsoft.com/office/mac/drawingml/2011/main" val="1"/>
+              <ma14:wrappingTextBoxFlag xmlns:ma14="http://schemas.microsoft.com/office/mac/drawingml/2011/main" xmlns="" val="1"/>
             </a:ext>
           </a:extLst>
         </p:spPr>
@@ -15285,7 +19711,7 @@
           </a:ln>
           <a:extLst>
             <a:ext uri="{C572A759-6A51-4108-AA02-DFA0A04FC94B}">
-              <ma14:wrappingTextBoxFlag xmlns="" xmlns:ma14="http://schemas.microsoft.com/office/mac/drawingml/2011/main" val="1"/>
+              <ma14:wrappingTextBoxFlag xmlns:ma14="http://schemas.microsoft.com/office/mac/drawingml/2011/main" xmlns="" val="1"/>
             </a:ext>
           </a:extLst>
         </p:spPr>
@@ -15342,7 +19768,7 @@
           </a:ln>
           <a:extLst>
             <a:ext uri="{C572A759-6A51-4108-AA02-DFA0A04FC94B}">
-              <ma14:wrappingTextBoxFlag xmlns="" xmlns:ma14="http://schemas.microsoft.com/office/mac/drawingml/2011/main" val="1"/>
+              <ma14:wrappingTextBoxFlag xmlns:ma14="http://schemas.microsoft.com/office/mac/drawingml/2011/main" xmlns="" val="1"/>
             </a:ext>
           </a:extLst>
         </p:spPr>
@@ -15443,7 +19869,7 @@
           </a:ln>
           <a:extLst>
             <a:ext uri="{C572A759-6A51-4108-AA02-DFA0A04FC94B}">
-              <ma14:wrappingTextBoxFlag xmlns="" xmlns:ma14="http://schemas.microsoft.com/office/mac/drawingml/2011/main" val="1"/>
+              <ma14:wrappingTextBoxFlag xmlns:ma14="http://schemas.microsoft.com/office/mac/drawingml/2011/main" xmlns="" val="1"/>
             </a:ext>
           </a:extLst>
         </p:spPr>
@@ -15634,7 +20060,7 @@
           </a:prstGeom>
           <a:extLst>
             <a:ext uri="{C572A759-6A51-4108-AA02-DFA0A04FC94B}">
-              <ma14:wrappingTextBoxFlag xmlns:ma14="http://schemas.microsoft.com/office/mac/drawingml/2011/main" xmlns:a14="http://schemas.microsoft.com/office/drawing/2010/main" xmlns:m="http://schemas.openxmlformats.org/officeDocument/2006/math" xmlns="" val="1"/>
+              <ma14:wrappingTextBoxFlag xmlns="" xmlns:m="http://schemas.openxmlformats.org/officeDocument/2006/math" xmlns:a14="http://schemas.microsoft.com/office/drawing/2010/main" xmlns:ma14="http://schemas.microsoft.com/office/mac/drawingml/2011/main" val="1"/>
             </a:ext>
           </a:extLst>
         </p:spPr>
@@ -16083,7 +20509,7 @@
           </a:ln>
           <a:extLst>
             <a:ext uri="{C572A759-6A51-4108-AA02-DFA0A04FC94B}">
-              <ma14:wrappingTextBoxFlag xmlns="" xmlns:ma14="http://schemas.microsoft.com/office/mac/drawingml/2011/main" val="1"/>
+              <ma14:wrappingTextBoxFlag xmlns:ma14="http://schemas.microsoft.com/office/mac/drawingml/2011/main" xmlns="" val="1"/>
             </a:ext>
           </a:extLst>
         </p:spPr>
@@ -16137,7 +20563,7 @@
           </a:ln>
           <a:extLst>
             <a:ext uri="{C572A759-6A51-4108-AA02-DFA0A04FC94B}">
-              <ma14:wrappingTextBoxFlag xmlns="" xmlns:ma14="http://schemas.microsoft.com/office/mac/drawingml/2011/main" val="1"/>
+              <ma14:wrappingTextBoxFlag xmlns:ma14="http://schemas.microsoft.com/office/mac/drawingml/2011/main" xmlns="" val="1"/>
             </a:ext>
           </a:extLst>
         </p:spPr>
@@ -16191,7 +20617,7 @@
           </a:ln>
           <a:extLst>
             <a:ext uri="{C572A759-6A51-4108-AA02-DFA0A04FC94B}">
-              <ma14:wrappingTextBoxFlag xmlns="" xmlns:ma14="http://schemas.microsoft.com/office/mac/drawingml/2011/main" val="1"/>
+              <ma14:wrappingTextBoxFlag xmlns:ma14="http://schemas.microsoft.com/office/mac/drawingml/2011/main" xmlns="" val="1"/>
             </a:ext>
           </a:extLst>
         </p:spPr>
@@ -16248,7 +20674,7 @@
           </a:ln>
           <a:extLst>
             <a:ext uri="{C572A759-6A51-4108-AA02-DFA0A04FC94B}">
-              <ma14:wrappingTextBoxFlag xmlns="" xmlns:ma14="http://schemas.microsoft.com/office/mac/drawingml/2011/main" val="1"/>
+              <ma14:wrappingTextBoxFlag xmlns:ma14="http://schemas.microsoft.com/office/mac/drawingml/2011/main" xmlns="" val="1"/>
             </a:ext>
           </a:extLst>
         </p:spPr>
@@ -16349,7 +20775,7 @@
           </a:ln>
           <a:extLst>
             <a:ext uri="{C572A759-6A51-4108-AA02-DFA0A04FC94B}">
-              <ma14:wrappingTextBoxFlag xmlns="" xmlns:ma14="http://schemas.microsoft.com/office/mac/drawingml/2011/main" val="1"/>
+              <ma14:wrappingTextBoxFlag xmlns:ma14="http://schemas.microsoft.com/office/mac/drawingml/2011/main" xmlns="" val="1"/>
             </a:ext>
           </a:extLst>
         </p:spPr>
@@ -16620,7 +21046,7 @@
           </a:prstGeom>
           <a:extLst>
             <a:ext uri="{C572A759-6A51-4108-AA02-DFA0A04FC94B}">
-              <ma14:wrappingTextBoxFlag xmlns:ma14="http://schemas.microsoft.com/office/mac/drawingml/2011/main" xmlns:a14="http://schemas.microsoft.com/office/drawing/2010/main" xmlns:m="http://schemas.openxmlformats.org/officeDocument/2006/math" xmlns="" val="1"/>
+              <ma14:wrappingTextBoxFlag xmlns="" xmlns:m="http://schemas.openxmlformats.org/officeDocument/2006/math" xmlns:a14="http://schemas.microsoft.com/office/drawing/2010/main" xmlns:ma14="http://schemas.microsoft.com/office/mac/drawingml/2011/main" val="1"/>
             </a:ext>
           </a:extLst>
         </p:spPr>
@@ -17158,7 +21584,7 @@
           </a:ln>
           <a:extLst>
             <a:ext uri="{C572A759-6A51-4108-AA02-DFA0A04FC94B}">
-              <ma14:wrappingTextBoxFlag xmlns="" xmlns:ma14="http://schemas.microsoft.com/office/mac/drawingml/2011/main" val="1"/>
+              <ma14:wrappingTextBoxFlag xmlns:ma14="http://schemas.microsoft.com/office/mac/drawingml/2011/main" xmlns="" val="1"/>
             </a:ext>
           </a:extLst>
         </p:spPr>
@@ -17212,7 +21638,7 @@
           </a:ln>
           <a:extLst>
             <a:ext uri="{C572A759-6A51-4108-AA02-DFA0A04FC94B}">
-              <ma14:wrappingTextBoxFlag xmlns="" xmlns:ma14="http://schemas.microsoft.com/office/mac/drawingml/2011/main" val="1"/>
+              <ma14:wrappingTextBoxFlag xmlns:ma14="http://schemas.microsoft.com/office/mac/drawingml/2011/main" xmlns="" val="1"/>
             </a:ext>
           </a:extLst>
         </p:spPr>
@@ -17266,7 +21692,7 @@
           </a:ln>
           <a:extLst>
             <a:ext uri="{C572A759-6A51-4108-AA02-DFA0A04FC94B}">
-              <ma14:wrappingTextBoxFlag xmlns="" xmlns:ma14="http://schemas.microsoft.com/office/mac/drawingml/2011/main" val="1"/>
+              <ma14:wrappingTextBoxFlag xmlns:ma14="http://schemas.microsoft.com/office/mac/drawingml/2011/main" xmlns="" val="1"/>
             </a:ext>
           </a:extLst>
         </p:spPr>
@@ -17323,7 +21749,7 @@
           </a:ln>
           <a:extLst>
             <a:ext uri="{C572A759-6A51-4108-AA02-DFA0A04FC94B}">
-              <ma14:wrappingTextBoxFlag xmlns="" xmlns:ma14="http://schemas.microsoft.com/office/mac/drawingml/2011/main" val="1"/>
+              <ma14:wrappingTextBoxFlag xmlns:ma14="http://schemas.microsoft.com/office/mac/drawingml/2011/main" xmlns="" val="1"/>
             </a:ext>
           </a:extLst>
         </p:spPr>
@@ -17424,7 +21850,7 @@
           </a:ln>
           <a:extLst>
             <a:ext uri="{C572A759-6A51-4108-AA02-DFA0A04FC94B}">
-              <ma14:wrappingTextBoxFlag xmlns="" xmlns:ma14="http://schemas.microsoft.com/office/mac/drawingml/2011/main" val="1"/>
+              <ma14:wrappingTextBoxFlag xmlns:ma14="http://schemas.microsoft.com/office/mac/drawingml/2011/main" xmlns="" val="1"/>
             </a:ext>
           </a:extLst>
         </p:spPr>
@@ -17477,6 +21903,182 @@
           <a:lstStyle/>
           <a:p>
             <a:endParaRPr sz="1724"/>
+          </a:p>
+        </p:txBody>
+      </p:sp>
+      <p:sp>
+        <p:nvSpPr>
+          <p:cNvPr id="2" name="Right Triangle 1">
+            <a:extLst>
+              <a:ext uri="{FF2B5EF4-FFF2-40B4-BE49-F238E27FC236}">
+                <a16:creationId xmlns:a16="http://schemas.microsoft.com/office/drawing/2014/main" id="{39A59338-392C-224C-8B0E-DFCBCF821322}"/>
+              </a:ext>
+            </a:extLst>
+          </p:cNvPr>
+          <p:cNvSpPr/>
+          <p:nvPr/>
+        </p:nvSpPr>
+        <p:spPr>
+          <a:xfrm rot="16200000">
+            <a:off x="8442705" y="4096136"/>
+            <a:ext cx="918989" cy="693557"/>
+          </a:xfrm>
+          <a:prstGeom prst="rtTriangle">
+            <a:avLst/>
+          </a:prstGeom>
+          <a:solidFill>
+            <a:schemeClr val="bg2">
+              <a:lumMod val="40000"/>
+              <a:lumOff val="60000"/>
+              <a:alpha val="42000"/>
+            </a:schemeClr>
+          </a:solidFill>
+          <a:ln w="12700" cap="flat">
+            <a:solidFill>
+              <a:schemeClr val="tx1"/>
+            </a:solidFill>
+            <a:prstDash val="solid"/>
+            <a:round/>
+          </a:ln>
+          <a:effectLst/>
+          <a:sp3d/>
+        </p:spPr>
+        <p:style>
+          <a:lnRef idx="0">
+            <a:scrgbClr r="0" g="0" b="0"/>
+          </a:lnRef>
+          <a:fillRef idx="0">
+            <a:scrgbClr r="0" g="0" b="0"/>
+          </a:fillRef>
+          <a:effectRef idx="0">
+            <a:scrgbClr r="0" g="0" b="0"/>
+          </a:effectRef>
+          <a:fontRef idx="none"/>
+        </p:style>
+        <p:txBody>
+          <a:bodyPr rot="0" spcFirstLastPara="1" vertOverflow="overflow" horzOverflow="overflow" vert="horz" wrap="square" lIns="46799" tIns="46799" rIns="46799" bIns="46799" numCol="1" spcCol="38100" rtlCol="0" anchor="ctr">
+            <a:spAutoFit/>
+          </a:bodyPr>
+          <a:lstStyle/>
+          <a:p>
+            <a:pPr marL="0" marR="0" indent="0" algn="l" defTabSz="914400" rtl="0" fontAlgn="auto" latinLnBrk="0" hangingPunct="0">
+              <a:lnSpc>
+                <a:spcPct val="100000"/>
+              </a:lnSpc>
+              <a:spcBef>
+                <a:spcPts val="900"/>
+              </a:spcBef>
+              <a:spcAft>
+                <a:spcPts val="0"/>
+              </a:spcAft>
+              <a:buClrTx/>
+              <a:buSzTx/>
+              <a:buFontTx/>
+              <a:buNone/>
+              <a:tabLst/>
+            </a:pPr>
+            <a:endParaRPr kumimoji="0" lang="da-DK" sz="1600" b="0" i="0" u="none" strike="noStrike" cap="none" spc="0" normalizeH="0" baseline="0">
+              <a:ln>
+                <a:noFill/>
+              </a:ln>
+              <a:solidFill>
+                <a:srgbClr val="000000"/>
+              </a:solidFill>
+              <a:effectLst/>
+              <a:uFillTx/>
+              <a:latin typeface="+mn-lt"/>
+              <a:ea typeface="+mn-ea"/>
+              <a:cs typeface="+mn-cs"/>
+              <a:sym typeface="Arial"/>
+            </a:endParaRPr>
+          </a:p>
+        </p:txBody>
+      </p:sp>
+      <p:sp>
+        <p:nvSpPr>
+          <p:cNvPr id="25" name="Right Triangle 24">
+            <a:extLst>
+              <a:ext uri="{FF2B5EF4-FFF2-40B4-BE49-F238E27FC236}">
+                <a16:creationId xmlns:a16="http://schemas.microsoft.com/office/drawing/2014/main" id="{5B59FD9A-7B0B-C847-850A-62A29C952BE3}"/>
+              </a:ext>
+            </a:extLst>
+          </p:cNvPr>
+          <p:cNvSpPr/>
+          <p:nvPr/>
+        </p:nvSpPr>
+        <p:spPr>
+          <a:xfrm rot="5400000">
+            <a:off x="8048847" y="2883995"/>
+            <a:ext cx="918989" cy="693557"/>
+          </a:xfrm>
+          <a:prstGeom prst="rtTriangle">
+            <a:avLst/>
+          </a:prstGeom>
+          <a:solidFill>
+            <a:schemeClr val="bg2">
+              <a:lumMod val="40000"/>
+              <a:lumOff val="60000"/>
+              <a:alpha val="42000"/>
+            </a:schemeClr>
+          </a:solidFill>
+          <a:ln w="12700" cap="flat">
+            <a:solidFill>
+              <a:schemeClr val="tx1"/>
+            </a:solidFill>
+            <a:prstDash val="solid"/>
+            <a:round/>
+          </a:ln>
+          <a:effectLst/>
+          <a:sp3d/>
+        </p:spPr>
+        <p:style>
+          <a:lnRef idx="0">
+            <a:scrgbClr r="0" g="0" b="0"/>
+          </a:lnRef>
+          <a:fillRef idx="0">
+            <a:scrgbClr r="0" g="0" b="0"/>
+          </a:fillRef>
+          <a:effectRef idx="0">
+            <a:scrgbClr r="0" g="0" b="0"/>
+          </a:effectRef>
+          <a:fontRef idx="none"/>
+        </p:style>
+        <p:txBody>
+          <a:bodyPr rot="0" spcFirstLastPara="1" vertOverflow="overflow" horzOverflow="overflow" vert="horz" wrap="square" lIns="46799" tIns="46799" rIns="46799" bIns="46799" numCol="1" spcCol="38100" rtlCol="0" anchor="ctr">
+            <a:spAutoFit/>
+          </a:bodyPr>
+          <a:lstStyle/>
+          <a:p>
+            <a:pPr marL="0" marR="0" indent="0" algn="l" defTabSz="914400" rtl="0" fontAlgn="auto" latinLnBrk="0" hangingPunct="0">
+              <a:lnSpc>
+                <a:spcPct val="100000"/>
+              </a:lnSpc>
+              <a:spcBef>
+                <a:spcPts val="900"/>
+              </a:spcBef>
+              <a:spcAft>
+                <a:spcPts val="0"/>
+              </a:spcAft>
+              <a:buClrTx/>
+              <a:buSzTx/>
+              <a:buFontTx/>
+              <a:buNone/>
+              <a:tabLst/>
+            </a:pPr>
+            <a:endParaRPr kumimoji="0" lang="da-DK" sz="1600" b="0" i="0" u="none" strike="noStrike" cap="none" spc="0" normalizeH="0" baseline="0">
+              <a:ln>
+                <a:noFill/>
+              </a:ln>
+              <a:solidFill>
+                <a:srgbClr val="000000"/>
+              </a:solidFill>
+              <a:effectLst/>
+              <a:uFillTx/>
+              <a:latin typeface="+mn-lt"/>
+              <a:ea typeface="+mn-ea"/>
+              <a:cs typeface="+mn-cs"/>
+              <a:sym typeface="Arial"/>
+            </a:endParaRPr>
           </a:p>
         </p:txBody>
       </p:sp>
@@ -17519,12 +22121,100 @@
                                   <p:childTnLst>
                                     <p:cmd type="call" cmd="playFrom(0.0)">
                                       <p:cBhvr>
-                                        <p:cTn id="6" dur="6199999" fill="hold"/>
+                                        <p:cTn id="6" dur="6200" fill="hold"/>
                                         <p:tgtEl>
                                           <p:spTgt spid="50"/>
                                         </p:tgtEl>
                                       </p:cBhvr>
                                     </p:cmd>
+                                  </p:childTnLst>
+                                </p:cTn>
+                              </p:par>
+                            </p:childTnLst>
+                          </p:cTn>
+                        </p:par>
+                      </p:childTnLst>
+                    </p:cTn>
+                  </p:par>
+                  <p:par>
+                    <p:cTn id="7" fill="hold">
+                      <p:stCondLst>
+                        <p:cond delay="indefinite"/>
+                      </p:stCondLst>
+                      <p:childTnLst>
+                        <p:par>
+                          <p:cTn id="8" fill="hold">
+                            <p:stCondLst>
+                              <p:cond delay="0"/>
+                            </p:stCondLst>
+                            <p:childTnLst>
+                              <p:par>
+                                <p:cTn id="9" presetID="10" presetClass="entr" presetSubtype="0" fill="hold" grpId="0" nodeType="clickEffect">
+                                  <p:stCondLst>
+                                    <p:cond delay="0"/>
+                                  </p:stCondLst>
+                                  <p:childTnLst>
+                                    <p:set>
+                                      <p:cBhvr>
+                                        <p:cTn id="10" dur="1" fill="hold">
+                                          <p:stCondLst>
+                                            <p:cond delay="0"/>
+                                          </p:stCondLst>
+                                        </p:cTn>
+                                        <p:tgtEl>
+                                          <p:spTgt spid="2"/>
+                                        </p:tgtEl>
+                                        <p:attrNameLst>
+                                          <p:attrName>style.visibility</p:attrName>
+                                        </p:attrNameLst>
+                                      </p:cBhvr>
+                                      <p:to>
+                                        <p:strVal val="visible"/>
+                                      </p:to>
+                                    </p:set>
+                                    <p:animEffect transition="in" filter="fade">
+                                      <p:cBhvr>
+                                        <p:cTn id="11" dur="500"/>
+                                        <p:tgtEl>
+                                          <p:spTgt spid="2"/>
+                                        </p:tgtEl>
+                                      </p:cBhvr>
+                                    </p:animEffect>
+                                  </p:childTnLst>
+                                </p:cTn>
+                              </p:par>
+                              <p:par>
+                                <p:cTn id="12" presetID="10" presetClass="entr" presetSubtype="0" fill="hold" grpId="0" nodeType="withEffect">
+                                  <p:stCondLst>
+                                    <p:cond delay="0"/>
+                                  </p:stCondLst>
+                                  <p:childTnLst>
+                                    <p:set>
+                                      <p:cBhvr>
+                                        <p:cTn id="13" dur="1" fill="hold">
+                                          <p:stCondLst>
+                                            <p:cond delay="0"/>
+                                          </p:stCondLst>
+                                        </p:cTn>
+                                        <p:tgtEl>
+                                          <p:spTgt spid="25"/>
+                                        </p:tgtEl>
+                                        <p:attrNameLst>
+                                          <p:attrName>style.visibility</p:attrName>
+                                        </p:attrNameLst>
+                                      </p:cBhvr>
+                                      <p:to>
+                                        <p:strVal val="visible"/>
+                                      </p:to>
+                                    </p:set>
+                                    <p:animEffect transition="in" filter="fade">
+                                      <p:cBhvr>
+                                        <p:cTn id="14" dur="500"/>
+                                        <p:tgtEl>
+                                          <p:spTgt spid="25"/>
+                                        </p:tgtEl>
+                                      </p:cBhvr>
+                                    </p:animEffect>
                                   </p:childTnLst>
                                 </p:cTn>
                               </p:par>
@@ -17553,7 +22243,7 @@
             </p:seq>
             <p:video>
               <p:cMediaNode vol="100000">
-                <p:cTn id="7" fill="hold" display="0">
+                <p:cTn id="15" fill="hold" display="0">
                   <p:stCondLst>
                     <p:cond delay="indefinite"/>
                   </p:stCondLst>
@@ -17567,6 +22257,10 @@
         </p:cTn>
       </p:par>
     </p:tnLst>
+    <p:bldLst>
+      <p:bldP spid="2" grpId="0" animBg="1"/>
+      <p:bldP spid="25" grpId="0" animBg="1"/>
+    </p:bldLst>
   </p:timing>
 </p:sld>
 </file>
@@ -17702,7 +22396,7 @@
           </a:prstGeom>
           <a:extLst>
             <a:ext uri="{C572A759-6A51-4108-AA02-DFA0A04FC94B}">
-              <ma14:wrappingTextBoxFlag xmlns:ma14="http://schemas.microsoft.com/office/mac/drawingml/2011/main" xmlns:a14="http://schemas.microsoft.com/office/drawing/2010/main" xmlns:m="http://schemas.openxmlformats.org/officeDocument/2006/math" xmlns="" val="1"/>
+              <ma14:wrappingTextBoxFlag xmlns="" xmlns:m="http://schemas.openxmlformats.org/officeDocument/2006/math" xmlns:a14="http://schemas.microsoft.com/office/drawing/2010/main" xmlns:ma14="http://schemas.microsoft.com/office/mac/drawingml/2011/main" val="1"/>
             </a:ext>
           </a:extLst>
         </p:spPr>
@@ -18115,7 +22809,7 @@
             <a:effectLst/>
             <a:extLst>
               <a:ext uri="{C572A759-6A51-4108-AA02-DFA0A04FC94B}">
-                <ma14:wrappingTextBoxFlag xmlns="" xmlns:ma14="http://schemas.microsoft.com/office/mac/drawingml/2011/main" val="1"/>
+                <ma14:wrappingTextBoxFlag xmlns:ma14="http://schemas.microsoft.com/office/mac/drawingml/2011/main" xmlns="" val="1"/>
               </a:ext>
             </a:extLst>
           </p:spPr>
@@ -18169,7 +22863,7 @@
             <a:effectLst/>
             <a:extLst>
               <a:ext uri="{C572A759-6A51-4108-AA02-DFA0A04FC94B}">
-                <ma14:wrappingTextBoxFlag xmlns="" xmlns:ma14="http://schemas.microsoft.com/office/mac/drawingml/2011/main" val="1"/>
+                <ma14:wrappingTextBoxFlag xmlns:ma14="http://schemas.microsoft.com/office/mac/drawingml/2011/main" xmlns="" val="1"/>
               </a:ext>
             </a:extLst>
           </p:spPr>
@@ -18231,7 +22925,7 @@
             <a:effectLst/>
             <a:extLst>
               <a:ext uri="{C572A759-6A51-4108-AA02-DFA0A04FC94B}">
-                <ma14:wrappingTextBoxFlag xmlns="" xmlns:ma14="http://schemas.microsoft.com/office/mac/drawingml/2011/main" val="1"/>
+                <ma14:wrappingTextBoxFlag xmlns:ma14="http://schemas.microsoft.com/office/mac/drawingml/2011/main" xmlns="" val="1"/>
               </a:ext>
             </a:extLst>
           </p:spPr>
@@ -18342,7 +23036,7 @@
             <a:effectLst/>
             <a:extLst>
               <a:ext uri="{C572A759-6A51-4108-AA02-DFA0A04FC94B}">
-                <ma14:wrappingTextBoxFlag xmlns="" xmlns:ma14="http://schemas.microsoft.com/office/mac/drawingml/2011/main" val="1"/>
+                <ma14:wrappingTextBoxFlag xmlns:ma14="http://schemas.microsoft.com/office/mac/drawingml/2011/main" xmlns="" val="1"/>
               </a:ext>
             </a:extLst>
           </p:spPr>
@@ -18502,7 +23196,7 @@
             <a:effectLst/>
             <a:extLst>
               <a:ext uri="{C572A759-6A51-4108-AA02-DFA0A04FC94B}">
-                <ma14:wrappingTextBoxFlag xmlns="" xmlns:ma14="http://schemas.microsoft.com/office/mac/drawingml/2011/main" val="1"/>
+                <ma14:wrappingTextBoxFlag xmlns:ma14="http://schemas.microsoft.com/office/mac/drawingml/2011/main" xmlns="" val="1"/>
               </a:ext>
             </a:extLst>
           </p:spPr>
@@ -18720,61 +23414,6 @@
       </p:sp>
       <p:sp>
         <p:nvSpPr>
-          <p:cNvPr id="251" name="Content Placeholder 5"/>
-          <p:cNvSpPr txBox="1">
-            <a:spLocks noGrp="1"/>
-          </p:cNvSpPr>
-          <p:nvPr>
-            <p:ph type="body" idx="1"/>
-          </p:nvPr>
-        </p:nvSpPr>
-        <p:spPr>
-          <a:xfrm>
-            <a:off x="1774799" y="1706399"/>
-            <a:ext cx="9312376" cy="4545579"/>
-          </a:xfrm>
-          <a:prstGeom prst="rect">
-            <a:avLst/>
-          </a:prstGeom>
-        </p:spPr>
-        <p:txBody>
-          <a:bodyPr/>
-          <a:lstStyle/>
-          <a:p>
-            <a:r>
-              <a:rPr lang="da-DK" dirty="0"/>
-              <a:t>How it is </a:t>
-            </a:r>
-            <a:r>
-              <a:rPr lang="da-DK" dirty="0" err="1"/>
-              <a:t>parametraized</a:t>
-            </a:r>
-            <a:r>
-              <a:rPr lang="da-DK" dirty="0"/>
-              <a:t> in </a:t>
-            </a:r>
-            <a:r>
-              <a:rPr lang="da-DK" dirty="0" err="1"/>
-              <a:t>McStas</a:t>
-            </a:r>
-            <a:r>
-              <a:rPr lang="da-DK" dirty="0"/>
-              <a:t> and the </a:t>
-            </a:r>
-            <a:r>
-              <a:rPr lang="da-DK" dirty="0" err="1"/>
-              <a:t>two</a:t>
-            </a:r>
-            <a:r>
-              <a:rPr lang="da-DK" dirty="0"/>
-              <a:t> modes</a:t>
-            </a:r>
-            <a:endParaRPr dirty="0"/>
-          </a:p>
-        </p:txBody>
-      </p:sp>
-      <p:sp>
-        <p:nvSpPr>
           <p:cNvPr id="252" name="Slide Number Placeholder 3"/>
           <p:cNvSpPr txBox="1">
             <a:spLocks noGrp="1"/>
@@ -18793,7 +23432,7 @@
           </a:prstGeom>
           <a:extLst>
             <a:ext uri="{C572A759-6A51-4108-AA02-DFA0A04FC94B}">
-              <ma14:wrappingTextBoxFlag xmlns:ma14="http://schemas.microsoft.com/office/mac/drawingml/2011/main" xmlns:a14="http://schemas.microsoft.com/office/drawing/2010/main" xmlns:m="http://schemas.openxmlformats.org/officeDocument/2006/math" xmlns="" val="1"/>
+              <ma14:wrappingTextBoxFlag xmlns="" xmlns:m="http://schemas.openxmlformats.org/officeDocument/2006/math" xmlns:a14="http://schemas.microsoft.com/office/drawing/2010/main" xmlns:ma14="http://schemas.microsoft.com/office/mac/drawingml/2011/main" val="1"/>
             </a:ext>
           </a:extLst>
         </p:spPr>
@@ -18836,7 +23475,7 @@
         </p:blipFill>
         <p:spPr>
           <a:xfrm>
-            <a:off x="1774725" y="2180399"/>
+            <a:off x="1774725" y="1529950"/>
             <a:ext cx="7767687" cy="767087"/>
           </a:xfrm>
           <a:prstGeom prst="rect">
@@ -18872,7 +23511,7 @@
         </p:blipFill>
         <p:spPr>
           <a:xfrm>
-            <a:off x="6162434" y="3008917"/>
+            <a:off x="6162434" y="2951044"/>
             <a:ext cx="4079974" cy="3518510"/>
           </a:xfrm>
           <a:prstGeom prst="rect">
@@ -18880,8 +23519,8 @@
           </a:prstGeom>
         </p:spPr>
       </p:pic>
-      <mc:AlternateContent xmlns:mc="http://schemas.openxmlformats.org/markup-compatibility/2006">
-        <mc:Choice xmlns:a14="http://schemas.microsoft.com/office/drawing/2010/main" Requires="a14">
+      <mc:AlternateContent xmlns:mc="http://schemas.openxmlformats.org/markup-compatibility/2006" xmlns:a14="http://schemas.microsoft.com/office/drawing/2010/main">
+        <mc:Choice Requires="a14">
           <p:sp>
             <p:nvSpPr>
               <p:cNvPr id="9" name="TextBox 8">
@@ -19126,7 +23765,7 @@
             </p:txBody>
           </p:sp>
         </mc:Choice>
-        <mc:Fallback>
+        <mc:Fallback xmlns="">
           <p:sp>
             <p:nvSpPr>
               <p:cNvPr id="9" name="TextBox 8">
@@ -19204,7 +23843,7 @@
         </p:blipFill>
         <p:spPr>
           <a:xfrm>
-            <a:off x="1632175" y="3073138"/>
+            <a:off x="1632175" y="3015265"/>
             <a:ext cx="3922413" cy="3463706"/>
           </a:xfrm>
           <a:prstGeom prst="rect">
@@ -19632,6 +24271,238 @@
           </p:sp>
         </mc:Fallback>
       </mc:AlternateContent>
+      <p:sp>
+        <p:nvSpPr>
+          <p:cNvPr id="4" name="TextBox 3">
+            <a:extLst>
+              <a:ext uri="{FF2B5EF4-FFF2-40B4-BE49-F238E27FC236}">
+                <a16:creationId xmlns:a16="http://schemas.microsoft.com/office/drawing/2014/main" id="{74E2B8CB-ACF8-9149-94D3-C1ABEAD8CBFA}"/>
+              </a:ext>
+            </a:extLst>
+          </p:cNvPr>
+          <p:cNvSpPr txBox="1"/>
+          <p:nvPr/>
+        </p:nvSpPr>
+        <p:spPr>
+          <a:xfrm>
+            <a:off x="2422688" y="2591059"/>
+            <a:ext cx="2875176" cy="361637"/>
+          </a:xfrm>
+          <a:prstGeom prst="rect">
+            <a:avLst/>
+          </a:prstGeom>
+          <a:noFill/>
+          <a:ln w="12700" cap="flat">
+            <a:noFill/>
+            <a:miter lim="400000"/>
+          </a:ln>
+          <a:effectLst/>
+          <a:sp3d/>
+        </p:spPr>
+        <p:style>
+          <a:lnRef idx="0">
+            <a:scrgbClr r="0" g="0" b="0"/>
+          </a:lnRef>
+          <a:fillRef idx="0">
+            <a:scrgbClr r="0" g="0" b="0"/>
+          </a:fillRef>
+          <a:effectRef idx="0">
+            <a:scrgbClr r="0" g="0" b="0"/>
+          </a:effectRef>
+          <a:fontRef idx="none"/>
+        </p:style>
+        <p:txBody>
+          <a:bodyPr rot="0" spcFirstLastPara="1" vertOverflow="overflow" horzOverflow="overflow" vert="horz" wrap="square" lIns="0" tIns="0" rIns="0" bIns="0" numCol="1" spcCol="38100" rtlCol="0" anchor="t">
+            <a:spAutoFit/>
+          </a:bodyPr>
+          <a:lstStyle/>
+          <a:p>
+            <a:pPr marL="0" marR="0" indent="0" algn="ctr" defTabSz="914400" rtl="0" fontAlgn="auto" latinLnBrk="0" hangingPunct="0">
+              <a:lnSpc>
+                <a:spcPct val="100000"/>
+              </a:lnSpc>
+              <a:spcBef>
+                <a:spcPts val="900"/>
+              </a:spcBef>
+              <a:spcAft>
+                <a:spcPts val="0"/>
+              </a:spcAft>
+              <a:buClrTx/>
+              <a:buSzTx/>
+              <a:buFontTx/>
+              <a:buNone/>
+              <a:tabLst/>
+            </a:pPr>
+            <a:r>
+              <a:rPr kumimoji="0" lang="da-DK" sz="1600" b="0" i="0" u="none" strike="noStrike" cap="none" spc="0" normalizeH="0" baseline="0" dirty="0" err="1">
+                <a:ln>
+                  <a:noFill/>
+                </a:ln>
+                <a:solidFill>
+                  <a:srgbClr val="000000"/>
+                </a:solidFill>
+                <a:effectLst/>
+                <a:uFillTx/>
+                <a:latin typeface="+mn-lt"/>
+                <a:ea typeface="+mn-ea"/>
+                <a:cs typeface="+mn-cs"/>
+                <a:sym typeface="Arial"/>
+              </a:rPr>
+              <a:t>McStas</a:t>
+            </a:r>
+            <a:r>
+              <a:rPr kumimoji="0" lang="da-DK" sz="1600" b="0" i="0" u="none" strike="noStrike" cap="none" spc="0" normalizeH="0" baseline="0" dirty="0">
+                <a:ln>
+                  <a:noFill/>
+                </a:ln>
+                <a:solidFill>
+                  <a:srgbClr val="000000"/>
+                </a:solidFill>
+                <a:effectLst/>
+                <a:uFillTx/>
+                <a:latin typeface="+mn-lt"/>
+                <a:ea typeface="+mn-ea"/>
+                <a:cs typeface="+mn-cs"/>
+                <a:sym typeface="Arial"/>
+              </a:rPr>
+              <a:t> standard model</a:t>
+            </a:r>
+          </a:p>
+        </p:txBody>
+      </p:sp>
+      <p:sp>
+        <p:nvSpPr>
+          <p:cNvPr id="14" name="TextBox 13">
+            <a:extLst>
+              <a:ext uri="{FF2B5EF4-FFF2-40B4-BE49-F238E27FC236}">
+                <a16:creationId xmlns:a16="http://schemas.microsoft.com/office/drawing/2014/main" id="{6F5AB51B-972E-7943-9F22-C7008DB7101D}"/>
+              </a:ext>
+            </a:extLst>
+          </p:cNvPr>
+          <p:cNvSpPr txBox="1"/>
+          <p:nvPr/>
+        </p:nvSpPr>
+        <p:spPr>
+          <a:xfrm>
+            <a:off x="7099954" y="2589407"/>
+            <a:ext cx="2875176" cy="361637"/>
+          </a:xfrm>
+          <a:prstGeom prst="rect">
+            <a:avLst/>
+          </a:prstGeom>
+          <a:noFill/>
+          <a:ln w="12700" cap="flat">
+            <a:noFill/>
+            <a:miter lim="400000"/>
+          </a:ln>
+          <a:effectLst/>
+          <a:sp3d/>
+        </p:spPr>
+        <p:style>
+          <a:lnRef idx="0">
+            <a:scrgbClr r="0" g="0" b="0"/>
+          </a:lnRef>
+          <a:fillRef idx="0">
+            <a:scrgbClr r="0" g="0" b="0"/>
+          </a:fillRef>
+          <a:effectRef idx="0">
+            <a:scrgbClr r="0" g="0" b="0"/>
+          </a:effectRef>
+          <a:fontRef idx="none"/>
+        </p:style>
+        <p:txBody>
+          <a:bodyPr rot="0" spcFirstLastPara="1" vertOverflow="overflow" horzOverflow="overflow" vert="horz" wrap="square" lIns="0" tIns="0" rIns="0" bIns="0" numCol="1" spcCol="38100" rtlCol="0" anchor="t">
+            <a:spAutoFit/>
+          </a:bodyPr>
+          <a:lstStyle/>
+          <a:p>
+            <a:pPr marL="0" marR="0" indent="0" algn="ctr" defTabSz="914400" rtl="0" fontAlgn="auto" latinLnBrk="0" hangingPunct="0">
+              <a:lnSpc>
+                <a:spcPct val="100000"/>
+              </a:lnSpc>
+              <a:spcBef>
+                <a:spcPts val="900"/>
+              </a:spcBef>
+              <a:spcAft>
+                <a:spcPts val="0"/>
+              </a:spcAft>
+              <a:buClrTx/>
+              <a:buSzTx/>
+              <a:buFontTx/>
+              <a:buNone/>
+              <a:tabLst/>
+            </a:pPr>
+            <a:r>
+              <a:rPr kumimoji="0" lang="da-DK" sz="1600" b="0" i="0" u="none" strike="noStrike" cap="none" spc="0" normalizeH="0" baseline="0" dirty="0" err="1">
+                <a:ln>
+                  <a:noFill/>
+                </a:ln>
+                <a:solidFill>
+                  <a:srgbClr val="000000"/>
+                </a:solidFill>
+                <a:effectLst/>
+                <a:uFillTx/>
+                <a:latin typeface="+mn-lt"/>
+                <a:ea typeface="+mn-ea"/>
+                <a:cs typeface="+mn-cs"/>
+                <a:sym typeface="Arial"/>
+              </a:rPr>
+              <a:t>McStas</a:t>
+            </a:r>
+            <a:r>
+              <a:rPr kumimoji="0" lang="da-DK" sz="1600" b="0" i="0" u="none" strike="noStrike" cap="none" spc="0" normalizeH="0" baseline="0" dirty="0">
+                <a:ln>
+                  <a:noFill/>
+                </a:ln>
+                <a:solidFill>
+                  <a:srgbClr val="000000"/>
+                </a:solidFill>
+                <a:effectLst/>
+                <a:uFillTx/>
+                <a:latin typeface="+mn-lt"/>
+                <a:ea typeface="+mn-ea"/>
+                <a:cs typeface="+mn-cs"/>
+                <a:sym typeface="Arial"/>
+              </a:rPr>
+              <a:t> </a:t>
+            </a:r>
+            <a:r>
+              <a:rPr kumimoji="0" lang="da-DK" sz="1600" b="0" i="0" u="none" strike="noStrike" cap="none" spc="0" normalizeH="0" baseline="0" dirty="0" err="1">
+                <a:ln>
+                  <a:noFill/>
+                </a:ln>
+                <a:solidFill>
+                  <a:srgbClr val="000000"/>
+                </a:solidFill>
+                <a:effectLst/>
+                <a:uFillTx/>
+                <a:latin typeface="+mn-lt"/>
+                <a:ea typeface="+mn-ea"/>
+                <a:cs typeface="+mn-cs"/>
+                <a:sym typeface="Arial"/>
+              </a:rPr>
+              <a:t>fitted</a:t>
+            </a:r>
+            <a:r>
+              <a:rPr kumimoji="0" lang="da-DK" sz="1600" b="0" i="0" u="none" strike="noStrike" cap="none" spc="0" normalizeH="0" baseline="0" dirty="0">
+                <a:ln>
+                  <a:noFill/>
+                </a:ln>
+                <a:solidFill>
+                  <a:srgbClr val="000000"/>
+                </a:solidFill>
+                <a:effectLst/>
+                <a:uFillTx/>
+                <a:latin typeface="+mn-lt"/>
+                <a:ea typeface="+mn-ea"/>
+                <a:cs typeface="+mn-cs"/>
+                <a:sym typeface="Arial"/>
+              </a:rPr>
+              <a:t> model</a:t>
+            </a:r>
+          </a:p>
+        </p:txBody>
+      </p:sp>
     </p:spTree>
     <p:extLst>
       <p:ext uri="{BB962C8B-B14F-4D97-AF65-F5344CB8AC3E}">
@@ -19733,6 +24604,41 @@
                                   </p:childTnLst>
                                 </p:cTn>
                               </p:par>
+                              <p:par>
+                                <p:cTn id="11" presetID="10" presetClass="entr" presetSubtype="0" fill="hold" grpId="0" nodeType="withEffect">
+                                  <p:stCondLst>
+                                    <p:cond delay="0"/>
+                                  </p:stCondLst>
+                                  <p:childTnLst>
+                                    <p:set>
+                                      <p:cBhvr>
+                                        <p:cTn id="12" dur="1" fill="hold">
+                                          <p:stCondLst>
+                                            <p:cond delay="0"/>
+                                          </p:stCondLst>
+                                        </p:cTn>
+                                        <p:tgtEl>
+                                          <p:spTgt spid="14"/>
+                                        </p:tgtEl>
+                                        <p:attrNameLst>
+                                          <p:attrName>style.visibility</p:attrName>
+                                        </p:attrNameLst>
+                                      </p:cBhvr>
+                                      <p:to>
+                                        <p:strVal val="visible"/>
+                                      </p:to>
+                                    </p:set>
+                                    <p:animEffect transition="in" filter="fade">
+                                      <p:cBhvr>
+                                        <p:cTn id="13" dur="500"/>
+                                        <p:tgtEl>
+                                          <p:spTgt spid="14"/>
+                                        </p:tgtEl>
+                                      </p:cBhvr>
+                                    </p:animEffect>
+                                  </p:childTnLst>
+                                </p:cTn>
+                              </p:par>
                             </p:childTnLst>
                           </p:cTn>
                         </p:par>
@@ -19762,6 +24668,7 @@
     </p:tnLst>
     <p:bldLst>
       <p:bldP spid="9" grpId="0"/>
+      <p:bldP spid="14" grpId="0"/>
     </p:bldLst>
   </p:timing>
 </p:sld>
@@ -19875,7 +24782,7 @@
           </a:prstGeom>
           <a:extLst>
             <a:ext uri="{C572A759-6A51-4108-AA02-DFA0A04FC94B}">
-              <ma14:wrappingTextBoxFlag xmlns:ma14="http://schemas.microsoft.com/office/mac/drawingml/2011/main" xmlns:a14="http://schemas.microsoft.com/office/drawing/2010/main" xmlns:m="http://schemas.openxmlformats.org/officeDocument/2006/math" xmlns="" val="1"/>
+              <ma14:wrappingTextBoxFlag xmlns="" xmlns:m="http://schemas.openxmlformats.org/officeDocument/2006/math" xmlns:a14="http://schemas.microsoft.com/office/drawing/2010/main" xmlns:ma14="http://schemas.microsoft.com/office/mac/drawingml/2011/main" val="1"/>
             </a:ext>
           </a:extLst>
         </p:spPr>

--- a/CSNS_March_2019/2_Tuesday_March_26th/2_guides/guide_intro_talk.pptx
+++ b/CSNS_March_2019/2_Tuesday_March_26th/2_guides/guide_intro_talk.pptx
@@ -1804,7 +1804,7 @@
           </a:ln>
           <a:extLst>
             <a:ext uri="{C572A759-6A51-4108-AA02-DFA0A04FC94B}">
-              <ma14:wrappingTextBoxFlag xmlns="" xmlns:m="http://schemas.openxmlformats.org/officeDocument/2006/math" xmlns:a14="http://schemas.microsoft.com/office/drawing/2010/main" xmlns:ma14="http://schemas.microsoft.com/office/mac/drawingml/2011/main" val="1"/>
+              <ma14:wrappingTextBoxFlag xmlns:ma14="http://schemas.microsoft.com/office/mac/drawingml/2011/main" xmlns:a14="http://schemas.microsoft.com/office/drawing/2010/main" xmlns:m="http://schemas.openxmlformats.org/officeDocument/2006/math" xmlns="" val="1"/>
             </a:ext>
           </a:extLst>
         </p:spPr>
@@ -1850,7 +1850,7 @@
           </a:ln>
           <a:extLst>
             <a:ext uri="{C572A759-6A51-4108-AA02-DFA0A04FC94B}">
-              <ma14:wrappingTextBoxFlag xmlns="" xmlns:m="http://schemas.openxmlformats.org/officeDocument/2006/math" xmlns:a14="http://schemas.microsoft.com/office/drawing/2010/main" xmlns:ma14="http://schemas.microsoft.com/office/mac/drawingml/2011/main" val="1"/>
+              <ma14:wrappingTextBoxFlag xmlns:ma14="http://schemas.microsoft.com/office/mac/drawingml/2011/main" xmlns:a14="http://schemas.microsoft.com/office/drawing/2010/main" xmlns:m="http://schemas.openxmlformats.org/officeDocument/2006/math" xmlns="" val="1"/>
             </a:ext>
           </a:extLst>
         </p:spPr>
@@ -2838,7 +2838,7 @@
             <a:effectLst/>
             <a:extLst>
               <a:ext uri="{C572A759-6A51-4108-AA02-DFA0A04FC94B}">
-                <ma14:wrappingTextBoxFlag xmlns="" xmlns:m="http://schemas.openxmlformats.org/officeDocument/2006/math" xmlns:a14="http://schemas.microsoft.com/office/drawing/2010/main" xmlns:ma14="http://schemas.microsoft.com/office/mac/drawingml/2011/main" val="1"/>
+                <ma14:wrappingTextBoxFlag xmlns:ma14="http://schemas.microsoft.com/office/mac/drawingml/2011/main" xmlns:a14="http://schemas.microsoft.com/office/drawing/2010/main" xmlns:m="http://schemas.openxmlformats.org/officeDocument/2006/math" xmlns="" val="1"/>
               </a:ext>
             </a:extLst>
           </p:spPr>
@@ -3436,7 +3436,7 @@
           </a:ln>
           <a:extLst>
             <a:ext uri="{C572A759-6A51-4108-AA02-DFA0A04FC94B}">
-              <ma14:wrappingTextBoxFlag xmlns="" xmlns:m="http://schemas.openxmlformats.org/officeDocument/2006/math" xmlns:a14="http://schemas.microsoft.com/office/drawing/2010/main" xmlns:ma14="http://schemas.microsoft.com/office/mac/drawingml/2011/main" val="1"/>
+              <ma14:wrappingTextBoxFlag xmlns:ma14="http://schemas.microsoft.com/office/mac/drawingml/2011/main" xmlns:a14="http://schemas.microsoft.com/office/drawing/2010/main" xmlns:m="http://schemas.openxmlformats.org/officeDocument/2006/math" xmlns="" val="1"/>
             </a:ext>
           </a:extLst>
         </p:spPr>
@@ -3482,7 +3482,7 @@
           </a:ln>
           <a:extLst>
             <a:ext uri="{C572A759-6A51-4108-AA02-DFA0A04FC94B}">
-              <ma14:wrappingTextBoxFlag xmlns="" xmlns:m="http://schemas.openxmlformats.org/officeDocument/2006/math" xmlns:a14="http://schemas.microsoft.com/office/drawing/2010/main" xmlns:ma14="http://schemas.microsoft.com/office/mac/drawingml/2011/main" val="1"/>
+              <ma14:wrappingTextBoxFlag xmlns:ma14="http://schemas.microsoft.com/office/mac/drawingml/2011/main" xmlns:a14="http://schemas.microsoft.com/office/drawing/2010/main" xmlns:m="http://schemas.openxmlformats.org/officeDocument/2006/math" xmlns="" val="1"/>
             </a:ext>
           </a:extLst>
         </p:spPr>
@@ -4386,7 +4386,7 @@
             <a:effectLst/>
             <a:extLst>
               <a:ext uri="{C572A759-6A51-4108-AA02-DFA0A04FC94B}">
-                <ma14:wrappingTextBoxFlag xmlns="" xmlns:m="http://schemas.openxmlformats.org/officeDocument/2006/math" xmlns:a14="http://schemas.microsoft.com/office/drawing/2010/main" xmlns:ma14="http://schemas.microsoft.com/office/mac/drawingml/2011/main" val="1"/>
+                <ma14:wrappingTextBoxFlag xmlns:ma14="http://schemas.microsoft.com/office/mac/drawingml/2011/main" xmlns:a14="http://schemas.microsoft.com/office/drawing/2010/main" xmlns:m="http://schemas.openxmlformats.org/officeDocument/2006/math" xmlns="" val="1"/>
               </a:ext>
             </a:extLst>
           </p:spPr>
@@ -5021,7 +5021,7 @@
           </a:ln>
           <a:extLst>
             <a:ext uri="{C572A759-6A51-4108-AA02-DFA0A04FC94B}">
-              <ma14:wrappingTextBoxFlag xmlns="" xmlns:m="http://schemas.openxmlformats.org/officeDocument/2006/math" xmlns:a14="http://schemas.microsoft.com/office/drawing/2010/main" xmlns:ma14="http://schemas.microsoft.com/office/mac/drawingml/2011/main" val="1"/>
+              <ma14:wrappingTextBoxFlag xmlns:ma14="http://schemas.microsoft.com/office/mac/drawingml/2011/main" xmlns:a14="http://schemas.microsoft.com/office/drawing/2010/main" xmlns:m="http://schemas.openxmlformats.org/officeDocument/2006/math" xmlns="" val="1"/>
             </a:ext>
           </a:extLst>
         </p:spPr>
@@ -5067,7 +5067,7 @@
           </a:ln>
           <a:extLst>
             <a:ext uri="{C572A759-6A51-4108-AA02-DFA0A04FC94B}">
-              <ma14:wrappingTextBoxFlag xmlns="" xmlns:m="http://schemas.openxmlformats.org/officeDocument/2006/math" xmlns:a14="http://schemas.microsoft.com/office/drawing/2010/main" xmlns:ma14="http://schemas.microsoft.com/office/mac/drawingml/2011/main" val="1"/>
+              <ma14:wrappingTextBoxFlag xmlns:ma14="http://schemas.microsoft.com/office/mac/drawingml/2011/main" xmlns:a14="http://schemas.microsoft.com/office/drawing/2010/main" xmlns:m="http://schemas.openxmlformats.org/officeDocument/2006/math" xmlns="" val="1"/>
             </a:ext>
           </a:extLst>
         </p:spPr>
@@ -5934,7 +5934,7 @@
             <a:effectLst/>
             <a:extLst>
               <a:ext uri="{C572A759-6A51-4108-AA02-DFA0A04FC94B}">
-                <ma14:wrappingTextBoxFlag xmlns="" xmlns:m="http://schemas.openxmlformats.org/officeDocument/2006/math" xmlns:a14="http://schemas.microsoft.com/office/drawing/2010/main" xmlns:ma14="http://schemas.microsoft.com/office/mac/drawingml/2011/main" val="1"/>
+                <ma14:wrappingTextBoxFlag xmlns:ma14="http://schemas.microsoft.com/office/mac/drawingml/2011/main" xmlns:a14="http://schemas.microsoft.com/office/drawing/2010/main" xmlns:m="http://schemas.openxmlformats.org/officeDocument/2006/math" xmlns="" val="1"/>
               </a:ext>
             </a:extLst>
           </p:spPr>
@@ -5987,7 +5987,7 @@
           </a:ln>
           <a:extLst>
             <a:ext uri="{C572A759-6A51-4108-AA02-DFA0A04FC94B}">
-              <ma14:wrappingTextBoxFlag xmlns="" xmlns:m="http://schemas.openxmlformats.org/officeDocument/2006/math" xmlns:a14="http://schemas.microsoft.com/office/drawing/2010/main" xmlns:ma14="http://schemas.microsoft.com/office/mac/drawingml/2011/main" val="1"/>
+              <ma14:wrappingTextBoxFlag xmlns:ma14="http://schemas.microsoft.com/office/mac/drawingml/2011/main" xmlns:a14="http://schemas.microsoft.com/office/drawing/2010/main" xmlns:m="http://schemas.openxmlformats.org/officeDocument/2006/math" xmlns="" val="1"/>
             </a:ext>
           </a:extLst>
         </p:spPr>
@@ -6024,7 +6024,7 @@
           </a:ln>
           <a:extLst>
             <a:ext uri="{C572A759-6A51-4108-AA02-DFA0A04FC94B}">
-              <ma14:wrappingTextBoxFlag xmlns="" xmlns:m="http://schemas.openxmlformats.org/officeDocument/2006/math" xmlns:a14="http://schemas.microsoft.com/office/drawing/2010/main" xmlns:ma14="http://schemas.microsoft.com/office/mac/drawingml/2011/main" val="1"/>
+              <ma14:wrappingTextBoxFlag xmlns:ma14="http://schemas.microsoft.com/office/mac/drawingml/2011/main" xmlns:a14="http://schemas.microsoft.com/office/drawing/2010/main" xmlns:m="http://schemas.openxmlformats.org/officeDocument/2006/math" xmlns="" val="1"/>
             </a:ext>
           </a:extLst>
         </p:spPr>
@@ -6963,7 +6963,7 @@
           </a:prstGeom>
           <a:extLst>
             <a:ext uri="{C572A759-6A51-4108-AA02-DFA0A04FC94B}">
-              <ma14:wrappingTextBoxFlag xmlns="" xmlns:m="http://schemas.openxmlformats.org/officeDocument/2006/math" xmlns:a14="http://schemas.microsoft.com/office/drawing/2010/main" xmlns:ma14="http://schemas.microsoft.com/office/mac/drawingml/2011/main" val="1"/>
+              <ma14:wrappingTextBoxFlag xmlns:ma14="http://schemas.microsoft.com/office/mac/drawingml/2011/main" xmlns:a14="http://schemas.microsoft.com/office/drawing/2010/main" xmlns:m="http://schemas.openxmlformats.org/officeDocument/2006/math" xmlns="" val="1"/>
             </a:ext>
           </a:extLst>
         </p:spPr>
@@ -7139,7 +7139,7 @@
           </a:prstGeom>
           <a:extLst>
             <a:ext uri="{C572A759-6A51-4108-AA02-DFA0A04FC94B}">
-              <ma14:wrappingTextBoxFlag xmlns="" xmlns:m="http://schemas.openxmlformats.org/officeDocument/2006/math" xmlns:a14="http://schemas.microsoft.com/office/drawing/2010/main" xmlns:ma14="http://schemas.microsoft.com/office/mac/drawingml/2011/main" val="1"/>
+              <ma14:wrappingTextBoxFlag xmlns:ma14="http://schemas.microsoft.com/office/mac/drawingml/2011/main" xmlns:a14="http://schemas.microsoft.com/office/drawing/2010/main" xmlns:m="http://schemas.openxmlformats.org/officeDocument/2006/math" xmlns="" val="1"/>
             </a:ext>
           </a:extLst>
         </p:spPr>
@@ -8791,7 +8791,7 @@
           </a:prstGeom>
           <a:extLst>
             <a:ext uri="{C572A759-6A51-4108-AA02-DFA0A04FC94B}">
-              <ma14:wrappingTextBoxFlag xmlns="" xmlns:m="http://schemas.openxmlformats.org/officeDocument/2006/math" xmlns:a14="http://schemas.microsoft.com/office/drawing/2010/main" xmlns:ma14="http://schemas.microsoft.com/office/mac/drawingml/2011/main" val="1"/>
+              <ma14:wrappingTextBoxFlag xmlns:ma14="http://schemas.microsoft.com/office/mac/drawingml/2011/main" xmlns:a14="http://schemas.microsoft.com/office/drawing/2010/main" xmlns:m="http://schemas.openxmlformats.org/officeDocument/2006/math" xmlns="" val="1"/>
             </a:ext>
           </a:extLst>
         </p:spPr>
@@ -10313,7 +10313,7 @@
           </a:prstGeom>
           <a:extLst>
             <a:ext uri="{C572A759-6A51-4108-AA02-DFA0A04FC94B}">
-              <ma14:wrappingTextBoxFlag xmlns="" xmlns:m="http://schemas.openxmlformats.org/officeDocument/2006/math" xmlns:a14="http://schemas.microsoft.com/office/drawing/2010/main" xmlns:ma14="http://schemas.microsoft.com/office/mac/drawingml/2011/main" val="1"/>
+              <ma14:wrappingTextBoxFlag xmlns:ma14="http://schemas.microsoft.com/office/mac/drawingml/2011/main" xmlns:a14="http://schemas.microsoft.com/office/drawing/2010/main" xmlns:m="http://schemas.openxmlformats.org/officeDocument/2006/math" xmlns="" val="1"/>
             </a:ext>
           </a:extLst>
         </p:spPr>
@@ -10900,7 +10900,7 @@
           </a:prstGeom>
           <a:extLst>
             <a:ext uri="{C572A759-6A51-4108-AA02-DFA0A04FC94B}">
-              <ma14:wrappingTextBoxFlag xmlns="" xmlns:m="http://schemas.openxmlformats.org/officeDocument/2006/math" xmlns:a14="http://schemas.microsoft.com/office/drawing/2010/main" xmlns:ma14="http://schemas.microsoft.com/office/mac/drawingml/2011/main" val="1"/>
+              <ma14:wrappingTextBoxFlag xmlns:ma14="http://schemas.microsoft.com/office/mac/drawingml/2011/main" xmlns:a14="http://schemas.microsoft.com/office/drawing/2010/main" xmlns:m="http://schemas.openxmlformats.org/officeDocument/2006/math" xmlns="" val="1"/>
             </a:ext>
           </a:extLst>
         </p:spPr>
@@ -14216,7 +14216,7 @@
           </a:prstGeom>
           <a:extLst>
             <a:ext uri="{C572A759-6A51-4108-AA02-DFA0A04FC94B}">
-              <ma14:wrappingTextBoxFlag xmlns="" xmlns:m="http://schemas.openxmlformats.org/officeDocument/2006/math" xmlns:a14="http://schemas.microsoft.com/office/drawing/2010/main" xmlns:ma14="http://schemas.microsoft.com/office/mac/drawingml/2011/main" val="1"/>
+              <ma14:wrappingTextBoxFlag xmlns:ma14="http://schemas.microsoft.com/office/mac/drawingml/2011/main" xmlns:a14="http://schemas.microsoft.com/office/drawing/2010/main" xmlns:m="http://schemas.openxmlformats.org/officeDocument/2006/math" xmlns="" val="1"/>
             </a:ext>
           </a:extLst>
         </p:spPr>
@@ -14820,7 +14820,7 @@
           </a:prstGeom>
           <a:extLst>
             <a:ext uri="{C572A759-6A51-4108-AA02-DFA0A04FC94B}">
-              <ma14:wrappingTextBoxFlag xmlns="" xmlns:m="http://schemas.openxmlformats.org/officeDocument/2006/math" xmlns:a14="http://schemas.microsoft.com/office/drawing/2010/main" xmlns:ma14="http://schemas.microsoft.com/office/mac/drawingml/2011/main" val="1"/>
+              <ma14:wrappingTextBoxFlag xmlns:ma14="http://schemas.microsoft.com/office/mac/drawingml/2011/main" xmlns:a14="http://schemas.microsoft.com/office/drawing/2010/main" xmlns:m="http://schemas.openxmlformats.org/officeDocument/2006/math" xmlns="" val="1"/>
             </a:ext>
           </a:extLst>
         </p:spPr>
@@ -15996,7 +15996,7 @@
           </a:prstGeom>
           <a:extLst>
             <a:ext uri="{C572A759-6A51-4108-AA02-DFA0A04FC94B}">
-              <ma14:wrappingTextBoxFlag xmlns="" xmlns:m="http://schemas.openxmlformats.org/officeDocument/2006/math" xmlns:a14="http://schemas.microsoft.com/office/drawing/2010/main" xmlns:ma14="http://schemas.microsoft.com/office/mac/drawingml/2011/main" val="1"/>
+              <ma14:wrappingTextBoxFlag xmlns:ma14="http://schemas.microsoft.com/office/mac/drawingml/2011/main" xmlns:a14="http://schemas.microsoft.com/office/drawing/2010/main" xmlns:m="http://schemas.openxmlformats.org/officeDocument/2006/math" xmlns="" val="1"/>
             </a:ext>
           </a:extLst>
         </p:spPr>
@@ -16191,7 +16191,7 @@
           </a:prstGeom>
           <a:extLst>
             <a:ext uri="{C572A759-6A51-4108-AA02-DFA0A04FC94B}">
-              <ma14:wrappingTextBoxFlag xmlns="" xmlns:m="http://schemas.openxmlformats.org/officeDocument/2006/math" xmlns:a14="http://schemas.microsoft.com/office/drawing/2010/main" xmlns:ma14="http://schemas.microsoft.com/office/mac/drawingml/2011/main" val="1"/>
+              <ma14:wrappingTextBoxFlag xmlns:ma14="http://schemas.microsoft.com/office/mac/drawingml/2011/main" xmlns:a14="http://schemas.microsoft.com/office/drawing/2010/main" xmlns:m="http://schemas.openxmlformats.org/officeDocument/2006/math" xmlns="" val="1"/>
             </a:ext>
           </a:extLst>
         </p:spPr>
@@ -17327,7 +17327,7 @@
           </a:prstGeom>
           <a:extLst>
             <a:ext uri="{C572A759-6A51-4108-AA02-DFA0A04FC94B}">
-              <ma14:wrappingTextBoxFlag xmlns="" xmlns:m="http://schemas.openxmlformats.org/officeDocument/2006/math" xmlns:a14="http://schemas.microsoft.com/office/drawing/2010/main" xmlns:ma14="http://schemas.microsoft.com/office/mac/drawingml/2011/main" val="1"/>
+              <ma14:wrappingTextBoxFlag xmlns:ma14="http://schemas.microsoft.com/office/mac/drawingml/2011/main" xmlns:a14="http://schemas.microsoft.com/office/drawing/2010/main" xmlns:m="http://schemas.openxmlformats.org/officeDocument/2006/math" xmlns="" val="1"/>
             </a:ext>
           </a:extLst>
         </p:spPr>
@@ -17728,7 +17728,7 @@
           </a:prstGeom>
           <a:extLst>
             <a:ext uri="{C572A759-6A51-4108-AA02-DFA0A04FC94B}">
-              <ma14:wrappingTextBoxFlag xmlns="" xmlns:m="http://schemas.openxmlformats.org/officeDocument/2006/math" xmlns:a14="http://schemas.microsoft.com/office/drawing/2010/main" xmlns:ma14="http://schemas.microsoft.com/office/mac/drawingml/2011/main" val="1"/>
+              <ma14:wrappingTextBoxFlag xmlns:ma14="http://schemas.microsoft.com/office/mac/drawingml/2011/main" xmlns:a14="http://schemas.microsoft.com/office/drawing/2010/main" xmlns:m="http://schemas.openxmlformats.org/officeDocument/2006/math" xmlns="" val="1"/>
             </a:ext>
           </a:extLst>
         </p:spPr>
@@ -18074,7 +18074,7 @@
           </a:prstGeom>
           <a:extLst>
             <a:ext uri="{C572A759-6A51-4108-AA02-DFA0A04FC94B}">
-              <ma14:wrappingTextBoxFlag xmlns="" xmlns:m="http://schemas.openxmlformats.org/officeDocument/2006/math" xmlns:a14="http://schemas.microsoft.com/office/drawing/2010/main" xmlns:ma14="http://schemas.microsoft.com/office/mac/drawingml/2011/main" val="1"/>
+              <ma14:wrappingTextBoxFlag xmlns:ma14="http://schemas.microsoft.com/office/mac/drawingml/2011/main" xmlns:a14="http://schemas.microsoft.com/office/drawing/2010/main" xmlns:m="http://schemas.openxmlformats.org/officeDocument/2006/math" xmlns="" val="1"/>
             </a:ext>
           </a:extLst>
         </p:spPr>
@@ -18195,7 +18195,7 @@
           </a:prstGeom>
           <a:extLst>
             <a:ext uri="{C572A759-6A51-4108-AA02-DFA0A04FC94B}">
-              <ma14:wrappingTextBoxFlag xmlns="" xmlns:m="http://schemas.openxmlformats.org/officeDocument/2006/math" xmlns:a14="http://schemas.microsoft.com/office/drawing/2010/main" xmlns:ma14="http://schemas.microsoft.com/office/mac/drawingml/2011/main" val="1"/>
+              <ma14:wrappingTextBoxFlag xmlns:ma14="http://schemas.microsoft.com/office/mac/drawingml/2011/main" xmlns:a14="http://schemas.microsoft.com/office/drawing/2010/main" xmlns:m="http://schemas.openxmlformats.org/officeDocument/2006/math" xmlns="" val="1"/>
             </a:ext>
           </a:extLst>
         </p:spPr>
@@ -18642,7 +18642,7 @@
           </a:ln>
           <a:extLst>
             <a:ext uri="{C572A759-6A51-4108-AA02-DFA0A04FC94B}">
-              <ma14:wrappingTextBoxFlag xmlns:ma14="http://schemas.microsoft.com/office/mac/drawingml/2011/main" xmlns="" val="1"/>
+              <ma14:wrappingTextBoxFlag xmlns="" xmlns:ma14="http://schemas.microsoft.com/office/mac/drawingml/2011/main" val="1"/>
             </a:ext>
           </a:extLst>
         </p:spPr>
@@ -18696,7 +18696,7 @@
           </a:ln>
           <a:extLst>
             <a:ext uri="{C572A759-6A51-4108-AA02-DFA0A04FC94B}">
-              <ma14:wrappingTextBoxFlag xmlns:ma14="http://schemas.microsoft.com/office/mac/drawingml/2011/main" xmlns="" val="1"/>
+              <ma14:wrappingTextBoxFlag xmlns="" xmlns:ma14="http://schemas.microsoft.com/office/mac/drawingml/2011/main" val="1"/>
             </a:ext>
           </a:extLst>
         </p:spPr>
@@ -18750,7 +18750,7 @@
           </a:ln>
           <a:extLst>
             <a:ext uri="{C572A759-6A51-4108-AA02-DFA0A04FC94B}">
-              <ma14:wrappingTextBoxFlag xmlns:ma14="http://schemas.microsoft.com/office/mac/drawingml/2011/main" xmlns="" val="1"/>
+              <ma14:wrappingTextBoxFlag xmlns="" xmlns:ma14="http://schemas.microsoft.com/office/mac/drawingml/2011/main" val="1"/>
             </a:ext>
           </a:extLst>
         </p:spPr>
@@ -18807,7 +18807,7 @@
           </a:ln>
           <a:extLst>
             <a:ext uri="{C572A759-6A51-4108-AA02-DFA0A04FC94B}">
-              <ma14:wrappingTextBoxFlag xmlns:ma14="http://schemas.microsoft.com/office/mac/drawingml/2011/main" xmlns="" val="1"/>
+              <ma14:wrappingTextBoxFlag xmlns="" xmlns:ma14="http://schemas.microsoft.com/office/mac/drawingml/2011/main" val="1"/>
             </a:ext>
           </a:extLst>
         </p:spPr>
@@ -18908,7 +18908,7 @@
           </a:ln>
           <a:extLst>
             <a:ext uri="{C572A759-6A51-4108-AA02-DFA0A04FC94B}">
-              <ma14:wrappingTextBoxFlag xmlns:ma14="http://schemas.microsoft.com/office/mac/drawingml/2011/main" xmlns="" val="1"/>
+              <ma14:wrappingTextBoxFlag xmlns="" xmlns:ma14="http://schemas.microsoft.com/office/mac/drawingml/2011/main" val="1"/>
             </a:ext>
           </a:extLst>
         </p:spPr>
@@ -19112,7 +19112,7 @@
           </a:prstGeom>
           <a:extLst>
             <a:ext uri="{C572A759-6A51-4108-AA02-DFA0A04FC94B}">
-              <ma14:wrappingTextBoxFlag xmlns="" xmlns:m="http://schemas.openxmlformats.org/officeDocument/2006/math" xmlns:a14="http://schemas.microsoft.com/office/drawing/2010/main" xmlns:ma14="http://schemas.microsoft.com/office/mac/drawingml/2011/main" val="1"/>
+              <ma14:wrappingTextBoxFlag xmlns:ma14="http://schemas.microsoft.com/office/mac/drawingml/2011/main" xmlns:a14="http://schemas.microsoft.com/office/drawing/2010/main" xmlns:m="http://schemas.openxmlformats.org/officeDocument/2006/math" xmlns="" val="1"/>
             </a:ext>
           </a:extLst>
         </p:spPr>
@@ -19603,7 +19603,7 @@
           </a:ln>
           <a:extLst>
             <a:ext uri="{C572A759-6A51-4108-AA02-DFA0A04FC94B}">
-              <ma14:wrappingTextBoxFlag xmlns:ma14="http://schemas.microsoft.com/office/mac/drawingml/2011/main" xmlns="" val="1"/>
+              <ma14:wrappingTextBoxFlag xmlns="" xmlns:ma14="http://schemas.microsoft.com/office/mac/drawingml/2011/main" val="1"/>
             </a:ext>
           </a:extLst>
         </p:spPr>
@@ -19657,7 +19657,7 @@
           </a:ln>
           <a:extLst>
             <a:ext uri="{C572A759-6A51-4108-AA02-DFA0A04FC94B}">
-              <ma14:wrappingTextBoxFlag xmlns:ma14="http://schemas.microsoft.com/office/mac/drawingml/2011/main" xmlns="" val="1"/>
+              <ma14:wrappingTextBoxFlag xmlns="" xmlns:ma14="http://schemas.microsoft.com/office/mac/drawingml/2011/main" val="1"/>
             </a:ext>
           </a:extLst>
         </p:spPr>
@@ -19711,7 +19711,7 @@
           </a:ln>
           <a:extLst>
             <a:ext uri="{C572A759-6A51-4108-AA02-DFA0A04FC94B}">
-              <ma14:wrappingTextBoxFlag xmlns:ma14="http://schemas.microsoft.com/office/mac/drawingml/2011/main" xmlns="" val="1"/>
+              <ma14:wrappingTextBoxFlag xmlns="" xmlns:ma14="http://schemas.microsoft.com/office/mac/drawingml/2011/main" val="1"/>
             </a:ext>
           </a:extLst>
         </p:spPr>
@@ -19768,7 +19768,7 @@
           </a:ln>
           <a:extLst>
             <a:ext uri="{C572A759-6A51-4108-AA02-DFA0A04FC94B}">
-              <ma14:wrappingTextBoxFlag xmlns:ma14="http://schemas.microsoft.com/office/mac/drawingml/2011/main" xmlns="" val="1"/>
+              <ma14:wrappingTextBoxFlag xmlns="" xmlns:ma14="http://schemas.microsoft.com/office/mac/drawingml/2011/main" val="1"/>
             </a:ext>
           </a:extLst>
         </p:spPr>
@@ -19869,7 +19869,7 @@
           </a:ln>
           <a:extLst>
             <a:ext uri="{C572A759-6A51-4108-AA02-DFA0A04FC94B}">
-              <ma14:wrappingTextBoxFlag xmlns:ma14="http://schemas.microsoft.com/office/mac/drawingml/2011/main" xmlns="" val="1"/>
+              <ma14:wrappingTextBoxFlag xmlns="" xmlns:ma14="http://schemas.microsoft.com/office/mac/drawingml/2011/main" val="1"/>
             </a:ext>
           </a:extLst>
         </p:spPr>
@@ -20060,7 +20060,7 @@
           </a:prstGeom>
           <a:extLst>
             <a:ext uri="{C572A759-6A51-4108-AA02-DFA0A04FC94B}">
-              <ma14:wrappingTextBoxFlag xmlns="" xmlns:m="http://schemas.openxmlformats.org/officeDocument/2006/math" xmlns:a14="http://schemas.microsoft.com/office/drawing/2010/main" xmlns:ma14="http://schemas.microsoft.com/office/mac/drawingml/2011/main" val="1"/>
+              <ma14:wrappingTextBoxFlag xmlns:ma14="http://schemas.microsoft.com/office/mac/drawingml/2011/main" xmlns:a14="http://schemas.microsoft.com/office/drawing/2010/main" xmlns:m="http://schemas.openxmlformats.org/officeDocument/2006/math" xmlns="" val="1"/>
             </a:ext>
           </a:extLst>
         </p:spPr>
@@ -20509,7 +20509,7 @@
           </a:ln>
           <a:extLst>
             <a:ext uri="{C572A759-6A51-4108-AA02-DFA0A04FC94B}">
-              <ma14:wrappingTextBoxFlag xmlns:ma14="http://schemas.microsoft.com/office/mac/drawingml/2011/main" xmlns="" val="1"/>
+              <ma14:wrappingTextBoxFlag xmlns="" xmlns:ma14="http://schemas.microsoft.com/office/mac/drawingml/2011/main" val="1"/>
             </a:ext>
           </a:extLst>
         </p:spPr>
@@ -20563,7 +20563,7 @@
           </a:ln>
           <a:extLst>
             <a:ext uri="{C572A759-6A51-4108-AA02-DFA0A04FC94B}">
-              <ma14:wrappingTextBoxFlag xmlns:ma14="http://schemas.microsoft.com/office/mac/drawingml/2011/main" xmlns="" val="1"/>
+              <ma14:wrappingTextBoxFlag xmlns="" xmlns:ma14="http://schemas.microsoft.com/office/mac/drawingml/2011/main" val="1"/>
             </a:ext>
           </a:extLst>
         </p:spPr>
@@ -20617,7 +20617,7 @@
           </a:ln>
           <a:extLst>
             <a:ext uri="{C572A759-6A51-4108-AA02-DFA0A04FC94B}">
-              <ma14:wrappingTextBoxFlag xmlns:ma14="http://schemas.microsoft.com/office/mac/drawingml/2011/main" xmlns="" val="1"/>
+              <ma14:wrappingTextBoxFlag xmlns="" xmlns:ma14="http://schemas.microsoft.com/office/mac/drawingml/2011/main" val="1"/>
             </a:ext>
           </a:extLst>
         </p:spPr>
@@ -20674,7 +20674,7 @@
           </a:ln>
           <a:extLst>
             <a:ext uri="{C572A759-6A51-4108-AA02-DFA0A04FC94B}">
-              <ma14:wrappingTextBoxFlag xmlns:ma14="http://schemas.microsoft.com/office/mac/drawingml/2011/main" xmlns="" val="1"/>
+              <ma14:wrappingTextBoxFlag xmlns="" xmlns:ma14="http://schemas.microsoft.com/office/mac/drawingml/2011/main" val="1"/>
             </a:ext>
           </a:extLst>
         </p:spPr>
@@ -20775,7 +20775,7 @@
           </a:ln>
           <a:extLst>
             <a:ext uri="{C572A759-6A51-4108-AA02-DFA0A04FC94B}">
-              <ma14:wrappingTextBoxFlag xmlns:ma14="http://schemas.microsoft.com/office/mac/drawingml/2011/main" xmlns="" val="1"/>
+              <ma14:wrappingTextBoxFlag xmlns="" xmlns:ma14="http://schemas.microsoft.com/office/mac/drawingml/2011/main" val="1"/>
             </a:ext>
           </a:extLst>
         </p:spPr>
@@ -21046,7 +21046,7 @@
           </a:prstGeom>
           <a:extLst>
             <a:ext uri="{C572A759-6A51-4108-AA02-DFA0A04FC94B}">
-              <ma14:wrappingTextBoxFlag xmlns="" xmlns:m="http://schemas.openxmlformats.org/officeDocument/2006/math" xmlns:a14="http://schemas.microsoft.com/office/drawing/2010/main" xmlns:ma14="http://schemas.microsoft.com/office/mac/drawingml/2011/main" val="1"/>
+              <ma14:wrappingTextBoxFlag xmlns:ma14="http://schemas.microsoft.com/office/mac/drawingml/2011/main" xmlns:a14="http://schemas.microsoft.com/office/drawing/2010/main" xmlns:m="http://schemas.openxmlformats.org/officeDocument/2006/math" xmlns="" val="1"/>
             </a:ext>
           </a:extLst>
         </p:spPr>
@@ -21584,7 +21584,7 @@
           </a:ln>
           <a:extLst>
             <a:ext uri="{C572A759-6A51-4108-AA02-DFA0A04FC94B}">
-              <ma14:wrappingTextBoxFlag xmlns:ma14="http://schemas.microsoft.com/office/mac/drawingml/2011/main" xmlns="" val="1"/>
+              <ma14:wrappingTextBoxFlag xmlns="" xmlns:ma14="http://schemas.microsoft.com/office/mac/drawingml/2011/main" val="1"/>
             </a:ext>
           </a:extLst>
         </p:spPr>
@@ -21638,7 +21638,7 @@
           </a:ln>
           <a:extLst>
             <a:ext uri="{C572A759-6A51-4108-AA02-DFA0A04FC94B}">
-              <ma14:wrappingTextBoxFlag xmlns:ma14="http://schemas.microsoft.com/office/mac/drawingml/2011/main" xmlns="" val="1"/>
+              <ma14:wrappingTextBoxFlag xmlns="" xmlns:ma14="http://schemas.microsoft.com/office/mac/drawingml/2011/main" val="1"/>
             </a:ext>
           </a:extLst>
         </p:spPr>
@@ -21692,7 +21692,7 @@
           </a:ln>
           <a:extLst>
             <a:ext uri="{C572A759-6A51-4108-AA02-DFA0A04FC94B}">
-              <ma14:wrappingTextBoxFlag xmlns:ma14="http://schemas.microsoft.com/office/mac/drawingml/2011/main" xmlns="" val="1"/>
+              <ma14:wrappingTextBoxFlag xmlns="" xmlns:ma14="http://schemas.microsoft.com/office/mac/drawingml/2011/main" val="1"/>
             </a:ext>
           </a:extLst>
         </p:spPr>
@@ -21749,7 +21749,7 @@
           </a:ln>
           <a:extLst>
             <a:ext uri="{C572A759-6A51-4108-AA02-DFA0A04FC94B}">
-              <ma14:wrappingTextBoxFlag xmlns:ma14="http://schemas.microsoft.com/office/mac/drawingml/2011/main" xmlns="" val="1"/>
+              <ma14:wrappingTextBoxFlag xmlns="" xmlns:ma14="http://schemas.microsoft.com/office/mac/drawingml/2011/main" val="1"/>
             </a:ext>
           </a:extLst>
         </p:spPr>
@@ -21850,7 +21850,7 @@
           </a:ln>
           <a:extLst>
             <a:ext uri="{C572A759-6A51-4108-AA02-DFA0A04FC94B}">
-              <ma14:wrappingTextBoxFlag xmlns:ma14="http://schemas.microsoft.com/office/mac/drawingml/2011/main" xmlns="" val="1"/>
+              <ma14:wrappingTextBoxFlag xmlns="" xmlns:ma14="http://schemas.microsoft.com/office/mac/drawingml/2011/main" val="1"/>
             </a:ext>
           </a:extLst>
         </p:spPr>
@@ -22396,7 +22396,7 @@
           </a:prstGeom>
           <a:extLst>
             <a:ext uri="{C572A759-6A51-4108-AA02-DFA0A04FC94B}">
-              <ma14:wrappingTextBoxFlag xmlns="" xmlns:m="http://schemas.openxmlformats.org/officeDocument/2006/math" xmlns:a14="http://schemas.microsoft.com/office/drawing/2010/main" xmlns:ma14="http://schemas.microsoft.com/office/mac/drawingml/2011/main" val="1"/>
+              <ma14:wrappingTextBoxFlag xmlns:ma14="http://schemas.microsoft.com/office/mac/drawingml/2011/main" xmlns:a14="http://schemas.microsoft.com/office/drawing/2010/main" xmlns:m="http://schemas.openxmlformats.org/officeDocument/2006/math" xmlns="" val="1"/>
             </a:ext>
           </a:extLst>
         </p:spPr>
@@ -22809,7 +22809,7 @@
             <a:effectLst/>
             <a:extLst>
               <a:ext uri="{C572A759-6A51-4108-AA02-DFA0A04FC94B}">
-                <ma14:wrappingTextBoxFlag xmlns:ma14="http://schemas.microsoft.com/office/mac/drawingml/2011/main" xmlns="" val="1"/>
+                <ma14:wrappingTextBoxFlag xmlns="" xmlns:ma14="http://schemas.microsoft.com/office/mac/drawingml/2011/main" val="1"/>
               </a:ext>
             </a:extLst>
           </p:spPr>
@@ -22863,7 +22863,7 @@
             <a:effectLst/>
             <a:extLst>
               <a:ext uri="{C572A759-6A51-4108-AA02-DFA0A04FC94B}">
-                <ma14:wrappingTextBoxFlag xmlns:ma14="http://schemas.microsoft.com/office/mac/drawingml/2011/main" xmlns="" val="1"/>
+                <ma14:wrappingTextBoxFlag xmlns="" xmlns:ma14="http://schemas.microsoft.com/office/mac/drawingml/2011/main" val="1"/>
               </a:ext>
             </a:extLst>
           </p:spPr>
@@ -22925,7 +22925,7 @@
             <a:effectLst/>
             <a:extLst>
               <a:ext uri="{C572A759-6A51-4108-AA02-DFA0A04FC94B}">
-                <ma14:wrappingTextBoxFlag xmlns:ma14="http://schemas.microsoft.com/office/mac/drawingml/2011/main" xmlns="" val="1"/>
+                <ma14:wrappingTextBoxFlag xmlns="" xmlns:ma14="http://schemas.microsoft.com/office/mac/drawingml/2011/main" val="1"/>
               </a:ext>
             </a:extLst>
           </p:spPr>
@@ -23036,7 +23036,7 @@
             <a:effectLst/>
             <a:extLst>
               <a:ext uri="{C572A759-6A51-4108-AA02-DFA0A04FC94B}">
-                <ma14:wrappingTextBoxFlag xmlns:ma14="http://schemas.microsoft.com/office/mac/drawingml/2011/main" xmlns="" val="1"/>
+                <ma14:wrappingTextBoxFlag xmlns="" xmlns:ma14="http://schemas.microsoft.com/office/mac/drawingml/2011/main" val="1"/>
               </a:ext>
             </a:extLst>
           </p:spPr>
@@ -23196,7 +23196,7 @@
             <a:effectLst/>
             <a:extLst>
               <a:ext uri="{C572A759-6A51-4108-AA02-DFA0A04FC94B}">
-                <ma14:wrappingTextBoxFlag xmlns:ma14="http://schemas.microsoft.com/office/mac/drawingml/2011/main" xmlns="" val="1"/>
+                <ma14:wrappingTextBoxFlag xmlns="" xmlns:ma14="http://schemas.microsoft.com/office/mac/drawingml/2011/main" val="1"/>
               </a:ext>
             </a:extLst>
           </p:spPr>
@@ -23432,7 +23432,7 @@
           </a:prstGeom>
           <a:extLst>
             <a:ext uri="{C572A759-6A51-4108-AA02-DFA0A04FC94B}">
-              <ma14:wrappingTextBoxFlag xmlns="" xmlns:m="http://schemas.openxmlformats.org/officeDocument/2006/math" xmlns:a14="http://schemas.microsoft.com/office/drawing/2010/main" xmlns:ma14="http://schemas.microsoft.com/office/mac/drawingml/2011/main" val="1"/>
+              <ma14:wrappingTextBoxFlag xmlns:ma14="http://schemas.microsoft.com/office/mac/drawingml/2011/main" xmlns:a14="http://schemas.microsoft.com/office/drawing/2010/main" xmlns:m="http://schemas.openxmlformats.org/officeDocument/2006/math" xmlns="" val="1"/>
             </a:ext>
           </a:extLst>
         </p:spPr>
@@ -24757,7 +24757,15 @@
           <a:p>
             <a:r>
               <a:rPr lang="da-DK" dirty="0"/>
-              <a:t>Tip on guide end arm</a:t>
+              <a:t>Tip: </a:t>
+            </a:r>
+            <a:r>
+              <a:rPr lang="da-DK" dirty="0" err="1"/>
+              <a:t>Insert</a:t>
+            </a:r>
+            <a:r>
+              <a:rPr lang="da-DK" dirty="0"/>
+              <a:t> a guide at the end of the guide</a:t>
             </a:r>
           </a:p>
         </p:txBody>
@@ -24782,7 +24790,7 @@
           </a:prstGeom>
           <a:extLst>
             <a:ext uri="{C572A759-6A51-4108-AA02-DFA0A04FC94B}">
-              <ma14:wrappingTextBoxFlag xmlns="" xmlns:m="http://schemas.openxmlformats.org/officeDocument/2006/math" xmlns:a14="http://schemas.microsoft.com/office/drawing/2010/main" xmlns:ma14="http://schemas.microsoft.com/office/mac/drawingml/2011/main" val="1"/>
+              <ma14:wrappingTextBoxFlag xmlns:ma14="http://schemas.microsoft.com/office/mac/drawingml/2011/main" xmlns:a14="http://schemas.microsoft.com/office/drawing/2010/main" xmlns:m="http://schemas.openxmlformats.org/officeDocument/2006/math" xmlns="" val="1"/>
             </a:ext>
           </a:extLst>
         </p:spPr>
